--- a/présentation_livrable_4.pptx
+++ b/présentation_livrable_4.pptx
@@ -4,6 +4,9 @@
   <p:sldMasterIdLst>
     <p:sldMasterId id="2147483648" r:id="rId1"/>
   </p:sldMasterIdLst>
+  <p:notesMasterIdLst>
+    <p:notesMasterId r:id="rId16"/>
+  </p:notesMasterIdLst>
   <p:sldIdLst>
     <p:sldId id="257" r:id="rId2"/>
     <p:sldId id="269" r:id="rId3"/>
@@ -15,8 +18,10 @@
     <p:sldId id="262" r:id="rId9"/>
     <p:sldId id="263" r:id="rId10"/>
     <p:sldId id="264" r:id="rId11"/>
-    <p:sldId id="268" r:id="rId12"/>
-    <p:sldId id="267" r:id="rId13"/>
+    <p:sldId id="271" r:id="rId12"/>
+    <p:sldId id="270" r:id="rId13"/>
+    <p:sldId id="272" r:id="rId14"/>
+    <p:sldId id="267" r:id="rId15"/>
   </p:sldIdLst>
   <p:sldSz cx="12192000" cy="6858000"/>
   <p:notesSz cx="6858000" cy="9144000"/>
@@ -115,7 +120,361 @@
       </a:defRPr>
     </a:lvl9pPr>
   </p:defaultTextStyle>
+  <p:extLst>
+    <p:ext uri="{EFAFB233-063F-42B5-8137-9DF3F51BA10A}">
+      <p15:sldGuideLst xmlns:p15="http://schemas.microsoft.com/office/powerpoint/2012/main"/>
+    </p:ext>
+  </p:extLst>
 </p:presentation>
+</file>
+
+<file path=ppt/notesMasters/notesMaster1.xml><?xml version="1.0" encoding="utf-8"?>
+<p:notesMaster xmlns:a="http://schemas.openxmlformats.org/drawingml/2006/main" xmlns:r="http://schemas.openxmlformats.org/officeDocument/2006/relationships" xmlns:p="http://schemas.openxmlformats.org/presentationml/2006/main">
+  <p:cSld>
+    <p:bg>
+      <p:bgRef idx="1001">
+        <a:schemeClr val="bg1"/>
+      </p:bgRef>
+    </p:bg>
+    <p:spTree>
+      <p:nvGrpSpPr>
+        <p:cNvPr id="1" name=""/>
+        <p:cNvGrpSpPr/>
+        <p:nvPr/>
+      </p:nvGrpSpPr>
+      <p:grpSpPr>
+        <a:xfrm>
+          <a:off x="0" y="0"/>
+          <a:ext cx="0" cy="0"/>
+          <a:chOff x="0" y="0"/>
+          <a:chExt cx="0" cy="0"/>
+        </a:xfrm>
+      </p:grpSpPr>
+      <p:sp>
+        <p:nvSpPr>
+          <p:cNvPr id="2" name="Espace réservé de l'en-tête 1"/>
+          <p:cNvSpPr>
+            <a:spLocks noGrp="1"/>
+          </p:cNvSpPr>
+          <p:nvPr>
+            <p:ph type="hdr" sz="quarter"/>
+          </p:nvPr>
+        </p:nvSpPr>
+        <p:spPr>
+          <a:xfrm>
+            <a:off x="0" y="0"/>
+            <a:ext cx="2971800" cy="458788"/>
+          </a:xfrm>
+          <a:prstGeom prst="rect">
+            <a:avLst/>
+          </a:prstGeom>
+        </p:spPr>
+        <p:txBody>
+          <a:bodyPr vert="horz" lIns="91440" tIns="45720" rIns="91440" bIns="45720" rtlCol="0"/>
+          <a:lstStyle>
+            <a:lvl1pPr algn="l">
+              <a:defRPr sz="1200"/>
+            </a:lvl1pPr>
+          </a:lstStyle>
+          <a:p>
+            <a:endParaRPr lang="fr-FR"/>
+          </a:p>
+        </p:txBody>
+      </p:sp>
+      <p:sp>
+        <p:nvSpPr>
+          <p:cNvPr id="3" name="Espace réservé de la date 2"/>
+          <p:cNvSpPr>
+            <a:spLocks noGrp="1"/>
+          </p:cNvSpPr>
+          <p:nvPr>
+            <p:ph type="dt" idx="1"/>
+          </p:nvPr>
+        </p:nvSpPr>
+        <p:spPr>
+          <a:xfrm>
+            <a:off x="3884613" y="0"/>
+            <a:ext cx="2971800" cy="458788"/>
+          </a:xfrm>
+          <a:prstGeom prst="rect">
+            <a:avLst/>
+          </a:prstGeom>
+        </p:spPr>
+        <p:txBody>
+          <a:bodyPr vert="horz" lIns="91440" tIns="45720" rIns="91440" bIns="45720" rtlCol="0"/>
+          <a:lstStyle>
+            <a:lvl1pPr algn="r">
+              <a:defRPr sz="1200"/>
+            </a:lvl1pPr>
+          </a:lstStyle>
+          <a:p>
+            <a:fld id="{C211CFE5-C993-42C5-98EA-8B565CFA01B3}" type="datetimeFigureOut">
+              <a:rPr lang="fr-FR" smtClean="0"/>
+              <a:t>10/05/2023</a:t>
+            </a:fld>
+            <a:endParaRPr lang="fr-FR"/>
+          </a:p>
+        </p:txBody>
+      </p:sp>
+      <p:sp>
+        <p:nvSpPr>
+          <p:cNvPr id="4" name="Espace réservé de l'image des diapositives 3"/>
+          <p:cNvSpPr>
+            <a:spLocks noGrp="1" noRot="1" noChangeAspect="1"/>
+          </p:cNvSpPr>
+          <p:nvPr>
+            <p:ph type="sldImg" idx="2"/>
+          </p:nvPr>
+        </p:nvSpPr>
+        <p:spPr>
+          <a:xfrm>
+            <a:off x="685800" y="1143000"/>
+            <a:ext cx="5486400" cy="3086100"/>
+          </a:xfrm>
+          <a:prstGeom prst="rect">
+            <a:avLst/>
+          </a:prstGeom>
+          <a:noFill/>
+          <a:ln w="12700">
+            <a:solidFill>
+              <a:prstClr val="black"/>
+            </a:solidFill>
+          </a:ln>
+        </p:spPr>
+        <p:txBody>
+          <a:bodyPr vert="horz" lIns="91440" tIns="45720" rIns="91440" bIns="45720" rtlCol="0" anchor="ctr"/>
+          <a:lstStyle/>
+          <a:p>
+            <a:endParaRPr lang="fr-FR"/>
+          </a:p>
+        </p:txBody>
+      </p:sp>
+      <p:sp>
+        <p:nvSpPr>
+          <p:cNvPr id="5" name="Espace réservé des notes 4"/>
+          <p:cNvSpPr>
+            <a:spLocks noGrp="1"/>
+          </p:cNvSpPr>
+          <p:nvPr>
+            <p:ph type="body" sz="quarter" idx="3"/>
+          </p:nvPr>
+        </p:nvSpPr>
+        <p:spPr>
+          <a:xfrm>
+            <a:off x="685800" y="4400550"/>
+            <a:ext cx="5486400" cy="3600450"/>
+          </a:xfrm>
+          <a:prstGeom prst="rect">
+            <a:avLst/>
+          </a:prstGeom>
+        </p:spPr>
+        <p:txBody>
+          <a:bodyPr vert="horz" lIns="91440" tIns="45720" rIns="91440" bIns="45720" rtlCol="0"/>
+          <a:lstStyle/>
+          <a:p>
+            <a:pPr lvl="0"/>
+            <a:r>
+              <a:rPr lang="fr-FR"/>
+              <a:t>Cliquez pour modifier les styles du texte du masque</a:t>
+            </a:r>
+          </a:p>
+          <a:p>
+            <a:pPr lvl="1"/>
+            <a:r>
+              <a:rPr lang="fr-FR"/>
+              <a:t>Deuxième niveau</a:t>
+            </a:r>
+          </a:p>
+          <a:p>
+            <a:pPr lvl="2"/>
+            <a:r>
+              <a:rPr lang="fr-FR"/>
+              <a:t>Troisième niveau</a:t>
+            </a:r>
+          </a:p>
+          <a:p>
+            <a:pPr lvl="3"/>
+            <a:r>
+              <a:rPr lang="fr-FR"/>
+              <a:t>Quatrième niveau</a:t>
+            </a:r>
+          </a:p>
+          <a:p>
+            <a:pPr lvl="4"/>
+            <a:r>
+              <a:rPr lang="fr-FR"/>
+              <a:t>Cinquième niveau</a:t>
+            </a:r>
+          </a:p>
+        </p:txBody>
+      </p:sp>
+      <p:sp>
+        <p:nvSpPr>
+          <p:cNvPr id="6" name="Espace réservé du pied de page 5"/>
+          <p:cNvSpPr>
+            <a:spLocks noGrp="1"/>
+          </p:cNvSpPr>
+          <p:nvPr>
+            <p:ph type="ftr" sz="quarter" idx="4"/>
+          </p:nvPr>
+        </p:nvSpPr>
+        <p:spPr>
+          <a:xfrm>
+            <a:off x="0" y="8685213"/>
+            <a:ext cx="2971800" cy="458787"/>
+          </a:xfrm>
+          <a:prstGeom prst="rect">
+            <a:avLst/>
+          </a:prstGeom>
+        </p:spPr>
+        <p:txBody>
+          <a:bodyPr vert="horz" lIns="91440" tIns="45720" rIns="91440" bIns="45720" rtlCol="0" anchor="b"/>
+          <a:lstStyle>
+            <a:lvl1pPr algn="l">
+              <a:defRPr sz="1200"/>
+            </a:lvl1pPr>
+          </a:lstStyle>
+          <a:p>
+            <a:endParaRPr lang="fr-FR"/>
+          </a:p>
+        </p:txBody>
+      </p:sp>
+      <p:sp>
+        <p:nvSpPr>
+          <p:cNvPr id="7" name="Espace réservé du numéro de diapositive 6"/>
+          <p:cNvSpPr>
+            <a:spLocks noGrp="1"/>
+          </p:cNvSpPr>
+          <p:nvPr>
+            <p:ph type="sldNum" sz="quarter" idx="5"/>
+          </p:nvPr>
+        </p:nvSpPr>
+        <p:spPr>
+          <a:xfrm>
+            <a:off x="3884613" y="8685213"/>
+            <a:ext cx="2971800" cy="458787"/>
+          </a:xfrm>
+          <a:prstGeom prst="rect">
+            <a:avLst/>
+          </a:prstGeom>
+        </p:spPr>
+        <p:txBody>
+          <a:bodyPr vert="horz" lIns="91440" tIns="45720" rIns="91440" bIns="45720" rtlCol="0" anchor="b"/>
+          <a:lstStyle>
+            <a:lvl1pPr algn="r">
+              <a:defRPr sz="1200"/>
+            </a:lvl1pPr>
+          </a:lstStyle>
+          <a:p>
+            <a:fld id="{CD8D6138-8BA6-477E-9713-A0018C1F6984}" type="slidenum">
+              <a:rPr lang="fr-FR" smtClean="0"/>
+              <a:t>‹N°›</a:t>
+            </a:fld>
+            <a:endParaRPr lang="fr-FR"/>
+          </a:p>
+        </p:txBody>
+      </p:sp>
+    </p:spTree>
+    <p:extLst>
+      <p:ext uri="{BB962C8B-B14F-4D97-AF65-F5344CB8AC3E}">
+        <p14:creationId xmlns:p14="http://schemas.microsoft.com/office/powerpoint/2010/main" val="2460699981"/>
+      </p:ext>
+    </p:extLst>
+  </p:cSld>
+  <p:clrMap bg1="lt1" tx1="dk1" bg2="lt2" tx2="dk2" accent1="accent1" accent2="accent2" accent3="accent3" accent4="accent4" accent5="accent5" accent6="accent6" hlink="hlink" folHlink="folHlink"/>
+  <p:notesStyle>
+    <a:lvl1pPr marL="0" algn="l" defTabSz="914400" rtl="0" eaLnBrk="1" latinLnBrk="0" hangingPunct="1">
+      <a:defRPr sz="1200" kern="1200">
+        <a:solidFill>
+          <a:schemeClr val="tx1"/>
+        </a:solidFill>
+        <a:latin typeface="+mn-lt"/>
+        <a:ea typeface="+mn-ea"/>
+        <a:cs typeface="+mn-cs"/>
+      </a:defRPr>
+    </a:lvl1pPr>
+    <a:lvl2pPr marL="457200" algn="l" defTabSz="914400" rtl="0" eaLnBrk="1" latinLnBrk="0" hangingPunct="1">
+      <a:defRPr sz="1200" kern="1200">
+        <a:solidFill>
+          <a:schemeClr val="tx1"/>
+        </a:solidFill>
+        <a:latin typeface="+mn-lt"/>
+        <a:ea typeface="+mn-ea"/>
+        <a:cs typeface="+mn-cs"/>
+      </a:defRPr>
+    </a:lvl2pPr>
+    <a:lvl3pPr marL="914400" algn="l" defTabSz="914400" rtl="0" eaLnBrk="1" latinLnBrk="0" hangingPunct="1">
+      <a:defRPr sz="1200" kern="1200">
+        <a:solidFill>
+          <a:schemeClr val="tx1"/>
+        </a:solidFill>
+        <a:latin typeface="+mn-lt"/>
+        <a:ea typeface="+mn-ea"/>
+        <a:cs typeface="+mn-cs"/>
+      </a:defRPr>
+    </a:lvl3pPr>
+    <a:lvl4pPr marL="1371600" algn="l" defTabSz="914400" rtl="0" eaLnBrk="1" latinLnBrk="0" hangingPunct="1">
+      <a:defRPr sz="1200" kern="1200">
+        <a:solidFill>
+          <a:schemeClr val="tx1"/>
+        </a:solidFill>
+        <a:latin typeface="+mn-lt"/>
+        <a:ea typeface="+mn-ea"/>
+        <a:cs typeface="+mn-cs"/>
+      </a:defRPr>
+    </a:lvl4pPr>
+    <a:lvl5pPr marL="1828800" algn="l" defTabSz="914400" rtl="0" eaLnBrk="1" latinLnBrk="0" hangingPunct="1">
+      <a:defRPr sz="1200" kern="1200">
+        <a:solidFill>
+          <a:schemeClr val="tx1"/>
+        </a:solidFill>
+        <a:latin typeface="+mn-lt"/>
+        <a:ea typeface="+mn-ea"/>
+        <a:cs typeface="+mn-cs"/>
+      </a:defRPr>
+    </a:lvl5pPr>
+    <a:lvl6pPr marL="2286000" algn="l" defTabSz="914400" rtl="0" eaLnBrk="1" latinLnBrk="0" hangingPunct="1">
+      <a:defRPr sz="1200" kern="1200">
+        <a:solidFill>
+          <a:schemeClr val="tx1"/>
+        </a:solidFill>
+        <a:latin typeface="+mn-lt"/>
+        <a:ea typeface="+mn-ea"/>
+        <a:cs typeface="+mn-cs"/>
+      </a:defRPr>
+    </a:lvl6pPr>
+    <a:lvl7pPr marL="2743200" algn="l" defTabSz="914400" rtl="0" eaLnBrk="1" latinLnBrk="0" hangingPunct="1">
+      <a:defRPr sz="1200" kern="1200">
+        <a:solidFill>
+          <a:schemeClr val="tx1"/>
+        </a:solidFill>
+        <a:latin typeface="+mn-lt"/>
+        <a:ea typeface="+mn-ea"/>
+        <a:cs typeface="+mn-cs"/>
+      </a:defRPr>
+    </a:lvl7pPr>
+    <a:lvl8pPr marL="3200400" algn="l" defTabSz="914400" rtl="0" eaLnBrk="1" latinLnBrk="0" hangingPunct="1">
+      <a:defRPr sz="1200" kern="1200">
+        <a:solidFill>
+          <a:schemeClr val="tx1"/>
+        </a:solidFill>
+        <a:latin typeface="+mn-lt"/>
+        <a:ea typeface="+mn-ea"/>
+        <a:cs typeface="+mn-cs"/>
+      </a:defRPr>
+    </a:lvl8pPr>
+    <a:lvl9pPr marL="3657600" algn="l" defTabSz="914400" rtl="0" eaLnBrk="1" latinLnBrk="0" hangingPunct="1">
+      <a:defRPr sz="1200" kern="1200">
+        <a:solidFill>
+          <a:schemeClr val="tx1"/>
+        </a:solidFill>
+        <a:latin typeface="+mn-lt"/>
+        <a:ea typeface="+mn-ea"/>
+        <a:cs typeface="+mn-cs"/>
+      </a:defRPr>
+    </a:lvl9pPr>
+  </p:notesStyle>
+</p:notesMaster>
 </file>
 
 <file path=ppt/slideLayouts/slideLayout1.xml><?xml version="1.0" encoding="utf-8"?>
@@ -263,9 +622,9 @@
           <a:bodyPr/>
           <a:lstStyle/>
           <a:p>
-            <a:fld id="{B772CE12-9C45-42A3-8B94-7DA904E53F03}" type="datetimeFigureOut">
+            <a:fld id="{8942A053-BC5C-429E-8596-9991BA4F2132}" type="datetime1">
               <a:rPr lang="fr-FR" smtClean="0"/>
-              <a:t>05/05/2023</a:t>
+              <a:t>10/05/2023</a:t>
             </a:fld>
             <a:endParaRPr lang="fr-FR"/>
           </a:p>
@@ -461,9 +820,9 @@
           <a:bodyPr/>
           <a:lstStyle/>
           <a:p>
-            <a:fld id="{B772CE12-9C45-42A3-8B94-7DA904E53F03}" type="datetimeFigureOut">
+            <a:fld id="{0629E193-497C-4922-A0C6-4AC60B37B8DE}" type="datetime1">
               <a:rPr lang="fr-FR" smtClean="0"/>
-              <a:t>05/05/2023</a:t>
+              <a:t>10/05/2023</a:t>
             </a:fld>
             <a:endParaRPr lang="fr-FR"/>
           </a:p>
@@ -669,9 +1028,9 @@
           <a:bodyPr/>
           <a:lstStyle/>
           <a:p>
-            <a:fld id="{B772CE12-9C45-42A3-8B94-7DA904E53F03}" type="datetimeFigureOut">
+            <a:fld id="{516D56D8-D367-4610-937F-6DC4D4CA74A2}" type="datetime1">
               <a:rPr lang="fr-FR" smtClean="0"/>
-              <a:t>05/05/2023</a:t>
+              <a:t>10/05/2023</a:t>
             </a:fld>
             <a:endParaRPr lang="fr-FR"/>
           </a:p>
@@ -867,9 +1226,9 @@
           <a:bodyPr/>
           <a:lstStyle/>
           <a:p>
-            <a:fld id="{B772CE12-9C45-42A3-8B94-7DA904E53F03}" type="datetimeFigureOut">
+            <a:fld id="{B21E7010-4D3E-4C28-99D1-136D20F29935}" type="datetime1">
               <a:rPr lang="fr-FR" smtClean="0"/>
-              <a:t>05/05/2023</a:t>
+              <a:t>10/05/2023</a:t>
             </a:fld>
             <a:endParaRPr lang="fr-FR"/>
           </a:p>
@@ -1142,9 +1501,9 @@
           <a:bodyPr/>
           <a:lstStyle/>
           <a:p>
-            <a:fld id="{B772CE12-9C45-42A3-8B94-7DA904E53F03}" type="datetimeFigureOut">
+            <a:fld id="{DC8AEB5F-CEBF-46C3-B1AE-F989DF7EF13B}" type="datetime1">
               <a:rPr lang="fr-FR" smtClean="0"/>
-              <a:t>05/05/2023</a:t>
+              <a:t>10/05/2023</a:t>
             </a:fld>
             <a:endParaRPr lang="fr-FR"/>
           </a:p>
@@ -1407,9 +1766,9 @@
           <a:bodyPr/>
           <a:lstStyle/>
           <a:p>
-            <a:fld id="{B772CE12-9C45-42A3-8B94-7DA904E53F03}" type="datetimeFigureOut">
+            <a:fld id="{04605D90-FE22-4529-BF52-994494BAE5AE}" type="datetime1">
               <a:rPr lang="fr-FR" smtClean="0"/>
-              <a:t>05/05/2023</a:t>
+              <a:t>10/05/2023</a:t>
             </a:fld>
             <a:endParaRPr lang="fr-FR"/>
           </a:p>
@@ -1819,9 +2178,9 @@
           <a:bodyPr/>
           <a:lstStyle/>
           <a:p>
-            <a:fld id="{B772CE12-9C45-42A3-8B94-7DA904E53F03}" type="datetimeFigureOut">
+            <a:fld id="{FD955FD7-45C3-4129-B02E-3046546EA5D1}" type="datetime1">
               <a:rPr lang="fr-FR" smtClean="0"/>
-              <a:t>05/05/2023</a:t>
+              <a:t>10/05/2023</a:t>
             </a:fld>
             <a:endParaRPr lang="fr-FR"/>
           </a:p>
@@ -1960,9 +2319,9 @@
           <a:bodyPr/>
           <a:lstStyle/>
           <a:p>
-            <a:fld id="{B772CE12-9C45-42A3-8B94-7DA904E53F03}" type="datetimeFigureOut">
+            <a:fld id="{6F797003-0BCB-4593-B2B4-6F01BEFD3932}" type="datetime1">
               <a:rPr lang="fr-FR" smtClean="0"/>
-              <a:t>05/05/2023</a:t>
+              <a:t>10/05/2023</a:t>
             </a:fld>
             <a:endParaRPr lang="fr-FR"/>
           </a:p>
@@ -2073,9 +2432,9 @@
           <a:bodyPr/>
           <a:lstStyle/>
           <a:p>
-            <a:fld id="{B772CE12-9C45-42A3-8B94-7DA904E53F03}" type="datetimeFigureOut">
+            <a:fld id="{C9BF9042-B0B5-4262-800E-FA2DFD129415}" type="datetime1">
               <a:rPr lang="fr-FR" smtClean="0"/>
-              <a:t>05/05/2023</a:t>
+              <a:t>10/05/2023</a:t>
             </a:fld>
             <a:endParaRPr lang="fr-FR"/>
           </a:p>
@@ -2384,9 +2743,9 @@
           <a:bodyPr/>
           <a:lstStyle/>
           <a:p>
-            <a:fld id="{B772CE12-9C45-42A3-8B94-7DA904E53F03}" type="datetimeFigureOut">
+            <a:fld id="{5E85A208-46B0-467D-B50B-FE3A10B64B71}" type="datetime1">
               <a:rPr lang="fr-FR" smtClean="0"/>
-              <a:t>05/05/2023</a:t>
+              <a:t>10/05/2023</a:t>
             </a:fld>
             <a:endParaRPr lang="fr-FR"/>
           </a:p>
@@ -2672,9 +3031,9 @@
           <a:bodyPr/>
           <a:lstStyle/>
           <a:p>
-            <a:fld id="{B772CE12-9C45-42A3-8B94-7DA904E53F03}" type="datetimeFigureOut">
+            <a:fld id="{9E5075F3-56BA-4ED8-81AA-401C7E9790B9}" type="datetime1">
               <a:rPr lang="fr-FR" smtClean="0"/>
-              <a:t>05/05/2023</a:t>
+              <a:t>10/05/2023</a:t>
             </a:fld>
             <a:endParaRPr lang="fr-FR"/>
           </a:p>
@@ -2913,9 +3272,9 @@
             </a:lvl1pPr>
           </a:lstStyle>
           <a:p>
-            <a:fld id="{B772CE12-9C45-42A3-8B94-7DA904E53F03}" type="datetimeFigureOut">
+            <a:fld id="{F2E562FB-9694-4368-A66B-7C2F397C5163}" type="datetime1">
               <a:rPr lang="fr-FR" smtClean="0"/>
-              <a:t>05/05/2023</a:t>
+              <a:t>10/05/2023</a:t>
             </a:fld>
             <a:endParaRPr lang="fr-FR"/>
           </a:p>
@@ -3032,6 +3391,7 @@
     <p:sldLayoutId id="2147483658" r:id="rId10"/>
     <p:sldLayoutId id="2147483659" r:id="rId11"/>
   </p:sldLayoutIdLst>
+  <p:hf hdr="0" ftr="0"/>
   <p:txStyles>
     <p:titleStyle>
       <a:lvl1pPr algn="l" defTabSz="914400" rtl="0" eaLnBrk="1" latinLnBrk="0" hangingPunct="1">
@@ -3491,6 +3851,64 @@
           </a:prstGeom>
         </p:spPr>
       </p:pic>
+      <p:sp>
+        <p:nvSpPr>
+          <p:cNvPr id="2" name="Espace réservé de la date 1">
+            <a:extLst>
+              <a:ext uri="{FF2B5EF4-FFF2-40B4-BE49-F238E27FC236}">
+                <a16:creationId xmlns:a16="http://schemas.microsoft.com/office/drawing/2014/main" id="{CD896E27-61CD-FDF0-5BFD-192A595B3440}"/>
+              </a:ext>
+            </a:extLst>
+          </p:cNvPr>
+          <p:cNvSpPr>
+            <a:spLocks noGrp="1"/>
+          </p:cNvSpPr>
+          <p:nvPr>
+            <p:ph type="dt" sz="half" idx="10"/>
+          </p:nvPr>
+        </p:nvSpPr>
+        <p:spPr/>
+        <p:txBody>
+          <a:bodyPr/>
+          <a:lstStyle/>
+          <a:p>
+            <a:fld id="{558FCFB5-0C95-44C7-B31B-CD8A7B1B23CA}" type="datetime1">
+              <a:rPr lang="fr-FR" smtClean="0"/>
+              <a:t>10/05/2023</a:t>
+            </a:fld>
+            <a:endParaRPr lang="fr-FR"/>
+          </a:p>
+        </p:txBody>
+      </p:sp>
+      <p:sp>
+        <p:nvSpPr>
+          <p:cNvPr id="3" name="Espace réservé du numéro de diapositive 2">
+            <a:extLst>
+              <a:ext uri="{FF2B5EF4-FFF2-40B4-BE49-F238E27FC236}">
+                <a16:creationId xmlns:a16="http://schemas.microsoft.com/office/drawing/2014/main" id="{7481BCC5-CDB2-241E-B9A2-E4441B0D41B8}"/>
+              </a:ext>
+            </a:extLst>
+          </p:cNvPr>
+          <p:cNvSpPr>
+            <a:spLocks noGrp="1"/>
+          </p:cNvSpPr>
+          <p:nvPr>
+            <p:ph type="sldNum" sz="quarter" idx="12"/>
+          </p:nvPr>
+        </p:nvSpPr>
+        <p:spPr/>
+        <p:txBody>
+          <a:bodyPr/>
+          <a:lstStyle/>
+          <a:p>
+            <a:fld id="{95C870F5-2469-49EC-A44E-C9B5362F8607}" type="slidenum">
+              <a:rPr lang="fr-FR" smtClean="0"/>
+              <a:t>1</a:t>
+            </a:fld>
+            <a:endParaRPr lang="fr-FR"/>
+          </a:p>
+        </p:txBody>
+      </p:sp>
     </p:spTree>
     <p:extLst>
       <p:ext uri="{BB962C8B-B14F-4D97-AF65-F5344CB8AC3E}">
@@ -3885,6 +4303,64 @@
           </a:prstGeom>
         </p:spPr>
       </p:pic>
+      <p:sp>
+        <p:nvSpPr>
+          <p:cNvPr id="9" name="Espace réservé de la date 8">
+            <a:extLst>
+              <a:ext uri="{FF2B5EF4-FFF2-40B4-BE49-F238E27FC236}">
+                <a16:creationId xmlns:a16="http://schemas.microsoft.com/office/drawing/2014/main" id="{969355F7-3474-7D2F-4F70-FBD0999B498C}"/>
+              </a:ext>
+            </a:extLst>
+          </p:cNvPr>
+          <p:cNvSpPr>
+            <a:spLocks noGrp="1"/>
+          </p:cNvSpPr>
+          <p:nvPr>
+            <p:ph type="dt" sz="half" idx="10"/>
+          </p:nvPr>
+        </p:nvSpPr>
+        <p:spPr/>
+        <p:txBody>
+          <a:bodyPr/>
+          <a:lstStyle/>
+          <a:p>
+            <a:fld id="{21485B03-718B-45F7-95FB-A971DFD54B9D}" type="datetime1">
+              <a:rPr lang="fr-FR" smtClean="0"/>
+              <a:t>10/05/2023</a:t>
+            </a:fld>
+            <a:endParaRPr lang="fr-FR"/>
+          </a:p>
+        </p:txBody>
+      </p:sp>
+      <p:sp>
+        <p:nvSpPr>
+          <p:cNvPr id="11" name="Espace réservé du numéro de diapositive 10">
+            <a:extLst>
+              <a:ext uri="{FF2B5EF4-FFF2-40B4-BE49-F238E27FC236}">
+                <a16:creationId xmlns:a16="http://schemas.microsoft.com/office/drawing/2014/main" id="{5ED12286-7F76-81A6-7B9E-E094C7C70384}"/>
+              </a:ext>
+            </a:extLst>
+          </p:cNvPr>
+          <p:cNvSpPr>
+            <a:spLocks noGrp="1"/>
+          </p:cNvSpPr>
+          <p:nvPr>
+            <p:ph type="sldNum" sz="quarter" idx="12"/>
+          </p:nvPr>
+        </p:nvSpPr>
+        <p:spPr/>
+        <p:txBody>
+          <a:bodyPr/>
+          <a:lstStyle/>
+          <a:p>
+            <a:fld id="{95C870F5-2469-49EC-A44E-C9B5362F8607}" type="slidenum">
+              <a:rPr lang="fr-FR" smtClean="0"/>
+              <a:t>10</a:t>
+            </a:fld>
+            <a:endParaRPr lang="fr-FR"/>
+          </a:p>
+        </p:txBody>
+      </p:sp>
     </p:spTree>
     <p:extLst>
       <p:ext uri="{BB962C8B-B14F-4D97-AF65-F5344CB8AC3E}">
@@ -3899,6 +4375,987 @@
 </file>
 
 <file path=ppt/slides/slide11.xml><?xml version="1.0" encoding="utf-8"?>
+<p:sld xmlns:a="http://schemas.openxmlformats.org/drawingml/2006/main" xmlns:r="http://schemas.openxmlformats.org/officeDocument/2006/relationships" xmlns:p="http://schemas.openxmlformats.org/presentationml/2006/main">
+  <p:cSld>
+    <p:spTree>
+      <p:nvGrpSpPr>
+        <p:cNvPr id="1" name=""/>
+        <p:cNvGrpSpPr/>
+        <p:nvPr/>
+      </p:nvGrpSpPr>
+      <p:grpSpPr>
+        <a:xfrm>
+          <a:off x="0" y="0"/>
+          <a:ext cx="0" cy="0"/>
+          <a:chOff x="0" y="0"/>
+          <a:chExt cx="0" cy="0"/>
+        </a:xfrm>
+      </p:grpSpPr>
+      <p:pic>
+        <p:nvPicPr>
+          <p:cNvPr id="7" name="Espace réservé du contenu 6" descr="Une image contenant texte, Appareils électroniques, ordinateur, affichage&#10;&#10;Description générée automatiquement">
+            <a:extLst>
+              <a:ext uri="{FF2B5EF4-FFF2-40B4-BE49-F238E27FC236}">
+                <a16:creationId xmlns:a16="http://schemas.microsoft.com/office/drawing/2014/main" id="{35E1504E-D47D-97EC-E9D5-C1F90725BFEC}"/>
+              </a:ext>
+            </a:extLst>
+          </p:cNvPr>
+          <p:cNvPicPr>
+            <a:picLocks noGrp="1" noChangeAspect="1"/>
+          </p:cNvPicPr>
+          <p:nvPr>
+            <p:ph idx="1"/>
+          </p:nvPr>
+        </p:nvPicPr>
+        <p:blipFill>
+          <a:blip r:embed="rId2">
+            <a:extLst>
+              <a:ext uri="{28A0092B-C50C-407E-A947-70E740481C1C}">
+                <a14:useLocalDpi xmlns:a14="http://schemas.microsoft.com/office/drawing/2010/main" val="0"/>
+              </a:ext>
+            </a:extLst>
+          </a:blip>
+          <a:stretch>
+            <a:fillRect/>
+          </a:stretch>
+        </p:blipFill>
+        <p:spPr>
+          <a:xfrm>
+            <a:off x="0" y="0"/>
+            <a:ext cx="12192000" cy="6858000"/>
+          </a:xfrm>
+        </p:spPr>
+      </p:pic>
+      <p:sp>
+        <p:nvSpPr>
+          <p:cNvPr id="4" name="Espace réservé de la date 3">
+            <a:extLst>
+              <a:ext uri="{FF2B5EF4-FFF2-40B4-BE49-F238E27FC236}">
+                <a16:creationId xmlns:a16="http://schemas.microsoft.com/office/drawing/2014/main" id="{8118D3AF-A5D7-F11C-CC4A-52531E3863AE}"/>
+              </a:ext>
+            </a:extLst>
+          </p:cNvPr>
+          <p:cNvSpPr>
+            <a:spLocks noGrp="1"/>
+          </p:cNvSpPr>
+          <p:nvPr>
+            <p:ph type="dt" sz="half" idx="10"/>
+          </p:nvPr>
+        </p:nvSpPr>
+        <p:spPr/>
+        <p:txBody>
+          <a:bodyPr/>
+          <a:lstStyle/>
+          <a:p>
+            <a:fld id="{B21E7010-4D3E-4C28-99D1-136D20F29935}" type="datetime1">
+              <a:rPr lang="fr-FR" smtClean="0"/>
+              <a:t>10/05/2023</a:t>
+            </a:fld>
+            <a:endParaRPr lang="fr-FR"/>
+          </a:p>
+        </p:txBody>
+      </p:sp>
+      <p:sp>
+        <p:nvSpPr>
+          <p:cNvPr id="5" name="Espace réservé du numéro de diapositive 4">
+            <a:extLst>
+              <a:ext uri="{FF2B5EF4-FFF2-40B4-BE49-F238E27FC236}">
+                <a16:creationId xmlns:a16="http://schemas.microsoft.com/office/drawing/2014/main" id="{FF3D7B75-E1EE-FF34-07E5-BE0E40A453D5}"/>
+              </a:ext>
+            </a:extLst>
+          </p:cNvPr>
+          <p:cNvSpPr>
+            <a:spLocks noGrp="1"/>
+          </p:cNvSpPr>
+          <p:nvPr>
+            <p:ph type="sldNum" sz="quarter" idx="12"/>
+          </p:nvPr>
+        </p:nvSpPr>
+        <p:spPr/>
+        <p:txBody>
+          <a:bodyPr/>
+          <a:lstStyle/>
+          <a:p>
+            <a:fld id="{95C870F5-2469-49EC-A44E-C9B5362F8607}" type="slidenum">
+              <a:rPr lang="fr-FR" smtClean="0"/>
+              <a:t>11</a:t>
+            </a:fld>
+            <a:endParaRPr lang="fr-FR"/>
+          </a:p>
+        </p:txBody>
+      </p:sp>
+      <p:pic>
+        <p:nvPicPr>
+          <p:cNvPr id="11" name="Image 10">
+            <a:extLst>
+              <a:ext uri="{FF2B5EF4-FFF2-40B4-BE49-F238E27FC236}">
+                <a16:creationId xmlns:a16="http://schemas.microsoft.com/office/drawing/2014/main" id="{5FF1BF5A-1EB2-ED51-1A00-9F9ED715879E}"/>
+              </a:ext>
+            </a:extLst>
+          </p:cNvPr>
+          <p:cNvPicPr>
+            <a:picLocks noChangeAspect="1"/>
+          </p:cNvPicPr>
+          <p:nvPr/>
+        </p:nvPicPr>
+        <p:blipFill rotWithShape="1">
+          <a:blip r:embed="rId3">
+            <a:extLst>
+              <a:ext uri="{28A0092B-C50C-407E-A947-70E740481C1C}">
+                <a14:useLocalDpi xmlns:a14="http://schemas.microsoft.com/office/drawing/2010/main" val="0"/>
+              </a:ext>
+            </a:extLst>
+          </a:blip>
+          <a:srcRect l="12364" t="17353" r="16487" b="16919"/>
+          <a:stretch/>
+        </p:blipFill>
+        <p:spPr>
+          <a:xfrm>
+            <a:off x="9393382" y="3253510"/>
+            <a:ext cx="1357744" cy="1254258"/>
+          </a:xfrm>
+          <a:prstGeom prst="roundRect">
+            <a:avLst>
+              <a:gd name="adj" fmla="val 16667"/>
+            </a:avLst>
+          </a:prstGeom>
+          <a:ln>
+            <a:noFill/>
+          </a:ln>
+          <a:effectLst>
+            <a:outerShdw blurRad="76200" dist="38100" dir="7800000" algn="tl" rotWithShape="0">
+              <a:srgbClr val="000000">
+                <a:alpha val="40000"/>
+              </a:srgbClr>
+            </a:outerShdw>
+          </a:effectLst>
+          <a:scene3d>
+            <a:camera prst="orthographicFront"/>
+            <a:lightRig rig="contrasting" dir="t">
+              <a:rot lat="0" lon="0" rev="4200000"/>
+            </a:lightRig>
+          </a:scene3d>
+          <a:sp3d prstMaterial="plastic">
+            <a:bevelT w="381000" h="114300" prst="relaxedInset"/>
+            <a:contourClr>
+              <a:srgbClr val="969696"/>
+            </a:contourClr>
+          </a:sp3d>
+        </p:spPr>
+      </p:pic>
+      <p:sp>
+        <p:nvSpPr>
+          <p:cNvPr id="12" name="Flèche : bas 11">
+            <a:extLst>
+              <a:ext uri="{FF2B5EF4-FFF2-40B4-BE49-F238E27FC236}">
+                <a16:creationId xmlns:a16="http://schemas.microsoft.com/office/drawing/2014/main" id="{BCD6D6BF-9FBD-F533-D0F4-1AAD966E0A02}"/>
+              </a:ext>
+            </a:extLst>
+          </p:cNvPr>
+          <p:cNvSpPr/>
+          <p:nvPr/>
+        </p:nvSpPr>
+        <p:spPr>
+          <a:xfrm rot="16200000">
+            <a:off x="11229247" y="3391435"/>
+            <a:ext cx="484632" cy="978408"/>
+          </a:xfrm>
+          <a:prstGeom prst="downArrow">
+            <a:avLst/>
+          </a:prstGeom>
+          <a:solidFill>
+            <a:srgbClr val="FFC000"/>
+          </a:solidFill>
+        </p:spPr>
+        <p:style>
+          <a:lnRef idx="2">
+            <a:schemeClr val="accent1">
+              <a:shade val="50000"/>
+            </a:schemeClr>
+          </a:lnRef>
+          <a:fillRef idx="1">
+            <a:schemeClr val="accent1"/>
+          </a:fillRef>
+          <a:effectRef idx="0">
+            <a:schemeClr val="accent1"/>
+          </a:effectRef>
+          <a:fontRef idx="minor">
+            <a:schemeClr val="lt1"/>
+          </a:fontRef>
+        </p:style>
+        <p:txBody>
+          <a:bodyPr rtlCol="0" anchor="ctr"/>
+          <a:lstStyle/>
+          <a:p>
+            <a:pPr algn="ctr"/>
+            <a:endParaRPr lang="fr-FR"/>
+          </a:p>
+        </p:txBody>
+      </p:sp>
+    </p:spTree>
+    <p:extLst>
+      <p:ext uri="{BB962C8B-B14F-4D97-AF65-F5344CB8AC3E}">
+        <p14:creationId xmlns:p14="http://schemas.microsoft.com/office/powerpoint/2010/main" val="3070389817"/>
+      </p:ext>
+    </p:extLst>
+  </p:cSld>
+  <p:clrMapOvr>
+    <a:masterClrMapping/>
+  </p:clrMapOvr>
+</p:sld>
+</file>
+
+<file path=ppt/slides/slide12.xml><?xml version="1.0" encoding="utf-8"?>
+<p:sld xmlns:a="http://schemas.openxmlformats.org/drawingml/2006/main" xmlns:r="http://schemas.openxmlformats.org/officeDocument/2006/relationships" xmlns:p="http://schemas.openxmlformats.org/presentationml/2006/main">
+  <p:cSld>
+    <p:spTree>
+      <p:nvGrpSpPr>
+        <p:cNvPr id="1" name=""/>
+        <p:cNvGrpSpPr/>
+        <p:nvPr/>
+      </p:nvGrpSpPr>
+      <p:grpSpPr>
+        <a:xfrm>
+          <a:off x="0" y="0"/>
+          <a:ext cx="0" cy="0"/>
+          <a:chOff x="0" y="0"/>
+          <a:chExt cx="0" cy="0"/>
+        </a:xfrm>
+      </p:grpSpPr>
+      <p:pic>
+        <p:nvPicPr>
+          <p:cNvPr id="5" name="Image 4">
+            <a:extLst>
+              <a:ext uri="{FF2B5EF4-FFF2-40B4-BE49-F238E27FC236}">
+                <a16:creationId xmlns:a16="http://schemas.microsoft.com/office/drawing/2014/main" id="{EF624D9C-C577-A0C7-3440-9A807E6014A9}"/>
+              </a:ext>
+            </a:extLst>
+          </p:cNvPr>
+          <p:cNvPicPr>
+            <a:picLocks noChangeAspect="1"/>
+          </p:cNvPicPr>
+          <p:nvPr/>
+        </p:nvPicPr>
+        <p:blipFill>
+          <a:blip r:embed="rId2"/>
+          <a:stretch>
+            <a:fillRect/>
+          </a:stretch>
+        </p:blipFill>
+        <p:spPr>
+          <a:xfrm>
+            <a:off x="77097" y="135183"/>
+            <a:ext cx="1697852" cy="927305"/>
+          </a:xfrm>
+          <a:prstGeom prst="rect">
+            <a:avLst/>
+          </a:prstGeom>
+        </p:spPr>
+      </p:pic>
+      <p:sp>
+        <p:nvSpPr>
+          <p:cNvPr id="2" name="ZoneTexte 1">
+            <a:extLst>
+              <a:ext uri="{FF2B5EF4-FFF2-40B4-BE49-F238E27FC236}">
+                <a16:creationId xmlns:a16="http://schemas.microsoft.com/office/drawing/2014/main" id="{6514947F-4A22-05F9-B790-1140CD357803}"/>
+              </a:ext>
+            </a:extLst>
+          </p:cNvPr>
+          <p:cNvSpPr txBox="1"/>
+          <p:nvPr/>
+        </p:nvSpPr>
+        <p:spPr>
+          <a:xfrm>
+            <a:off x="2266160" y="2829464"/>
+            <a:ext cx="45719" cy="369332"/>
+          </a:xfrm>
+          <a:prstGeom prst="rect">
+            <a:avLst/>
+          </a:prstGeom>
+          <a:noFill/>
+        </p:spPr>
+        <p:txBody>
+          <a:bodyPr wrap="square" rtlCol="0">
+            <a:spAutoFit/>
+          </a:bodyPr>
+          <a:lstStyle/>
+          <a:p>
+            <a:pPr marL="0" marR="0" lvl="0" indent="0" algn="l" defTabSz="914400" rtl="0" eaLnBrk="1" fontAlgn="auto" latinLnBrk="0" hangingPunct="1">
+              <a:lnSpc>
+                <a:spcPct val="100000"/>
+              </a:lnSpc>
+              <a:spcBef>
+                <a:spcPts val="0"/>
+              </a:spcBef>
+              <a:spcAft>
+                <a:spcPts val="0"/>
+              </a:spcAft>
+              <a:buClrTx/>
+              <a:buSzTx/>
+              <a:buFontTx/>
+              <a:buNone/>
+              <a:tabLst/>
+              <a:defRPr/>
+            </a:pPr>
+            <a:endParaRPr kumimoji="0" lang="fr-FR" sz="1800" b="0" i="0" u="none" strike="noStrike" kern="1200" cap="none" spc="0" normalizeH="0" baseline="0" noProof="0" dirty="0">
+              <a:ln>
+                <a:noFill/>
+              </a:ln>
+              <a:solidFill>
+                <a:prstClr val="black"/>
+              </a:solidFill>
+              <a:effectLst/>
+              <a:uLnTx/>
+              <a:uFillTx/>
+              <a:latin typeface="Calibri" panose="020F0502020204030204"/>
+              <a:ea typeface="+mn-ea"/>
+              <a:cs typeface="+mn-cs"/>
+            </a:endParaRPr>
+          </a:p>
+        </p:txBody>
+      </p:sp>
+      <p:pic>
+        <p:nvPicPr>
+          <p:cNvPr id="10" name="Image 9" descr="Une image contenant texte, clipart&#10;&#10;Description générée automatiquement">
+            <a:extLst>
+              <a:ext uri="{FF2B5EF4-FFF2-40B4-BE49-F238E27FC236}">
+                <a16:creationId xmlns:a16="http://schemas.microsoft.com/office/drawing/2014/main" id="{88C52C98-E356-CAA9-AE51-B298483B8C58}"/>
+              </a:ext>
+            </a:extLst>
+          </p:cNvPr>
+          <p:cNvPicPr>
+            <a:picLocks noChangeAspect="1"/>
+          </p:cNvPicPr>
+          <p:nvPr/>
+        </p:nvPicPr>
+        <p:blipFill>
+          <a:blip r:embed="rId3">
+            <a:extLst>
+              <a:ext uri="{28A0092B-C50C-407E-A947-70E740481C1C}">
+                <a14:useLocalDpi xmlns:a14="http://schemas.microsoft.com/office/drawing/2010/main" val="0"/>
+              </a:ext>
+            </a:extLst>
+          </a:blip>
+          <a:stretch>
+            <a:fillRect/>
+          </a:stretch>
+        </p:blipFill>
+        <p:spPr>
+          <a:xfrm>
+            <a:off x="9203113" y="261692"/>
+            <a:ext cx="2619886" cy="802138"/>
+          </a:xfrm>
+          <a:prstGeom prst="rect">
+            <a:avLst/>
+          </a:prstGeom>
+        </p:spPr>
+      </p:pic>
+      <p:sp>
+        <p:nvSpPr>
+          <p:cNvPr id="9" name="Espace réservé de la date 8">
+            <a:extLst>
+              <a:ext uri="{FF2B5EF4-FFF2-40B4-BE49-F238E27FC236}">
+                <a16:creationId xmlns:a16="http://schemas.microsoft.com/office/drawing/2014/main" id="{969355F7-3474-7D2F-4F70-FBD0999B498C}"/>
+              </a:ext>
+            </a:extLst>
+          </p:cNvPr>
+          <p:cNvSpPr>
+            <a:spLocks noGrp="1"/>
+          </p:cNvSpPr>
+          <p:nvPr>
+            <p:ph type="dt" sz="half" idx="10"/>
+          </p:nvPr>
+        </p:nvSpPr>
+        <p:spPr/>
+        <p:txBody>
+          <a:bodyPr/>
+          <a:lstStyle/>
+          <a:p>
+            <a:pPr marL="0" marR="0" lvl="0" indent="0" algn="l" defTabSz="914400" rtl="0" eaLnBrk="1" fontAlgn="auto" latinLnBrk="0" hangingPunct="1">
+              <a:lnSpc>
+                <a:spcPct val="100000"/>
+              </a:lnSpc>
+              <a:spcBef>
+                <a:spcPts val="0"/>
+              </a:spcBef>
+              <a:spcAft>
+                <a:spcPts val="0"/>
+              </a:spcAft>
+              <a:buClrTx/>
+              <a:buSzTx/>
+              <a:buFontTx/>
+              <a:buNone/>
+              <a:tabLst/>
+              <a:defRPr/>
+            </a:pPr>
+            <a:fld id="{21485B03-718B-45F7-95FB-A971DFD54B9D}" type="datetime1">
+              <a:rPr kumimoji="0" lang="fr-FR" sz="1200" b="0" i="0" u="none" strike="noStrike" kern="1200" cap="none" spc="0" normalizeH="0" baseline="0" noProof="0" smtClean="0">
+                <a:ln>
+                  <a:noFill/>
+                </a:ln>
+                <a:solidFill>
+                  <a:prstClr val="black">
+                    <a:tint val="75000"/>
+                  </a:prstClr>
+                </a:solidFill>
+                <a:effectLst/>
+                <a:uLnTx/>
+                <a:uFillTx/>
+                <a:latin typeface="Calibri" panose="020F0502020204030204"/>
+                <a:ea typeface="+mn-ea"/>
+                <a:cs typeface="+mn-cs"/>
+              </a:rPr>
+              <a:pPr marL="0" marR="0" lvl="0" indent="0" algn="l" defTabSz="914400" rtl="0" eaLnBrk="1" fontAlgn="auto" latinLnBrk="0" hangingPunct="1">
+                <a:lnSpc>
+                  <a:spcPct val="100000"/>
+                </a:lnSpc>
+                <a:spcBef>
+                  <a:spcPts val="0"/>
+                </a:spcBef>
+                <a:spcAft>
+                  <a:spcPts val="0"/>
+                </a:spcAft>
+                <a:buClrTx/>
+                <a:buSzTx/>
+                <a:buFontTx/>
+                <a:buNone/>
+                <a:tabLst/>
+                <a:defRPr/>
+              </a:pPr>
+              <a:t>10/05/2023</a:t>
+            </a:fld>
+            <a:endParaRPr kumimoji="0" lang="fr-FR" sz="1200" b="0" i="0" u="none" strike="noStrike" kern="1200" cap="none" spc="0" normalizeH="0" baseline="0" noProof="0">
+              <a:ln>
+                <a:noFill/>
+              </a:ln>
+              <a:solidFill>
+                <a:prstClr val="black">
+                  <a:tint val="75000"/>
+                </a:prstClr>
+              </a:solidFill>
+              <a:effectLst/>
+              <a:uLnTx/>
+              <a:uFillTx/>
+              <a:latin typeface="Calibri" panose="020F0502020204030204"/>
+              <a:ea typeface="+mn-ea"/>
+              <a:cs typeface="+mn-cs"/>
+            </a:endParaRPr>
+          </a:p>
+        </p:txBody>
+      </p:sp>
+      <p:sp>
+        <p:nvSpPr>
+          <p:cNvPr id="11" name="Espace réservé du numéro de diapositive 10">
+            <a:extLst>
+              <a:ext uri="{FF2B5EF4-FFF2-40B4-BE49-F238E27FC236}">
+                <a16:creationId xmlns:a16="http://schemas.microsoft.com/office/drawing/2014/main" id="{5ED12286-7F76-81A6-7B9E-E094C7C70384}"/>
+              </a:ext>
+            </a:extLst>
+          </p:cNvPr>
+          <p:cNvSpPr>
+            <a:spLocks noGrp="1"/>
+          </p:cNvSpPr>
+          <p:nvPr>
+            <p:ph type="sldNum" sz="quarter" idx="12"/>
+          </p:nvPr>
+        </p:nvSpPr>
+        <p:spPr/>
+        <p:txBody>
+          <a:bodyPr/>
+          <a:lstStyle/>
+          <a:p>
+            <a:pPr marL="0" marR="0" lvl="0" indent="0" algn="r" defTabSz="914400" rtl="0" eaLnBrk="1" fontAlgn="auto" latinLnBrk="0" hangingPunct="1">
+              <a:lnSpc>
+                <a:spcPct val="100000"/>
+              </a:lnSpc>
+              <a:spcBef>
+                <a:spcPts val="0"/>
+              </a:spcBef>
+              <a:spcAft>
+                <a:spcPts val="0"/>
+              </a:spcAft>
+              <a:buClrTx/>
+              <a:buSzTx/>
+              <a:buFontTx/>
+              <a:buNone/>
+              <a:tabLst/>
+              <a:defRPr/>
+            </a:pPr>
+            <a:fld id="{95C870F5-2469-49EC-A44E-C9B5362F8607}" type="slidenum">
+              <a:rPr kumimoji="0" lang="fr-FR" sz="1200" b="0" i="0" u="none" strike="noStrike" kern="1200" cap="none" spc="0" normalizeH="0" baseline="0" noProof="0" smtClean="0">
+                <a:ln>
+                  <a:noFill/>
+                </a:ln>
+                <a:solidFill>
+                  <a:prstClr val="black">
+                    <a:tint val="75000"/>
+                  </a:prstClr>
+                </a:solidFill>
+                <a:effectLst/>
+                <a:uLnTx/>
+                <a:uFillTx/>
+                <a:latin typeface="Calibri" panose="020F0502020204030204"/>
+                <a:ea typeface="+mn-ea"/>
+                <a:cs typeface="+mn-cs"/>
+              </a:rPr>
+              <a:pPr marL="0" marR="0" lvl="0" indent="0" algn="r" defTabSz="914400" rtl="0" eaLnBrk="1" fontAlgn="auto" latinLnBrk="0" hangingPunct="1">
+                <a:lnSpc>
+                  <a:spcPct val="100000"/>
+                </a:lnSpc>
+                <a:spcBef>
+                  <a:spcPts val="0"/>
+                </a:spcBef>
+                <a:spcAft>
+                  <a:spcPts val="0"/>
+                </a:spcAft>
+                <a:buClrTx/>
+                <a:buSzTx/>
+                <a:buFontTx/>
+                <a:buNone/>
+                <a:tabLst/>
+                <a:defRPr/>
+              </a:pPr>
+              <a:t>12</a:t>
+            </a:fld>
+            <a:endParaRPr kumimoji="0" lang="fr-FR" sz="1200" b="0" i="0" u="none" strike="noStrike" kern="1200" cap="none" spc="0" normalizeH="0" baseline="0" noProof="0">
+              <a:ln>
+                <a:noFill/>
+              </a:ln>
+              <a:solidFill>
+                <a:prstClr val="black">
+                  <a:tint val="75000"/>
+                </a:prstClr>
+              </a:solidFill>
+              <a:effectLst/>
+              <a:uLnTx/>
+              <a:uFillTx/>
+              <a:latin typeface="Calibri" panose="020F0502020204030204"/>
+              <a:ea typeface="+mn-ea"/>
+              <a:cs typeface="+mn-cs"/>
+            </a:endParaRPr>
+          </a:p>
+        </p:txBody>
+      </p:sp>
+      <p:pic>
+        <p:nvPicPr>
+          <p:cNvPr id="19" name="Image 18" descr="Une image contenant texte&#10;&#10;Description générée automatiquement">
+            <a:extLst>
+              <a:ext uri="{FF2B5EF4-FFF2-40B4-BE49-F238E27FC236}">
+                <a16:creationId xmlns:a16="http://schemas.microsoft.com/office/drawing/2014/main" id="{F04CE2E3-D08D-B125-32FF-C45CE7FE02F7}"/>
+              </a:ext>
+            </a:extLst>
+          </p:cNvPr>
+          <p:cNvPicPr>
+            <a:picLocks noChangeAspect="1"/>
+          </p:cNvPicPr>
+          <p:nvPr/>
+        </p:nvPicPr>
+        <p:blipFill>
+          <a:blip r:embed="rId4">
+            <a:extLst>
+              <a:ext uri="{28A0092B-C50C-407E-A947-70E740481C1C}">
+                <a14:useLocalDpi xmlns:a14="http://schemas.microsoft.com/office/drawing/2010/main" val="0"/>
+              </a:ext>
+            </a:extLst>
+          </a:blip>
+          <a:stretch>
+            <a:fillRect/>
+          </a:stretch>
+        </p:blipFill>
+        <p:spPr>
+          <a:xfrm>
+            <a:off x="9103343" y="4508242"/>
+            <a:ext cx="2581635" cy="1848108"/>
+          </a:xfrm>
+          <a:prstGeom prst="roundRect">
+            <a:avLst>
+              <a:gd name="adj" fmla="val 4167"/>
+            </a:avLst>
+          </a:prstGeom>
+          <a:solidFill>
+            <a:srgbClr val="FFFFFF"/>
+          </a:solidFill>
+          <a:ln w="76200" cap="sq">
+            <a:solidFill>
+              <a:srgbClr val="292929"/>
+            </a:solidFill>
+            <a:miter lim="800000"/>
+          </a:ln>
+          <a:effectLst>
+            <a:reflection blurRad="12700" stA="28000" endPos="28000" dist="5000" dir="5400000" sy="-100000" algn="bl" rotWithShape="0"/>
+          </a:effectLst>
+          <a:scene3d>
+            <a:camera prst="orthographicFront"/>
+            <a:lightRig rig="threePt" dir="t">
+              <a:rot lat="0" lon="0" rev="2700000"/>
+            </a:lightRig>
+          </a:scene3d>
+          <a:sp3d>
+            <a:bevelT h="38100"/>
+            <a:contourClr>
+              <a:srgbClr val="C0C0C0"/>
+            </a:contourClr>
+          </a:sp3d>
+        </p:spPr>
+      </p:pic>
+      <p:pic>
+        <p:nvPicPr>
+          <p:cNvPr id="21" name="Image 20" descr="Une image contenant texte&#10;&#10;Description générée automatiquement">
+            <a:extLst>
+              <a:ext uri="{FF2B5EF4-FFF2-40B4-BE49-F238E27FC236}">
+                <a16:creationId xmlns:a16="http://schemas.microsoft.com/office/drawing/2014/main" id="{E5501D67-DD0D-977C-F8B3-09930106482C}"/>
+              </a:ext>
+            </a:extLst>
+          </p:cNvPr>
+          <p:cNvPicPr>
+            <a:picLocks noChangeAspect="1"/>
+          </p:cNvPicPr>
+          <p:nvPr/>
+        </p:nvPicPr>
+        <p:blipFill>
+          <a:blip r:embed="rId5">
+            <a:extLst>
+              <a:ext uri="{28A0092B-C50C-407E-A947-70E740481C1C}">
+                <a14:useLocalDpi xmlns:a14="http://schemas.microsoft.com/office/drawing/2010/main" val="0"/>
+              </a:ext>
+            </a:extLst>
+          </a:blip>
+          <a:stretch>
+            <a:fillRect/>
+          </a:stretch>
+        </p:blipFill>
+        <p:spPr>
+          <a:xfrm>
+            <a:off x="687232" y="1167156"/>
+            <a:ext cx="1993243" cy="5209107"/>
+          </a:xfrm>
+          <a:prstGeom prst="roundRect">
+            <a:avLst>
+              <a:gd name="adj" fmla="val 4167"/>
+            </a:avLst>
+          </a:prstGeom>
+          <a:solidFill>
+            <a:srgbClr val="FFFFFF"/>
+          </a:solidFill>
+          <a:ln w="76200" cap="sq">
+            <a:solidFill>
+              <a:srgbClr val="292929"/>
+            </a:solidFill>
+            <a:miter lim="800000"/>
+          </a:ln>
+          <a:effectLst>
+            <a:reflection blurRad="12700" stA="28000" endPos="28000" dist="5000" dir="5400000" sy="-100000" algn="bl" rotWithShape="0"/>
+          </a:effectLst>
+          <a:scene3d>
+            <a:camera prst="orthographicFront"/>
+            <a:lightRig rig="threePt" dir="t">
+              <a:rot lat="0" lon="0" rev="2700000"/>
+            </a:lightRig>
+          </a:scene3d>
+          <a:sp3d>
+            <a:bevelT h="38100"/>
+            <a:contourClr>
+              <a:srgbClr val="C0C0C0"/>
+            </a:contourClr>
+          </a:sp3d>
+        </p:spPr>
+      </p:pic>
+      <p:pic>
+        <p:nvPicPr>
+          <p:cNvPr id="27" name="Image 26">
+            <a:extLst>
+              <a:ext uri="{FF2B5EF4-FFF2-40B4-BE49-F238E27FC236}">
+                <a16:creationId xmlns:a16="http://schemas.microsoft.com/office/drawing/2014/main" id="{D33E9620-8464-3B42-4CCD-907F841E769D}"/>
+              </a:ext>
+            </a:extLst>
+          </p:cNvPr>
+          <p:cNvPicPr>
+            <a:picLocks noChangeAspect="1"/>
+          </p:cNvPicPr>
+          <p:nvPr/>
+        </p:nvPicPr>
+        <p:blipFill>
+          <a:blip r:embed="rId6">
+            <a:extLst>
+              <a:ext uri="{28A0092B-C50C-407E-A947-70E740481C1C}">
+                <a14:useLocalDpi xmlns:a14="http://schemas.microsoft.com/office/drawing/2010/main" val="0"/>
+              </a:ext>
+            </a:extLst>
+          </a:blip>
+          <a:stretch>
+            <a:fillRect/>
+          </a:stretch>
+        </p:blipFill>
+        <p:spPr>
+          <a:xfrm>
+            <a:off x="3496461" y="1187068"/>
+            <a:ext cx="2183267" cy="5185652"/>
+          </a:xfrm>
+          <a:prstGeom prst="roundRect">
+            <a:avLst>
+              <a:gd name="adj" fmla="val 4167"/>
+            </a:avLst>
+          </a:prstGeom>
+          <a:solidFill>
+            <a:srgbClr val="FFFFFF"/>
+          </a:solidFill>
+          <a:ln w="76200" cap="sq">
+            <a:solidFill>
+              <a:srgbClr val="292929"/>
+            </a:solidFill>
+            <a:miter lim="800000"/>
+          </a:ln>
+          <a:effectLst>
+            <a:reflection blurRad="12700" stA="28000" endPos="28000" dist="5000" dir="5400000" sy="-100000" algn="bl" rotWithShape="0"/>
+          </a:effectLst>
+          <a:scene3d>
+            <a:camera prst="orthographicFront"/>
+            <a:lightRig rig="threePt" dir="t">
+              <a:rot lat="0" lon="0" rev="2700000"/>
+            </a:lightRig>
+          </a:scene3d>
+          <a:sp3d>
+            <a:bevelT h="38100"/>
+            <a:contourClr>
+              <a:srgbClr val="C0C0C0"/>
+            </a:contourClr>
+          </a:sp3d>
+        </p:spPr>
+      </p:pic>
+      <p:pic>
+        <p:nvPicPr>
+          <p:cNvPr id="31" name="Image 30">
+            <a:extLst>
+              <a:ext uri="{FF2B5EF4-FFF2-40B4-BE49-F238E27FC236}">
+                <a16:creationId xmlns:a16="http://schemas.microsoft.com/office/drawing/2014/main" id="{F68BA55B-771A-D184-A0BB-75A6A51FD700}"/>
+              </a:ext>
+            </a:extLst>
+          </p:cNvPr>
+          <p:cNvPicPr>
+            <a:picLocks noChangeAspect="1"/>
+          </p:cNvPicPr>
+          <p:nvPr/>
+        </p:nvPicPr>
+        <p:blipFill>
+          <a:blip r:embed="rId7">
+            <a:extLst>
+              <a:ext uri="{28A0092B-C50C-407E-A947-70E740481C1C}">
+                <a14:useLocalDpi xmlns:a14="http://schemas.microsoft.com/office/drawing/2010/main" val="0"/>
+              </a:ext>
+            </a:extLst>
+          </a:blip>
+          <a:stretch>
+            <a:fillRect/>
+          </a:stretch>
+        </p:blipFill>
+        <p:spPr>
+          <a:xfrm>
+            <a:off x="6341281" y="1187068"/>
+            <a:ext cx="2100509" cy="5169282"/>
+          </a:xfrm>
+          <a:prstGeom prst="roundRect">
+            <a:avLst>
+              <a:gd name="adj" fmla="val 4167"/>
+            </a:avLst>
+          </a:prstGeom>
+          <a:solidFill>
+            <a:srgbClr val="FFFFFF"/>
+          </a:solidFill>
+          <a:ln w="76200" cap="sq">
+            <a:solidFill>
+              <a:srgbClr val="292929"/>
+            </a:solidFill>
+            <a:miter lim="800000"/>
+          </a:ln>
+          <a:effectLst>
+            <a:reflection blurRad="12700" stA="28000" endPos="28000" dist="5000" dir="5400000" sy="-100000" algn="bl" rotWithShape="0"/>
+          </a:effectLst>
+          <a:scene3d>
+            <a:camera prst="orthographicFront"/>
+            <a:lightRig rig="threePt" dir="t">
+              <a:rot lat="0" lon="0" rev="2700000"/>
+            </a:lightRig>
+          </a:scene3d>
+          <a:sp3d>
+            <a:bevelT h="38100"/>
+            <a:contourClr>
+              <a:srgbClr val="C0C0C0"/>
+            </a:contourClr>
+          </a:sp3d>
+        </p:spPr>
+      </p:pic>
+      <p:sp>
+        <p:nvSpPr>
+          <p:cNvPr id="33" name="ZoneTexte 32">
+            <a:extLst>
+              <a:ext uri="{FF2B5EF4-FFF2-40B4-BE49-F238E27FC236}">
+                <a16:creationId xmlns:a16="http://schemas.microsoft.com/office/drawing/2014/main" id="{AA4FFC1D-9C7C-AF03-9B3A-747C35F838DF}"/>
+              </a:ext>
+            </a:extLst>
+          </p:cNvPr>
+          <p:cNvSpPr txBox="1"/>
+          <p:nvPr/>
+        </p:nvSpPr>
+        <p:spPr>
+          <a:xfrm>
+            <a:off x="2469394" y="496177"/>
+            <a:ext cx="6526915" cy="369332"/>
+          </a:xfrm>
+          <a:prstGeom prst="rect">
+            <a:avLst/>
+          </a:prstGeom>
+          <a:noFill/>
+        </p:spPr>
+        <p:txBody>
+          <a:bodyPr wrap="none" rtlCol="0">
+            <a:spAutoFit/>
+          </a:bodyPr>
+          <a:lstStyle/>
+          <a:p>
+            <a:r>
+              <a:rPr lang="fr-FR" b="1" dirty="0"/>
+              <a:t>Ensemble des ticket techniques pour la réalisation de Menu maker</a:t>
+            </a:r>
+          </a:p>
+        </p:txBody>
+      </p:sp>
+    </p:spTree>
+    <p:extLst>
+      <p:ext uri="{BB962C8B-B14F-4D97-AF65-F5344CB8AC3E}">
+        <p14:creationId xmlns:p14="http://schemas.microsoft.com/office/powerpoint/2010/main" val="2679013193"/>
+      </p:ext>
+    </p:extLst>
+  </p:cSld>
+  <p:clrMapOvr>
+    <a:masterClrMapping/>
+  </p:clrMapOvr>
+</p:sld>
+</file>
+
+<file path=ppt/slides/slide13.xml><?xml version="1.0" encoding="utf-8"?>
+<p:sld xmlns:a="http://schemas.openxmlformats.org/drawingml/2006/main" xmlns:r="http://schemas.openxmlformats.org/officeDocument/2006/relationships" xmlns:p="http://schemas.openxmlformats.org/presentationml/2006/main">
+  <p:cSld>
+    <p:spTree>
+      <p:nvGrpSpPr>
+        <p:cNvPr id="1" name=""/>
+        <p:cNvGrpSpPr/>
+        <p:nvPr/>
+      </p:nvGrpSpPr>
+      <p:grpSpPr>
+        <a:xfrm>
+          <a:off x="0" y="0"/>
+          <a:ext cx="0" cy="0"/>
+          <a:chOff x="0" y="0"/>
+          <a:chExt cx="0" cy="0"/>
+        </a:xfrm>
+      </p:grpSpPr>
+      <p:pic>
+        <p:nvPicPr>
+          <p:cNvPr id="7" name="Espace réservé du contenu 6">
+            <a:extLst>
+              <a:ext uri="{FF2B5EF4-FFF2-40B4-BE49-F238E27FC236}">
+                <a16:creationId xmlns:a16="http://schemas.microsoft.com/office/drawing/2014/main" id="{BC174D30-A627-838A-7E69-7E16EC650580}"/>
+              </a:ext>
+            </a:extLst>
+          </p:cNvPr>
+          <p:cNvPicPr>
+            <a:picLocks noGrp="1" noChangeAspect="1"/>
+          </p:cNvPicPr>
+          <p:nvPr>
+            <p:ph idx="1"/>
+          </p:nvPr>
+        </p:nvPicPr>
+        <p:blipFill>
+          <a:blip r:embed="rId2">
+            <a:extLst>
+              <a:ext uri="{28A0092B-C50C-407E-A947-70E740481C1C}">
+                <a14:useLocalDpi xmlns:a14="http://schemas.microsoft.com/office/drawing/2010/main" val="0"/>
+              </a:ext>
+            </a:extLst>
+          </a:blip>
+          <a:stretch>
+            <a:fillRect/>
+          </a:stretch>
+        </p:blipFill>
+        <p:spPr>
+          <a:xfrm>
+            <a:off x="0" y="-1"/>
+            <a:ext cx="12191999" cy="7108167"/>
+          </a:xfrm>
+        </p:spPr>
+      </p:pic>
+      <p:sp>
+        <p:nvSpPr>
+          <p:cNvPr id="4" name="Espace réservé de la date 3">
+            <a:extLst>
+              <a:ext uri="{FF2B5EF4-FFF2-40B4-BE49-F238E27FC236}">
+                <a16:creationId xmlns:a16="http://schemas.microsoft.com/office/drawing/2014/main" id="{E7F8C2F8-7A8F-D84C-8361-031B58CEE89E}"/>
+              </a:ext>
+            </a:extLst>
+          </p:cNvPr>
+          <p:cNvSpPr>
+            <a:spLocks noGrp="1"/>
+          </p:cNvSpPr>
+          <p:nvPr>
+            <p:ph type="dt" sz="half" idx="10"/>
+          </p:nvPr>
+        </p:nvSpPr>
+        <p:spPr/>
+        <p:txBody>
+          <a:bodyPr/>
+          <a:lstStyle/>
+          <a:p>
+            <a:fld id="{B21E7010-4D3E-4C28-99D1-136D20F29935}" type="datetime1">
+              <a:rPr lang="fr-FR" smtClean="0"/>
+              <a:t>10/05/2023</a:t>
+            </a:fld>
+            <a:endParaRPr lang="fr-FR"/>
+          </a:p>
+        </p:txBody>
+      </p:sp>
+      <p:sp>
+        <p:nvSpPr>
+          <p:cNvPr id="5" name="Espace réservé du numéro de diapositive 4">
+            <a:extLst>
+              <a:ext uri="{FF2B5EF4-FFF2-40B4-BE49-F238E27FC236}">
+                <a16:creationId xmlns:a16="http://schemas.microsoft.com/office/drawing/2014/main" id="{1A6EFC36-E191-2806-CFFF-0AF104D36107}"/>
+              </a:ext>
+            </a:extLst>
+          </p:cNvPr>
+          <p:cNvSpPr>
+            <a:spLocks noGrp="1"/>
+          </p:cNvSpPr>
+          <p:nvPr>
+            <p:ph type="sldNum" sz="quarter" idx="12"/>
+          </p:nvPr>
+        </p:nvSpPr>
+        <p:spPr/>
+        <p:txBody>
+          <a:bodyPr/>
+          <a:lstStyle/>
+          <a:p>
+            <a:fld id="{95C870F5-2469-49EC-A44E-C9B5362F8607}" type="slidenum">
+              <a:rPr lang="fr-FR" smtClean="0"/>
+              <a:t>13</a:t>
+            </a:fld>
+            <a:endParaRPr lang="fr-FR"/>
+          </a:p>
+        </p:txBody>
+      </p:sp>
+    </p:spTree>
+    <p:extLst>
+      <p:ext uri="{BB962C8B-B14F-4D97-AF65-F5344CB8AC3E}">
+        <p14:creationId xmlns:p14="http://schemas.microsoft.com/office/powerpoint/2010/main" val="2605616584"/>
+      </p:ext>
+    </p:extLst>
+  </p:cSld>
+  <p:clrMapOvr>
+    <a:masterClrMapping/>
+  </p:clrMapOvr>
+</p:sld>
+</file>
+
+<file path=ppt/slides/slide14.xml><?xml version="1.0" encoding="utf-8"?>
 <p:sld xmlns:a="http://schemas.openxmlformats.org/drawingml/2006/main" xmlns:r="http://schemas.openxmlformats.org/officeDocument/2006/relationships" xmlns:p="http://schemas.openxmlformats.org/presentationml/2006/main">
   <p:cSld>
     <p:bg>
@@ -4060,287 +5517,6 @@
               <a:defRPr/>
             </a:pPr>
             <a:r>
-              <a:rPr kumimoji="0" lang="en-US" sz="3200" b="0" i="1" u="none" strike="noStrike" kern="1200" cap="none" spc="0" normalizeH="0" baseline="0" noProof="0" dirty="0" err="1">
-                <a:ln>
-                  <a:noFill/>
-                </a:ln>
-                <a:solidFill>
-                  <a:prstClr val="white"/>
-                </a:solidFill>
-                <a:effectLst/>
-                <a:uLnTx/>
-                <a:uFillTx/>
-                <a:latin typeface="Calibri Light" panose="020F0302020204030204"/>
-                <a:ea typeface="+mn-ea"/>
-                <a:cs typeface="+mn-cs"/>
-              </a:rPr>
-              <a:t>Visite</a:t>
-            </a:r>
-            <a:r>
-              <a:rPr kumimoji="0" lang="en-US" sz="3200" b="0" i="1" u="none" strike="noStrike" kern="1200" cap="none" spc="0" normalizeH="0" baseline="0" noProof="0" dirty="0">
-                <a:ln>
-                  <a:noFill/>
-                </a:ln>
-                <a:solidFill>
-                  <a:prstClr val="white"/>
-                </a:solidFill>
-                <a:effectLst/>
-                <a:uLnTx/>
-                <a:uFillTx/>
-                <a:latin typeface="Calibri Light" panose="020F0302020204030204"/>
-                <a:ea typeface="+mn-ea"/>
-                <a:cs typeface="+mn-cs"/>
-              </a:rPr>
-              <a:t> </a:t>
-            </a:r>
-            <a:r>
-              <a:rPr kumimoji="0" lang="en-US" sz="3200" b="0" i="1" u="none" strike="noStrike" kern="1200" cap="none" spc="0" normalizeH="0" baseline="0" noProof="0" dirty="0" err="1">
-                <a:ln>
-                  <a:noFill/>
-                </a:ln>
-                <a:solidFill>
-                  <a:prstClr val="white"/>
-                </a:solidFill>
-                <a:effectLst/>
-                <a:uLnTx/>
-                <a:uFillTx/>
-                <a:latin typeface="Calibri Light" panose="020F0302020204030204"/>
-                <a:ea typeface="+mn-ea"/>
-                <a:cs typeface="+mn-cs"/>
-              </a:rPr>
-              <a:t>guidée</a:t>
-            </a:r>
-            <a:r>
-              <a:rPr kumimoji="0" lang="en-US" sz="3200" b="0" i="1" u="none" strike="noStrike" kern="1200" cap="none" spc="0" normalizeH="0" baseline="0" noProof="0" dirty="0">
-                <a:ln>
-                  <a:noFill/>
-                </a:ln>
-                <a:solidFill>
-                  <a:prstClr val="white"/>
-                </a:solidFill>
-                <a:effectLst/>
-                <a:uLnTx/>
-                <a:uFillTx/>
-                <a:latin typeface="Calibri Light" panose="020F0302020204030204"/>
-                <a:ea typeface="+mn-ea"/>
-                <a:cs typeface="+mn-cs"/>
-              </a:rPr>
-              <a:t> de Menu Maker</a:t>
-            </a:r>
-          </a:p>
-        </p:txBody>
-      </p:sp>
-      <p:pic>
-        <p:nvPicPr>
-          <p:cNvPr id="5" name="Image 4" descr="Une image contenant texte, lettre&#10;&#10;Description générée automatiquement">
-            <a:extLst>
-              <a:ext uri="{FF2B5EF4-FFF2-40B4-BE49-F238E27FC236}">
-                <a16:creationId xmlns:a16="http://schemas.microsoft.com/office/drawing/2014/main" id="{D3D1EF4A-5310-8094-9CFA-254314F0BB6B}"/>
-              </a:ext>
-            </a:extLst>
-          </p:cNvPr>
-          <p:cNvPicPr>
-            <a:picLocks noChangeAspect="1"/>
-          </p:cNvPicPr>
-          <p:nvPr/>
-        </p:nvPicPr>
-        <p:blipFill>
-          <a:blip r:embed="rId2">
-            <a:extLst>
-              <a:ext uri="{28A0092B-C50C-407E-A947-70E740481C1C}">
-                <a14:useLocalDpi xmlns:a14="http://schemas.microsoft.com/office/drawing/2010/main" val="0"/>
-              </a:ext>
-            </a:extLst>
-          </a:blip>
-          <a:stretch>
-            <a:fillRect/>
-          </a:stretch>
-        </p:blipFill>
-        <p:spPr>
-          <a:xfrm>
-            <a:off x="0" y="1718577"/>
-            <a:ext cx="12192000" cy="5139423"/>
-          </a:xfrm>
-          <a:prstGeom prst="rect">
-            <a:avLst/>
-          </a:prstGeom>
-        </p:spPr>
-      </p:pic>
-    </p:spTree>
-    <p:extLst>
-      <p:ext uri="{BB962C8B-B14F-4D97-AF65-F5344CB8AC3E}">
-        <p14:creationId xmlns:p14="http://schemas.microsoft.com/office/powerpoint/2010/main" val="64866013"/>
-      </p:ext>
-    </p:extLst>
-  </p:cSld>
-  <p:clrMapOvr>
-    <a:masterClrMapping/>
-  </p:clrMapOvr>
-</p:sld>
-</file>
-
-<file path=ppt/slides/slide12.xml><?xml version="1.0" encoding="utf-8"?>
-<p:sld xmlns:a="http://schemas.openxmlformats.org/drawingml/2006/main" xmlns:r="http://schemas.openxmlformats.org/officeDocument/2006/relationships" xmlns:p="http://schemas.openxmlformats.org/presentationml/2006/main">
-  <p:cSld>
-    <p:bg>
-      <p:bgPr>
-        <a:solidFill>
-          <a:schemeClr val="bg1"/>
-        </a:solidFill>
-        <a:effectLst/>
-      </p:bgPr>
-    </p:bg>
-    <p:spTree>
-      <p:nvGrpSpPr>
-        <p:cNvPr id="1" name=""/>
-        <p:cNvGrpSpPr/>
-        <p:nvPr/>
-      </p:nvGrpSpPr>
-      <p:grpSpPr>
-        <a:xfrm>
-          <a:off x="0" y="0"/>
-          <a:ext cx="0" cy="0"/>
-          <a:chOff x="0" y="0"/>
-          <a:chExt cx="0" cy="0"/>
-        </a:xfrm>
-      </p:grpSpPr>
-      <p:sp>
-        <p:nvSpPr>
-          <p:cNvPr id="11" name="Rectangle 10">
-            <a:extLst>
-              <a:ext uri="{FF2B5EF4-FFF2-40B4-BE49-F238E27FC236}">
-                <a16:creationId xmlns:a16="http://schemas.microsoft.com/office/drawing/2014/main" id="{A4AC5506-6312-4701-8D3C-40187889A947}"/>
-              </a:ext>
-              <a:ext uri="{C183D7F6-B498-43B3-948B-1728B52AA6E4}">
-                <adec:decorative xmlns:adec="http://schemas.microsoft.com/office/drawing/2017/decorative" val="1"/>
-              </a:ext>
-            </a:extLst>
-          </p:cNvPr>
-          <p:cNvSpPr>
-            <a:spLocks noGrp="1" noRot="1" noChangeAspect="1" noMove="1" noResize="1" noEditPoints="1" noAdjustHandles="1" noChangeArrowheads="1" noChangeShapeType="1" noTextEdit="1"/>
-          </p:cNvSpPr>
-          <p:nvPr>
-            <p:extLst>
-              <p:ext uri="{386F3935-93C4-4BCD-93E2-E3B085C9AB24}">
-                <p16:designElem xmlns:p16="http://schemas.microsoft.com/office/powerpoint/2015/main" val="1"/>
-              </p:ext>
-            </p:extLst>
-          </p:nvPr>
-        </p:nvSpPr>
-        <p:spPr>
-          <a:xfrm>
-            <a:off x="0" y="651752"/>
-            <a:ext cx="12192000" cy="736551"/>
-          </a:xfrm>
-          <a:prstGeom prst="rect">
-            <a:avLst/>
-          </a:prstGeom>
-          <a:solidFill>
-            <a:schemeClr val="tx1"/>
-          </a:solidFill>
-          <a:ln>
-            <a:noFill/>
-          </a:ln>
-        </p:spPr>
-        <p:style>
-          <a:lnRef idx="2">
-            <a:schemeClr val="accent1">
-              <a:shade val="50000"/>
-            </a:schemeClr>
-          </a:lnRef>
-          <a:fillRef idx="1">
-            <a:schemeClr val="accent1"/>
-          </a:fillRef>
-          <a:effectRef idx="0">
-            <a:schemeClr val="accent1"/>
-          </a:effectRef>
-          <a:fontRef idx="minor">
-            <a:schemeClr val="lt1"/>
-          </a:fontRef>
-        </p:style>
-        <p:txBody>
-          <a:bodyPr rtlCol="0" anchor="ctr"/>
-          <a:lstStyle/>
-          <a:p>
-            <a:pPr marL="0" marR="0" lvl="0" indent="0" algn="ctr" defTabSz="914400" rtl="0" eaLnBrk="1" fontAlgn="auto" latinLnBrk="0" hangingPunct="1">
-              <a:lnSpc>
-                <a:spcPct val="100000"/>
-              </a:lnSpc>
-              <a:spcBef>
-                <a:spcPts val="0"/>
-              </a:spcBef>
-              <a:spcAft>
-                <a:spcPts val="0"/>
-              </a:spcAft>
-              <a:buClrTx/>
-              <a:buSzTx/>
-              <a:buFontTx/>
-              <a:buNone/>
-              <a:tabLst/>
-              <a:defRPr/>
-            </a:pPr>
-            <a:endParaRPr kumimoji="0" lang="en-US" sz="1800" b="0" i="0" u="none" strike="noStrike" kern="1200" cap="none" spc="0" normalizeH="0" baseline="0" noProof="0">
-              <a:ln>
-                <a:noFill/>
-              </a:ln>
-              <a:solidFill>
-                <a:prstClr val="white"/>
-              </a:solidFill>
-              <a:effectLst/>
-              <a:uLnTx/>
-              <a:uFillTx/>
-              <a:latin typeface="Calibri" panose="020F0502020204030204"/>
-              <a:ea typeface="+mn-ea"/>
-              <a:cs typeface="+mn-cs"/>
-            </a:endParaRPr>
-          </a:p>
-        </p:txBody>
-      </p:sp>
-      <p:sp>
-        <p:nvSpPr>
-          <p:cNvPr id="6" name="ZoneTexte 5">
-            <a:extLst>
-              <a:ext uri="{FF2B5EF4-FFF2-40B4-BE49-F238E27FC236}">
-                <a16:creationId xmlns:a16="http://schemas.microsoft.com/office/drawing/2014/main" id="{C4BBAD3D-5AF2-E31A-957D-28EBE5AD4D4A}"/>
-              </a:ext>
-            </a:extLst>
-          </p:cNvPr>
-          <p:cNvSpPr txBox="1"/>
-          <p:nvPr/>
-        </p:nvSpPr>
-        <p:spPr>
-          <a:xfrm>
-            <a:off x="556532" y="643467"/>
-            <a:ext cx="11210925" cy="744836"/>
-          </a:xfrm>
-          <a:prstGeom prst="rect">
-            <a:avLst/>
-          </a:prstGeom>
-        </p:spPr>
-        <p:txBody>
-          <a:bodyPr vert="horz" lIns="91440" tIns="45720" rIns="91440" bIns="45720" rtlCol="0" anchor="ctr">
-            <a:normAutofit/>
-          </a:bodyPr>
-          <a:lstStyle/>
-          <a:p>
-            <a:pPr marL="0" marR="0" lvl="0" indent="0" algn="ctr" defTabSz="914400" rtl="0" eaLnBrk="1" fontAlgn="auto" latinLnBrk="0" hangingPunct="1">
-              <a:lnSpc>
-                <a:spcPct val="90000"/>
-              </a:lnSpc>
-              <a:spcBef>
-                <a:spcPct val="0"/>
-              </a:spcBef>
-              <a:spcAft>
-                <a:spcPts val="600"/>
-              </a:spcAft>
-              <a:buClrTx/>
-              <a:buSzTx/>
-              <a:buFontTx/>
-              <a:buNone/>
-              <a:tabLst/>
-              <a:defRPr/>
-            </a:pPr>
-            <a:r>
               <a:rPr kumimoji="0" lang="en-US" sz="3200" b="0" i="1" u="none" strike="noStrike" kern="1200" cap="none" spc="0" normalizeH="0" baseline="0" noProof="0" dirty="0">
                 <a:ln>
                   <a:noFill/>
@@ -4430,6 +5606,64 @@
           </a:prstGeom>
         </p:spPr>
       </p:pic>
+      <p:sp>
+        <p:nvSpPr>
+          <p:cNvPr id="2" name="Espace réservé de la date 1">
+            <a:extLst>
+              <a:ext uri="{FF2B5EF4-FFF2-40B4-BE49-F238E27FC236}">
+                <a16:creationId xmlns:a16="http://schemas.microsoft.com/office/drawing/2014/main" id="{F0C24D41-C6E5-2414-6D06-07D182B53A8E}"/>
+              </a:ext>
+            </a:extLst>
+          </p:cNvPr>
+          <p:cNvSpPr>
+            <a:spLocks noGrp="1"/>
+          </p:cNvSpPr>
+          <p:nvPr>
+            <p:ph type="dt" sz="half" idx="10"/>
+          </p:nvPr>
+        </p:nvSpPr>
+        <p:spPr/>
+        <p:txBody>
+          <a:bodyPr/>
+          <a:lstStyle/>
+          <a:p>
+            <a:fld id="{DA3993FE-A50C-410D-8E07-DE65B5FAFB8E}" type="datetime1">
+              <a:rPr lang="fr-FR" smtClean="0"/>
+              <a:t>10/05/2023</a:t>
+            </a:fld>
+            <a:endParaRPr lang="fr-FR"/>
+          </a:p>
+        </p:txBody>
+      </p:sp>
+      <p:sp>
+        <p:nvSpPr>
+          <p:cNvPr id="3" name="Espace réservé du numéro de diapositive 2">
+            <a:extLst>
+              <a:ext uri="{FF2B5EF4-FFF2-40B4-BE49-F238E27FC236}">
+                <a16:creationId xmlns:a16="http://schemas.microsoft.com/office/drawing/2014/main" id="{17005FBB-82A2-D187-45E5-66FAF4F4E3DA}"/>
+              </a:ext>
+            </a:extLst>
+          </p:cNvPr>
+          <p:cNvSpPr>
+            <a:spLocks noGrp="1"/>
+          </p:cNvSpPr>
+          <p:nvPr>
+            <p:ph type="sldNum" sz="quarter" idx="12"/>
+          </p:nvPr>
+        </p:nvSpPr>
+        <p:spPr/>
+        <p:txBody>
+          <a:bodyPr/>
+          <a:lstStyle/>
+          <a:p>
+            <a:fld id="{95C870F5-2469-49EC-A44E-C9B5362F8607}" type="slidenum">
+              <a:rPr lang="fr-FR" smtClean="0"/>
+              <a:t>14</a:t>
+            </a:fld>
+            <a:endParaRPr lang="fr-FR"/>
+          </a:p>
+        </p:txBody>
+      </p:sp>
     </p:spTree>
     <p:extLst>
       <p:ext uri="{BB962C8B-B14F-4D97-AF65-F5344CB8AC3E}">
@@ -4726,8 +5960,8 @@
         </p:nvSpPr>
         <p:spPr>
           <a:xfrm>
-            <a:off x="879895" y="2881223"/>
-            <a:ext cx="4834209" cy="2585323"/>
+            <a:off x="838200" y="2801115"/>
+            <a:ext cx="5003549" cy="2308324"/>
           </a:xfrm>
           <a:prstGeom prst="rect">
             <a:avLst/>
@@ -4746,7 +5980,7 @@
             </a:pPr>
             <a:r>
               <a:rPr lang="fr-FR" b="1" dirty="0"/>
-              <a:t>Le fonctionnement de MENU Maker</a:t>
+              <a:t>Le fonctionnement de Menu Maker</a:t>
             </a:r>
           </a:p>
           <a:p>
@@ -4799,7 +6033,7 @@
             </a:pPr>
             <a:r>
               <a:rPr lang="fr-FR" b="1" dirty="0"/>
-              <a:t>Visite guidée et commentée de Menu Maker</a:t>
+              <a:t>La réalisation de Menu Maker par nos équipes</a:t>
             </a:r>
           </a:p>
           <a:p>
@@ -4809,12 +6043,63 @@
             </a:pPr>
             <a:endParaRPr lang="fr-FR" b="1" dirty="0"/>
           </a:p>
-          <a:p>
-            <a:pPr marL="400050" indent="-400050">
-              <a:buFont typeface="+mj-lt"/>
-              <a:buAutoNum type="romanUcPeriod"/>
-            </a:pPr>
-            <a:endParaRPr lang="fr-FR" b="1" dirty="0"/>
+        </p:txBody>
+      </p:sp>
+      <p:sp>
+        <p:nvSpPr>
+          <p:cNvPr id="4" name="Espace réservé de la date 3">
+            <a:extLst>
+              <a:ext uri="{FF2B5EF4-FFF2-40B4-BE49-F238E27FC236}">
+                <a16:creationId xmlns:a16="http://schemas.microsoft.com/office/drawing/2014/main" id="{3FCB0D84-301F-701F-FED4-E5C03F8AFF7D}"/>
+              </a:ext>
+            </a:extLst>
+          </p:cNvPr>
+          <p:cNvSpPr>
+            <a:spLocks noGrp="1"/>
+          </p:cNvSpPr>
+          <p:nvPr>
+            <p:ph type="dt" sz="half" idx="10"/>
+          </p:nvPr>
+        </p:nvSpPr>
+        <p:spPr/>
+        <p:txBody>
+          <a:bodyPr/>
+          <a:lstStyle/>
+          <a:p>
+            <a:fld id="{6C55B61A-2025-4D59-92E2-6C75DCBCCC62}" type="datetime1">
+              <a:rPr lang="fr-FR" smtClean="0"/>
+              <a:t>10/05/2023</a:t>
+            </a:fld>
+            <a:endParaRPr lang="fr-FR"/>
+          </a:p>
+        </p:txBody>
+      </p:sp>
+      <p:sp>
+        <p:nvSpPr>
+          <p:cNvPr id="7" name="Espace réservé du numéro de diapositive 6">
+            <a:extLst>
+              <a:ext uri="{FF2B5EF4-FFF2-40B4-BE49-F238E27FC236}">
+                <a16:creationId xmlns:a16="http://schemas.microsoft.com/office/drawing/2014/main" id="{664610C4-5468-5BCA-AC97-A3DE8694BE09}"/>
+              </a:ext>
+            </a:extLst>
+          </p:cNvPr>
+          <p:cNvSpPr>
+            <a:spLocks noGrp="1"/>
+          </p:cNvSpPr>
+          <p:nvPr>
+            <p:ph type="sldNum" sz="quarter" idx="12"/>
+          </p:nvPr>
+        </p:nvSpPr>
+        <p:spPr/>
+        <p:txBody>
+          <a:bodyPr/>
+          <a:lstStyle/>
+          <a:p>
+            <a:fld id="{95C870F5-2469-49EC-A44E-C9B5362F8607}" type="slidenum">
+              <a:rPr lang="fr-FR" smtClean="0"/>
+              <a:t>2</a:t>
+            </a:fld>
+            <a:endParaRPr lang="fr-FR"/>
           </a:p>
         </p:txBody>
       </p:sp>
@@ -5412,6 +6697,64 @@
           </a:p>
         </p:txBody>
       </p:sp>
+      <p:sp>
+        <p:nvSpPr>
+          <p:cNvPr id="3" name="Espace réservé de la date 2">
+            <a:extLst>
+              <a:ext uri="{FF2B5EF4-FFF2-40B4-BE49-F238E27FC236}">
+                <a16:creationId xmlns:a16="http://schemas.microsoft.com/office/drawing/2014/main" id="{15167C7A-F6A4-0542-138E-B1C54FE16333}"/>
+              </a:ext>
+            </a:extLst>
+          </p:cNvPr>
+          <p:cNvSpPr>
+            <a:spLocks noGrp="1"/>
+          </p:cNvSpPr>
+          <p:nvPr>
+            <p:ph type="dt" sz="half" idx="10"/>
+          </p:nvPr>
+        </p:nvSpPr>
+        <p:spPr/>
+        <p:txBody>
+          <a:bodyPr/>
+          <a:lstStyle/>
+          <a:p>
+            <a:fld id="{DDE327C8-B302-49D1-AAF0-E953D827907F}" type="datetime1">
+              <a:rPr lang="fr-FR" smtClean="0"/>
+              <a:t>10/05/2023</a:t>
+            </a:fld>
+            <a:endParaRPr lang="fr-FR"/>
+          </a:p>
+        </p:txBody>
+      </p:sp>
+      <p:sp>
+        <p:nvSpPr>
+          <p:cNvPr id="5" name="Espace réservé du numéro de diapositive 4">
+            <a:extLst>
+              <a:ext uri="{FF2B5EF4-FFF2-40B4-BE49-F238E27FC236}">
+                <a16:creationId xmlns:a16="http://schemas.microsoft.com/office/drawing/2014/main" id="{912EDCCF-1B1F-D852-8CB0-4D8F61A7476C}"/>
+              </a:ext>
+            </a:extLst>
+          </p:cNvPr>
+          <p:cNvSpPr>
+            <a:spLocks noGrp="1"/>
+          </p:cNvSpPr>
+          <p:nvPr>
+            <p:ph type="sldNum" sz="quarter" idx="12"/>
+          </p:nvPr>
+        </p:nvSpPr>
+        <p:spPr/>
+        <p:txBody>
+          <a:bodyPr/>
+          <a:lstStyle/>
+          <a:p>
+            <a:fld id="{95C870F5-2469-49EC-A44E-C9B5362F8607}" type="slidenum">
+              <a:rPr lang="fr-FR" smtClean="0"/>
+              <a:t>3</a:t>
+            </a:fld>
+            <a:endParaRPr lang="fr-FR"/>
+          </a:p>
+        </p:txBody>
+      </p:sp>
     </p:spTree>
     <p:extLst>
       <p:ext uri="{BB962C8B-B14F-4D97-AF65-F5344CB8AC3E}">
@@ -6125,6 +7468,64 @@
           </a:p>
         </p:txBody>
       </p:sp>
+      <p:sp>
+        <p:nvSpPr>
+          <p:cNvPr id="7" name="Espace réservé de la date 6">
+            <a:extLst>
+              <a:ext uri="{FF2B5EF4-FFF2-40B4-BE49-F238E27FC236}">
+                <a16:creationId xmlns:a16="http://schemas.microsoft.com/office/drawing/2014/main" id="{B204A552-30A2-467A-1552-5AC804508B8D}"/>
+              </a:ext>
+            </a:extLst>
+          </p:cNvPr>
+          <p:cNvSpPr>
+            <a:spLocks noGrp="1"/>
+          </p:cNvSpPr>
+          <p:nvPr>
+            <p:ph type="dt" sz="half" idx="10"/>
+          </p:nvPr>
+        </p:nvSpPr>
+        <p:spPr/>
+        <p:txBody>
+          <a:bodyPr/>
+          <a:lstStyle/>
+          <a:p>
+            <a:fld id="{F191B6F3-7AE1-4738-A29C-D17342493CD1}" type="datetime1">
+              <a:rPr lang="fr-FR" smtClean="0"/>
+              <a:t>10/05/2023</a:t>
+            </a:fld>
+            <a:endParaRPr lang="fr-FR"/>
+          </a:p>
+        </p:txBody>
+      </p:sp>
+      <p:sp>
+        <p:nvSpPr>
+          <p:cNvPr id="8" name="Espace réservé du numéro de diapositive 7">
+            <a:extLst>
+              <a:ext uri="{FF2B5EF4-FFF2-40B4-BE49-F238E27FC236}">
+                <a16:creationId xmlns:a16="http://schemas.microsoft.com/office/drawing/2014/main" id="{4D7F9914-1E0E-A1D7-D5E0-268550478EB5}"/>
+              </a:ext>
+            </a:extLst>
+          </p:cNvPr>
+          <p:cNvSpPr>
+            <a:spLocks noGrp="1"/>
+          </p:cNvSpPr>
+          <p:nvPr>
+            <p:ph type="sldNum" sz="quarter" idx="12"/>
+          </p:nvPr>
+        </p:nvSpPr>
+        <p:spPr/>
+        <p:txBody>
+          <a:bodyPr/>
+          <a:lstStyle/>
+          <a:p>
+            <a:fld id="{95C870F5-2469-49EC-A44E-C9B5362F8607}" type="slidenum">
+              <a:rPr lang="fr-FR" smtClean="0"/>
+              <a:t>4</a:t>
+            </a:fld>
+            <a:endParaRPr lang="fr-FR"/>
+          </a:p>
+        </p:txBody>
+      </p:sp>
     </p:spTree>
     <p:extLst>
       <p:ext uri="{BB962C8B-B14F-4D97-AF65-F5344CB8AC3E}">
@@ -6662,6 +8063,64 @@
           </a:p>
         </p:txBody>
       </p:sp>
+      <p:sp>
+        <p:nvSpPr>
+          <p:cNvPr id="3" name="Espace réservé de la date 2">
+            <a:extLst>
+              <a:ext uri="{FF2B5EF4-FFF2-40B4-BE49-F238E27FC236}">
+                <a16:creationId xmlns:a16="http://schemas.microsoft.com/office/drawing/2014/main" id="{DA0B77AD-148F-0C98-1499-4DA1E4EF592B}"/>
+              </a:ext>
+            </a:extLst>
+          </p:cNvPr>
+          <p:cNvSpPr>
+            <a:spLocks noGrp="1"/>
+          </p:cNvSpPr>
+          <p:nvPr>
+            <p:ph type="dt" sz="half" idx="10"/>
+          </p:nvPr>
+        </p:nvSpPr>
+        <p:spPr/>
+        <p:txBody>
+          <a:bodyPr/>
+          <a:lstStyle/>
+          <a:p>
+            <a:fld id="{CDBF3A13-F036-45B1-B88B-E65B0E95147B}" type="datetime1">
+              <a:rPr lang="fr-FR" smtClean="0"/>
+              <a:t>10/05/2023</a:t>
+            </a:fld>
+            <a:endParaRPr lang="fr-FR"/>
+          </a:p>
+        </p:txBody>
+      </p:sp>
+      <p:sp>
+        <p:nvSpPr>
+          <p:cNvPr id="4" name="Espace réservé du numéro de diapositive 3">
+            <a:extLst>
+              <a:ext uri="{FF2B5EF4-FFF2-40B4-BE49-F238E27FC236}">
+                <a16:creationId xmlns:a16="http://schemas.microsoft.com/office/drawing/2014/main" id="{32A38505-C04A-903E-C827-ADEF393F34E6}"/>
+              </a:ext>
+            </a:extLst>
+          </p:cNvPr>
+          <p:cNvSpPr>
+            <a:spLocks noGrp="1"/>
+          </p:cNvSpPr>
+          <p:nvPr>
+            <p:ph type="sldNum" sz="quarter" idx="12"/>
+          </p:nvPr>
+        </p:nvSpPr>
+        <p:spPr/>
+        <p:txBody>
+          <a:bodyPr/>
+          <a:lstStyle/>
+          <a:p>
+            <a:fld id="{95C870F5-2469-49EC-A44E-C9B5362F8607}" type="slidenum">
+              <a:rPr lang="fr-FR" smtClean="0"/>
+              <a:t>5</a:t>
+            </a:fld>
+            <a:endParaRPr lang="fr-FR"/>
+          </a:p>
+        </p:txBody>
+      </p:sp>
     </p:spTree>
     <p:extLst>
       <p:ext uri="{BB962C8B-B14F-4D97-AF65-F5344CB8AC3E}">
@@ -6928,6 +8387,64 @@
               <a:rPr lang="fr-FR" b="1" dirty="0"/>
               <a:t>des images et d'autres contenus en ligne. </a:t>
             </a:r>
+          </a:p>
+        </p:txBody>
+      </p:sp>
+      <p:sp>
+        <p:nvSpPr>
+          <p:cNvPr id="3" name="Espace réservé de la date 2">
+            <a:extLst>
+              <a:ext uri="{FF2B5EF4-FFF2-40B4-BE49-F238E27FC236}">
+                <a16:creationId xmlns:a16="http://schemas.microsoft.com/office/drawing/2014/main" id="{3EEE8EEB-F6A8-5400-50B9-E8058A5DACF5}"/>
+              </a:ext>
+            </a:extLst>
+          </p:cNvPr>
+          <p:cNvSpPr>
+            <a:spLocks noGrp="1"/>
+          </p:cNvSpPr>
+          <p:nvPr>
+            <p:ph type="dt" sz="half" idx="10"/>
+          </p:nvPr>
+        </p:nvSpPr>
+        <p:spPr/>
+        <p:txBody>
+          <a:bodyPr/>
+          <a:lstStyle/>
+          <a:p>
+            <a:fld id="{30EB97CD-139F-4870-84BC-0EE44C28F412}" type="datetime1">
+              <a:rPr lang="fr-FR" smtClean="0"/>
+              <a:t>10/05/2023</a:t>
+            </a:fld>
+            <a:endParaRPr lang="fr-FR"/>
+          </a:p>
+        </p:txBody>
+      </p:sp>
+      <p:sp>
+        <p:nvSpPr>
+          <p:cNvPr id="6" name="Espace réservé du numéro de diapositive 5">
+            <a:extLst>
+              <a:ext uri="{FF2B5EF4-FFF2-40B4-BE49-F238E27FC236}">
+                <a16:creationId xmlns:a16="http://schemas.microsoft.com/office/drawing/2014/main" id="{9600C854-0384-86CA-BA89-930AF14543C9}"/>
+              </a:ext>
+            </a:extLst>
+          </p:cNvPr>
+          <p:cNvSpPr>
+            <a:spLocks noGrp="1"/>
+          </p:cNvSpPr>
+          <p:nvPr>
+            <p:ph type="sldNum" sz="quarter" idx="12"/>
+          </p:nvPr>
+        </p:nvSpPr>
+        <p:spPr/>
+        <p:txBody>
+          <a:bodyPr/>
+          <a:lstStyle/>
+          <a:p>
+            <a:fld id="{95C870F5-2469-49EC-A44E-C9B5362F8607}" type="slidenum">
+              <a:rPr lang="fr-FR" smtClean="0"/>
+              <a:t>6</a:t>
+            </a:fld>
+            <a:endParaRPr lang="fr-FR"/>
           </a:p>
         </p:txBody>
       </p:sp>
@@ -7647,6 +9164,64 @@
           </a:p>
         </p:txBody>
       </p:sp>
+      <p:sp>
+        <p:nvSpPr>
+          <p:cNvPr id="2" name="Espace réservé de la date 1">
+            <a:extLst>
+              <a:ext uri="{FF2B5EF4-FFF2-40B4-BE49-F238E27FC236}">
+                <a16:creationId xmlns:a16="http://schemas.microsoft.com/office/drawing/2014/main" id="{26456F68-097A-E546-7C5E-BC897D532E1E}"/>
+              </a:ext>
+            </a:extLst>
+          </p:cNvPr>
+          <p:cNvSpPr>
+            <a:spLocks noGrp="1"/>
+          </p:cNvSpPr>
+          <p:nvPr>
+            <p:ph type="dt" sz="half" idx="10"/>
+          </p:nvPr>
+        </p:nvSpPr>
+        <p:spPr/>
+        <p:txBody>
+          <a:bodyPr/>
+          <a:lstStyle/>
+          <a:p>
+            <a:fld id="{3873530C-F356-4F24-9D39-C93F685A54B1}" type="datetime1">
+              <a:rPr lang="fr-FR" smtClean="0"/>
+              <a:t>10/05/2023</a:t>
+            </a:fld>
+            <a:endParaRPr lang="fr-FR"/>
+          </a:p>
+        </p:txBody>
+      </p:sp>
+      <p:sp>
+        <p:nvSpPr>
+          <p:cNvPr id="6" name="Espace réservé du numéro de diapositive 5">
+            <a:extLst>
+              <a:ext uri="{FF2B5EF4-FFF2-40B4-BE49-F238E27FC236}">
+                <a16:creationId xmlns:a16="http://schemas.microsoft.com/office/drawing/2014/main" id="{7639AEE5-8F54-3B47-3D52-E6D07034119A}"/>
+              </a:ext>
+            </a:extLst>
+          </p:cNvPr>
+          <p:cNvSpPr>
+            <a:spLocks noGrp="1"/>
+          </p:cNvSpPr>
+          <p:nvPr>
+            <p:ph type="sldNum" sz="quarter" idx="12"/>
+          </p:nvPr>
+        </p:nvSpPr>
+        <p:spPr/>
+        <p:txBody>
+          <a:bodyPr/>
+          <a:lstStyle/>
+          <a:p>
+            <a:fld id="{95C870F5-2469-49EC-A44E-C9B5362F8607}" type="slidenum">
+              <a:rPr lang="fr-FR" smtClean="0"/>
+              <a:t>7</a:t>
+            </a:fld>
+            <a:endParaRPr lang="fr-FR"/>
+          </a:p>
+        </p:txBody>
+      </p:sp>
     </p:spTree>
     <p:extLst>
       <p:ext uri="{BB962C8B-B14F-4D97-AF65-F5344CB8AC3E}">
@@ -7918,6 +9493,64 @@
           </a:p>
         </p:txBody>
       </p:sp>
+      <p:sp>
+        <p:nvSpPr>
+          <p:cNvPr id="6" name="Espace réservé de la date 5">
+            <a:extLst>
+              <a:ext uri="{FF2B5EF4-FFF2-40B4-BE49-F238E27FC236}">
+                <a16:creationId xmlns:a16="http://schemas.microsoft.com/office/drawing/2014/main" id="{C31E5BC6-BAE5-654B-D980-9AD4B35B8A7D}"/>
+              </a:ext>
+            </a:extLst>
+          </p:cNvPr>
+          <p:cNvSpPr>
+            <a:spLocks noGrp="1"/>
+          </p:cNvSpPr>
+          <p:nvPr>
+            <p:ph type="dt" sz="half" idx="10"/>
+          </p:nvPr>
+        </p:nvSpPr>
+        <p:spPr/>
+        <p:txBody>
+          <a:bodyPr/>
+          <a:lstStyle/>
+          <a:p>
+            <a:fld id="{A3A6A160-5773-497C-A8D5-3C130F9703FF}" type="datetime1">
+              <a:rPr lang="fr-FR" smtClean="0"/>
+              <a:t>10/05/2023</a:t>
+            </a:fld>
+            <a:endParaRPr lang="fr-FR"/>
+          </a:p>
+        </p:txBody>
+      </p:sp>
+      <p:sp>
+        <p:nvSpPr>
+          <p:cNvPr id="9" name="Espace réservé du numéro de diapositive 8">
+            <a:extLst>
+              <a:ext uri="{FF2B5EF4-FFF2-40B4-BE49-F238E27FC236}">
+                <a16:creationId xmlns:a16="http://schemas.microsoft.com/office/drawing/2014/main" id="{18F846AD-3FF7-6CA1-F4AB-54876F8D3E5D}"/>
+              </a:ext>
+            </a:extLst>
+          </p:cNvPr>
+          <p:cNvSpPr>
+            <a:spLocks noGrp="1"/>
+          </p:cNvSpPr>
+          <p:nvPr>
+            <p:ph type="sldNum" sz="quarter" idx="12"/>
+          </p:nvPr>
+        </p:nvSpPr>
+        <p:spPr/>
+        <p:txBody>
+          <a:bodyPr/>
+          <a:lstStyle/>
+          <a:p>
+            <a:fld id="{95C870F5-2469-49EC-A44E-C9B5362F8607}" type="slidenum">
+              <a:rPr lang="fr-FR" smtClean="0"/>
+              <a:t>8</a:t>
+            </a:fld>
+            <a:endParaRPr lang="fr-FR"/>
+          </a:p>
+        </p:txBody>
+      </p:sp>
     </p:spTree>
     <p:extLst>
       <p:ext uri="{BB962C8B-B14F-4D97-AF65-F5344CB8AC3E}">
@@ -8500,6 +10133,64 @@
               <a:rPr lang="fr-FR" sz="1200" dirty="0"/>
               <a:t>par les développeurs de cet objectif.  </a:t>
             </a:r>
+          </a:p>
+        </p:txBody>
+      </p:sp>
+      <p:sp>
+        <p:nvSpPr>
+          <p:cNvPr id="3" name="Espace réservé de la date 2">
+            <a:extLst>
+              <a:ext uri="{FF2B5EF4-FFF2-40B4-BE49-F238E27FC236}">
+                <a16:creationId xmlns:a16="http://schemas.microsoft.com/office/drawing/2014/main" id="{8E01A35A-F26A-C0AF-2C30-FF92B63D0E12}"/>
+              </a:ext>
+            </a:extLst>
+          </p:cNvPr>
+          <p:cNvSpPr>
+            <a:spLocks noGrp="1"/>
+          </p:cNvSpPr>
+          <p:nvPr>
+            <p:ph type="dt" sz="half" idx="10"/>
+          </p:nvPr>
+        </p:nvSpPr>
+        <p:spPr/>
+        <p:txBody>
+          <a:bodyPr/>
+          <a:lstStyle/>
+          <a:p>
+            <a:fld id="{247E9FB2-8DB6-4828-BF9D-97971CBF2278}" type="datetime1">
+              <a:rPr lang="fr-FR" smtClean="0"/>
+              <a:t>10/05/2023</a:t>
+            </a:fld>
+            <a:endParaRPr lang="fr-FR"/>
+          </a:p>
+        </p:txBody>
+      </p:sp>
+      <p:sp>
+        <p:nvSpPr>
+          <p:cNvPr id="7" name="Espace réservé du numéro de diapositive 6">
+            <a:extLst>
+              <a:ext uri="{FF2B5EF4-FFF2-40B4-BE49-F238E27FC236}">
+                <a16:creationId xmlns:a16="http://schemas.microsoft.com/office/drawing/2014/main" id="{338C03CB-8BB4-B879-1F50-947DED250BB1}"/>
+              </a:ext>
+            </a:extLst>
+          </p:cNvPr>
+          <p:cNvSpPr>
+            <a:spLocks noGrp="1"/>
+          </p:cNvSpPr>
+          <p:nvPr>
+            <p:ph type="sldNum" sz="quarter" idx="12"/>
+          </p:nvPr>
+        </p:nvSpPr>
+        <p:spPr/>
+        <p:txBody>
+          <a:bodyPr/>
+          <a:lstStyle/>
+          <a:p>
+            <a:fld id="{95C870F5-2469-49EC-A44E-C9B5362F8607}" type="slidenum">
+              <a:rPr lang="fr-FR" smtClean="0"/>
+              <a:t>9</a:t>
+            </a:fld>
+            <a:endParaRPr lang="fr-FR"/>
           </a:p>
         </p:txBody>
       </p:sp>
@@ -8809,4 +10500,299 @@
     </a:ext>
   </a:extLst>
 </a:theme>
+</file>
+
+<file path=ppt/theme/theme2.xml><?xml version="1.0" encoding="utf-8"?>
+<a:theme xmlns:a="http://schemas.openxmlformats.org/drawingml/2006/main" name="Thème Office">
+  <a:themeElements>
+    <a:clrScheme name="Office">
+      <a:dk1>
+        <a:sysClr val="windowText" lastClr="000000"/>
+      </a:dk1>
+      <a:lt1>
+        <a:sysClr val="window" lastClr="FFFFFF"/>
+      </a:lt1>
+      <a:dk2>
+        <a:srgbClr val="44546A"/>
+      </a:dk2>
+      <a:lt2>
+        <a:srgbClr val="E7E6E6"/>
+      </a:lt2>
+      <a:accent1>
+        <a:srgbClr val="4472C4"/>
+      </a:accent1>
+      <a:accent2>
+        <a:srgbClr val="ED7D31"/>
+      </a:accent2>
+      <a:accent3>
+        <a:srgbClr val="A5A5A5"/>
+      </a:accent3>
+      <a:accent4>
+        <a:srgbClr val="FFC000"/>
+      </a:accent4>
+      <a:accent5>
+        <a:srgbClr val="5B9BD5"/>
+      </a:accent5>
+      <a:accent6>
+        <a:srgbClr val="70AD47"/>
+      </a:accent6>
+      <a:hlink>
+        <a:srgbClr val="0563C1"/>
+      </a:hlink>
+      <a:folHlink>
+        <a:srgbClr val="954F72"/>
+      </a:folHlink>
+    </a:clrScheme>
+    <a:fontScheme name="Office">
+      <a:majorFont>
+        <a:latin typeface="Calibri Light" panose="020F0302020204030204"/>
+        <a:ea typeface=""/>
+        <a:cs typeface=""/>
+        <a:font script="Jpan" typeface="游ゴシック Light"/>
+        <a:font script="Hang" typeface="맑은 고딕"/>
+        <a:font script="Hans" typeface="等线 Light"/>
+        <a:font script="Hant" typeface="新細明體"/>
+        <a:font script="Arab" typeface="Times New Roman"/>
+        <a:font script="Hebr" typeface="Times New Roman"/>
+        <a:font script="Thai" typeface="Angsana New"/>
+        <a:font script="Ethi" typeface="Nyala"/>
+        <a:font script="Beng" typeface="Vrinda"/>
+        <a:font script="Gujr" typeface="Shruti"/>
+        <a:font script="Khmr" typeface="MoolBoran"/>
+        <a:font script="Knda" typeface="Tunga"/>
+        <a:font script="Guru" typeface="Raavi"/>
+        <a:font script="Cans" typeface="Euphemia"/>
+        <a:font script="Cher" typeface="Plantagenet Cherokee"/>
+        <a:font script="Yiii" typeface="Microsoft Yi Baiti"/>
+        <a:font script="Tibt" typeface="Microsoft Himalaya"/>
+        <a:font script="Thaa" typeface="MV Boli"/>
+        <a:font script="Deva" typeface="Mangal"/>
+        <a:font script="Telu" typeface="Gautami"/>
+        <a:font script="Taml" typeface="Latha"/>
+        <a:font script="Syrc" typeface="Estrangelo Edessa"/>
+        <a:font script="Orya" typeface="Kalinga"/>
+        <a:font script="Mlym" typeface="Kartika"/>
+        <a:font script="Laoo" typeface="DokChampa"/>
+        <a:font script="Sinh" typeface="Iskoola Pota"/>
+        <a:font script="Mong" typeface="Mongolian Baiti"/>
+        <a:font script="Viet" typeface="Times New Roman"/>
+        <a:font script="Uigh" typeface="Microsoft Uighur"/>
+        <a:font script="Geor" typeface="Sylfaen"/>
+        <a:font script="Armn" typeface="Arial"/>
+        <a:font script="Bugi" typeface="Leelawadee UI"/>
+        <a:font script="Bopo" typeface="Microsoft JhengHei"/>
+        <a:font script="Java" typeface="Javanese Text"/>
+        <a:font script="Lisu" typeface="Segoe UI"/>
+        <a:font script="Mymr" typeface="Myanmar Text"/>
+        <a:font script="Nkoo" typeface="Ebrima"/>
+        <a:font script="Olck" typeface="Nirmala UI"/>
+        <a:font script="Osma" typeface="Ebrima"/>
+        <a:font script="Phag" typeface="Phagspa"/>
+        <a:font script="Syrn" typeface="Estrangelo Edessa"/>
+        <a:font script="Syrj" typeface="Estrangelo Edessa"/>
+        <a:font script="Syre" typeface="Estrangelo Edessa"/>
+        <a:font script="Sora" typeface="Nirmala UI"/>
+        <a:font script="Tale" typeface="Microsoft Tai Le"/>
+        <a:font script="Talu" typeface="Microsoft New Tai Lue"/>
+        <a:font script="Tfng" typeface="Ebrima"/>
+      </a:majorFont>
+      <a:minorFont>
+        <a:latin typeface="Calibri" panose="020F0502020204030204"/>
+        <a:ea typeface=""/>
+        <a:cs typeface=""/>
+        <a:font script="Jpan" typeface="游ゴシック"/>
+        <a:font script="Hang" typeface="맑은 고딕"/>
+        <a:font script="Hans" typeface="等线"/>
+        <a:font script="Hant" typeface="新細明體"/>
+        <a:font script="Arab" typeface="Arial"/>
+        <a:font script="Hebr" typeface="Arial"/>
+        <a:font script="Thai" typeface="Cordia New"/>
+        <a:font script="Ethi" typeface="Nyala"/>
+        <a:font script="Beng" typeface="Vrinda"/>
+        <a:font script="Gujr" typeface="Shruti"/>
+        <a:font script="Khmr" typeface="DaunPenh"/>
+        <a:font script="Knda" typeface="Tunga"/>
+        <a:font script="Guru" typeface="Raavi"/>
+        <a:font script="Cans" typeface="Euphemia"/>
+        <a:font script="Cher" typeface="Plantagenet Cherokee"/>
+        <a:font script="Yiii" typeface="Microsoft Yi Baiti"/>
+        <a:font script="Tibt" typeface="Microsoft Himalaya"/>
+        <a:font script="Thaa" typeface="MV Boli"/>
+        <a:font script="Deva" typeface="Mangal"/>
+        <a:font script="Telu" typeface="Gautami"/>
+        <a:font script="Taml" typeface="Latha"/>
+        <a:font script="Syrc" typeface="Estrangelo Edessa"/>
+        <a:font script="Orya" typeface="Kalinga"/>
+        <a:font script="Mlym" typeface="Kartika"/>
+        <a:font script="Laoo" typeface="DokChampa"/>
+        <a:font script="Sinh" typeface="Iskoola Pota"/>
+        <a:font script="Mong" typeface="Mongolian Baiti"/>
+        <a:font script="Viet" typeface="Arial"/>
+        <a:font script="Uigh" typeface="Microsoft Uighur"/>
+        <a:font script="Geor" typeface="Sylfaen"/>
+        <a:font script="Armn" typeface="Arial"/>
+        <a:font script="Bugi" typeface="Leelawadee UI"/>
+        <a:font script="Bopo" typeface="Microsoft JhengHei"/>
+        <a:font script="Java" typeface="Javanese Text"/>
+        <a:font script="Lisu" typeface="Segoe UI"/>
+        <a:font script="Mymr" typeface="Myanmar Text"/>
+        <a:font script="Nkoo" typeface="Ebrima"/>
+        <a:font script="Olck" typeface="Nirmala UI"/>
+        <a:font script="Osma" typeface="Ebrima"/>
+        <a:font script="Phag" typeface="Phagspa"/>
+        <a:font script="Syrn" typeface="Estrangelo Edessa"/>
+        <a:font script="Syrj" typeface="Estrangelo Edessa"/>
+        <a:font script="Syre" typeface="Estrangelo Edessa"/>
+        <a:font script="Sora" typeface="Nirmala UI"/>
+        <a:font script="Tale" typeface="Microsoft Tai Le"/>
+        <a:font script="Talu" typeface="Microsoft New Tai Lue"/>
+        <a:font script="Tfng" typeface="Ebrima"/>
+      </a:minorFont>
+    </a:fontScheme>
+    <a:fmtScheme name="Office">
+      <a:fillStyleLst>
+        <a:solidFill>
+          <a:schemeClr val="phClr"/>
+        </a:solidFill>
+        <a:gradFill rotWithShape="1">
+          <a:gsLst>
+            <a:gs pos="0">
+              <a:schemeClr val="phClr">
+                <a:lumMod val="110000"/>
+                <a:satMod val="105000"/>
+                <a:tint val="67000"/>
+              </a:schemeClr>
+            </a:gs>
+            <a:gs pos="50000">
+              <a:schemeClr val="phClr">
+                <a:lumMod val="105000"/>
+                <a:satMod val="103000"/>
+                <a:tint val="73000"/>
+              </a:schemeClr>
+            </a:gs>
+            <a:gs pos="100000">
+              <a:schemeClr val="phClr">
+                <a:lumMod val="105000"/>
+                <a:satMod val="109000"/>
+                <a:tint val="81000"/>
+              </a:schemeClr>
+            </a:gs>
+          </a:gsLst>
+          <a:lin ang="5400000" scaled="0"/>
+        </a:gradFill>
+        <a:gradFill rotWithShape="1">
+          <a:gsLst>
+            <a:gs pos="0">
+              <a:schemeClr val="phClr">
+                <a:satMod val="103000"/>
+                <a:lumMod val="102000"/>
+                <a:tint val="94000"/>
+              </a:schemeClr>
+            </a:gs>
+            <a:gs pos="50000">
+              <a:schemeClr val="phClr">
+                <a:satMod val="110000"/>
+                <a:lumMod val="100000"/>
+                <a:shade val="100000"/>
+              </a:schemeClr>
+            </a:gs>
+            <a:gs pos="100000">
+              <a:schemeClr val="phClr">
+                <a:lumMod val="99000"/>
+                <a:satMod val="120000"/>
+                <a:shade val="78000"/>
+              </a:schemeClr>
+            </a:gs>
+          </a:gsLst>
+          <a:lin ang="5400000" scaled="0"/>
+        </a:gradFill>
+      </a:fillStyleLst>
+      <a:lnStyleLst>
+        <a:ln w="6350" cap="flat" cmpd="sng" algn="ctr">
+          <a:solidFill>
+            <a:schemeClr val="phClr"/>
+          </a:solidFill>
+          <a:prstDash val="solid"/>
+          <a:miter lim="800000"/>
+        </a:ln>
+        <a:ln w="12700" cap="flat" cmpd="sng" algn="ctr">
+          <a:solidFill>
+            <a:schemeClr val="phClr"/>
+          </a:solidFill>
+          <a:prstDash val="solid"/>
+          <a:miter lim="800000"/>
+        </a:ln>
+        <a:ln w="19050" cap="flat" cmpd="sng" algn="ctr">
+          <a:solidFill>
+            <a:schemeClr val="phClr"/>
+          </a:solidFill>
+          <a:prstDash val="solid"/>
+          <a:miter lim="800000"/>
+        </a:ln>
+      </a:lnStyleLst>
+      <a:effectStyleLst>
+        <a:effectStyle>
+          <a:effectLst/>
+        </a:effectStyle>
+        <a:effectStyle>
+          <a:effectLst/>
+        </a:effectStyle>
+        <a:effectStyle>
+          <a:effectLst>
+            <a:outerShdw blurRad="57150" dist="19050" dir="5400000" algn="ctr" rotWithShape="0">
+              <a:srgbClr val="000000">
+                <a:alpha val="63000"/>
+              </a:srgbClr>
+            </a:outerShdw>
+          </a:effectLst>
+        </a:effectStyle>
+      </a:effectStyleLst>
+      <a:bgFillStyleLst>
+        <a:solidFill>
+          <a:schemeClr val="phClr"/>
+        </a:solidFill>
+        <a:solidFill>
+          <a:schemeClr val="phClr">
+            <a:tint val="95000"/>
+            <a:satMod val="170000"/>
+          </a:schemeClr>
+        </a:solidFill>
+        <a:gradFill rotWithShape="1">
+          <a:gsLst>
+            <a:gs pos="0">
+              <a:schemeClr val="phClr">
+                <a:tint val="93000"/>
+                <a:satMod val="150000"/>
+                <a:shade val="98000"/>
+                <a:lumMod val="102000"/>
+              </a:schemeClr>
+            </a:gs>
+            <a:gs pos="50000">
+              <a:schemeClr val="phClr">
+                <a:tint val="98000"/>
+                <a:satMod val="130000"/>
+                <a:shade val="90000"/>
+                <a:lumMod val="103000"/>
+              </a:schemeClr>
+            </a:gs>
+            <a:gs pos="100000">
+              <a:schemeClr val="phClr">
+                <a:shade val="63000"/>
+                <a:satMod val="120000"/>
+              </a:schemeClr>
+            </a:gs>
+          </a:gsLst>
+          <a:lin ang="5400000" scaled="0"/>
+        </a:gradFill>
+      </a:bgFillStyleLst>
+    </a:fmtScheme>
+  </a:themeElements>
+  <a:objectDefaults/>
+  <a:extraClrSchemeLst/>
+  <a:extLst>
+    <a:ext uri="{05A4C25C-085E-4340-85A3-A5531E510DB2}">
+      <thm15:themeFamily xmlns:thm15="http://schemas.microsoft.com/office/thememl/2012/main" name="Office Theme" id="{62F939B6-93AF-4DB8-9C6B-D6C7DFDC589F}" vid="{4A3C46E8-61CC-4603-A589-7422A47A8E4A}"/>
+    </a:ext>
+  </a:extLst>
+</a:theme>
 </file>
--- a/présentation_livrable_4.pptx
+++ b/présentation_livrable_4.pptx
@@ -5,7 +5,7 @@
     <p:sldMasterId id="2147483648" r:id="rId1"/>
   </p:sldMasterIdLst>
   <p:notesMasterIdLst>
-    <p:notesMasterId r:id="rId16"/>
+    <p:notesMasterId r:id="rId17"/>
   </p:notesMasterIdLst>
   <p:sldIdLst>
     <p:sldId id="257" r:id="rId2"/>
@@ -16,12 +16,13 @@
     <p:sldId id="260" r:id="rId7"/>
     <p:sldId id="261" r:id="rId8"/>
     <p:sldId id="262" r:id="rId9"/>
-    <p:sldId id="263" r:id="rId10"/>
-    <p:sldId id="264" r:id="rId11"/>
-    <p:sldId id="271" r:id="rId12"/>
-    <p:sldId id="270" r:id="rId13"/>
-    <p:sldId id="272" r:id="rId14"/>
-    <p:sldId id="267" r:id="rId15"/>
+    <p:sldId id="273" r:id="rId10"/>
+    <p:sldId id="263" r:id="rId11"/>
+    <p:sldId id="264" r:id="rId12"/>
+    <p:sldId id="271" r:id="rId13"/>
+    <p:sldId id="270" r:id="rId14"/>
+    <p:sldId id="272" r:id="rId15"/>
+    <p:sldId id="267" r:id="rId16"/>
   </p:sldIdLst>
   <p:sldSz cx="12192000" cy="6858000"/>
   <p:notesSz cx="6858000" cy="9144000"/>
@@ -210,7 +211,7 @@
           <a:p>
             <a:fld id="{C211CFE5-C993-42C5-98EA-8B565CFA01B3}" type="datetimeFigureOut">
               <a:rPr lang="fr-FR" smtClean="0"/>
-              <a:t>10/05/2023</a:t>
+              <a:t>15/05/2023</a:t>
             </a:fld>
             <a:endParaRPr lang="fr-FR"/>
           </a:p>
@@ -624,7 +625,7 @@
           <a:p>
             <a:fld id="{8942A053-BC5C-429E-8596-9991BA4F2132}" type="datetime1">
               <a:rPr lang="fr-FR" smtClean="0"/>
-              <a:t>10/05/2023</a:t>
+              <a:t>15/05/2023</a:t>
             </a:fld>
             <a:endParaRPr lang="fr-FR"/>
           </a:p>
@@ -822,7 +823,7 @@
           <a:p>
             <a:fld id="{0629E193-497C-4922-A0C6-4AC60B37B8DE}" type="datetime1">
               <a:rPr lang="fr-FR" smtClean="0"/>
-              <a:t>10/05/2023</a:t>
+              <a:t>15/05/2023</a:t>
             </a:fld>
             <a:endParaRPr lang="fr-FR"/>
           </a:p>
@@ -1030,7 +1031,7 @@
           <a:p>
             <a:fld id="{516D56D8-D367-4610-937F-6DC4D4CA74A2}" type="datetime1">
               <a:rPr lang="fr-FR" smtClean="0"/>
-              <a:t>10/05/2023</a:t>
+              <a:t>15/05/2023</a:t>
             </a:fld>
             <a:endParaRPr lang="fr-FR"/>
           </a:p>
@@ -1228,7 +1229,7 @@
           <a:p>
             <a:fld id="{B21E7010-4D3E-4C28-99D1-136D20F29935}" type="datetime1">
               <a:rPr lang="fr-FR" smtClean="0"/>
-              <a:t>10/05/2023</a:t>
+              <a:t>15/05/2023</a:t>
             </a:fld>
             <a:endParaRPr lang="fr-FR"/>
           </a:p>
@@ -1503,7 +1504,7 @@
           <a:p>
             <a:fld id="{DC8AEB5F-CEBF-46C3-B1AE-F989DF7EF13B}" type="datetime1">
               <a:rPr lang="fr-FR" smtClean="0"/>
-              <a:t>10/05/2023</a:t>
+              <a:t>15/05/2023</a:t>
             </a:fld>
             <a:endParaRPr lang="fr-FR"/>
           </a:p>
@@ -1768,7 +1769,7 @@
           <a:p>
             <a:fld id="{04605D90-FE22-4529-BF52-994494BAE5AE}" type="datetime1">
               <a:rPr lang="fr-FR" smtClean="0"/>
-              <a:t>10/05/2023</a:t>
+              <a:t>15/05/2023</a:t>
             </a:fld>
             <a:endParaRPr lang="fr-FR"/>
           </a:p>
@@ -2180,7 +2181,7 @@
           <a:p>
             <a:fld id="{FD955FD7-45C3-4129-B02E-3046546EA5D1}" type="datetime1">
               <a:rPr lang="fr-FR" smtClean="0"/>
-              <a:t>10/05/2023</a:t>
+              <a:t>15/05/2023</a:t>
             </a:fld>
             <a:endParaRPr lang="fr-FR"/>
           </a:p>
@@ -2321,7 +2322,7 @@
           <a:p>
             <a:fld id="{6F797003-0BCB-4593-B2B4-6F01BEFD3932}" type="datetime1">
               <a:rPr lang="fr-FR" smtClean="0"/>
-              <a:t>10/05/2023</a:t>
+              <a:t>15/05/2023</a:t>
             </a:fld>
             <a:endParaRPr lang="fr-FR"/>
           </a:p>
@@ -2434,7 +2435,7 @@
           <a:p>
             <a:fld id="{C9BF9042-B0B5-4262-800E-FA2DFD129415}" type="datetime1">
               <a:rPr lang="fr-FR" smtClean="0"/>
-              <a:t>10/05/2023</a:t>
+              <a:t>15/05/2023</a:t>
             </a:fld>
             <a:endParaRPr lang="fr-FR"/>
           </a:p>
@@ -2745,7 +2746,7 @@
           <a:p>
             <a:fld id="{5E85A208-46B0-467D-B50B-FE3A10B64B71}" type="datetime1">
               <a:rPr lang="fr-FR" smtClean="0"/>
-              <a:t>10/05/2023</a:t>
+              <a:t>15/05/2023</a:t>
             </a:fld>
             <a:endParaRPr lang="fr-FR"/>
           </a:p>
@@ -3033,7 +3034,7 @@
           <a:p>
             <a:fld id="{9E5075F3-56BA-4ED8-81AA-401C7E9790B9}" type="datetime1">
               <a:rPr lang="fr-FR" smtClean="0"/>
-              <a:t>10/05/2023</a:t>
+              <a:t>15/05/2023</a:t>
             </a:fld>
             <a:endParaRPr lang="fr-FR"/>
           </a:p>
@@ -3274,7 +3275,7 @@
           <a:p>
             <a:fld id="{F2E562FB-9694-4368-A66B-7C2F397C5163}" type="datetime1">
               <a:rPr lang="fr-FR" smtClean="0"/>
-              <a:t>10/05/2023</a:t>
+              <a:t>15/05/2023</a:t>
             </a:fld>
             <a:endParaRPr lang="fr-FR"/>
           </a:p>
@@ -3874,7 +3875,7 @@
           <a:p>
             <a:fld id="{558FCFB5-0C95-44C7-B31B-CD8A7B1B23CA}" type="datetime1">
               <a:rPr lang="fr-FR" smtClean="0"/>
-              <a:t>10/05/2023</a:t>
+              <a:t>15/05/2023</a:t>
             </a:fld>
             <a:endParaRPr lang="fr-FR"/>
           </a:p>
@@ -3961,8 +3962,8 @@
         </p:blipFill>
         <p:spPr>
           <a:xfrm>
-            <a:off x="128855" y="136799"/>
-            <a:ext cx="2619886" cy="1430887"/>
+            <a:off x="166447" y="134797"/>
+            <a:ext cx="2049324" cy="1025445"/>
           </a:xfrm>
           <a:prstGeom prst="rect">
             <a:avLst/>
@@ -3983,8 +3984,8 @@
         </p:nvSpPr>
         <p:spPr>
           <a:xfrm>
-            <a:off x="2594037" y="1984697"/>
-            <a:ext cx="6113084" cy="523220"/>
+            <a:off x="2967156" y="134797"/>
+            <a:ext cx="2772297" cy="523220"/>
           </a:xfrm>
           <a:prstGeom prst="rect">
             <a:avLst/>
@@ -4015,22 +4016,28 @@
               <a:defRPr/>
             </a:pPr>
             <a:r>
-              <a:rPr kumimoji="0" lang="fr-FR" sz="2800" b="1" i="1" u="none" strike="noStrike" kern="1200" cap="none" spc="0" normalizeH="0" baseline="0" noProof="0" dirty="0">
-                <a:ln>
-                  <a:noFill/>
-                </a:ln>
+              <a:rPr lang="fr-FR" sz="2800" b="1" dirty="0">
                 <a:solidFill>
                   <a:prstClr val="black"/>
                 </a:solidFill>
-                <a:effectLst/>
-                <a:uLnTx/>
-                <a:uFillTx/>
                 <a:latin typeface="Calibri" panose="020F0502020204030204"/>
-                <a:ea typeface="+mn-ea"/>
-                <a:cs typeface="+mn-cs"/>
               </a:rPr>
-              <a:t>Notre outil de gestion de projet : Trello</a:t>
-            </a:r>
+              <a:t>Gestion de projet</a:t>
+            </a:r>
+            <a:endParaRPr kumimoji="0" lang="fr-FR" sz="2800" b="1" i="0" u="none" strike="noStrike" kern="1200" cap="none" spc="0" normalizeH="0" baseline="0" noProof="0" dirty="0">
+              <a:ln>
+                <a:noFill/>
+              </a:ln>
+              <a:solidFill>
+                <a:prstClr val="black"/>
+              </a:solidFill>
+              <a:effectLst/>
+              <a:uLnTx/>
+              <a:uFillTx/>
+              <a:latin typeface="Calibri" panose="020F0502020204030204"/>
+              <a:ea typeface="+mn-ea"/>
+              <a:cs typeface="+mn-cs"/>
+            </a:endParaRPr>
           </a:p>
         </p:txBody>
       </p:sp>
@@ -4039,7 +4046,7 @@
           <p:cNvPr id="2" name="ZoneTexte 1">
             <a:extLst>
               <a:ext uri="{FF2B5EF4-FFF2-40B4-BE49-F238E27FC236}">
-                <a16:creationId xmlns:a16="http://schemas.microsoft.com/office/drawing/2014/main" id="{6514947F-4A22-05F9-B790-1140CD357803}"/>
+                <a16:creationId xmlns:a16="http://schemas.microsoft.com/office/drawing/2014/main" id="{861366E7-3132-086F-319E-8BB9822DC050}"/>
               </a:ext>
             </a:extLst>
           </p:cNvPr>
@@ -4048,8 +4055,8 @@
         </p:nvSpPr>
         <p:spPr>
           <a:xfrm>
-            <a:off x="2266160" y="2829464"/>
-            <a:ext cx="45719" cy="369332"/>
+            <a:off x="2967156" y="658017"/>
+            <a:ext cx="5433475" cy="369332"/>
           </a:xfrm>
           <a:prstGeom prst="rect">
             <a:avLst/>
@@ -4057,222 +4064,24 @@
           <a:noFill/>
         </p:spPr>
         <p:txBody>
-          <a:bodyPr wrap="square" rtlCol="0">
-            <a:spAutoFit/>
-          </a:bodyPr>
-          <a:lstStyle/>
-          <a:p>
-            <a:endParaRPr lang="fr-FR" dirty="0"/>
-          </a:p>
-        </p:txBody>
-      </p:sp>
-      <p:sp>
-        <p:nvSpPr>
-          <p:cNvPr id="3" name="ZoneTexte 2">
-            <a:extLst>
-              <a:ext uri="{FF2B5EF4-FFF2-40B4-BE49-F238E27FC236}">
-                <a16:creationId xmlns:a16="http://schemas.microsoft.com/office/drawing/2014/main" id="{71E820FC-F41B-AA14-25BC-39FFD61E91E2}"/>
-              </a:ext>
-            </a:extLst>
-          </p:cNvPr>
-          <p:cNvSpPr txBox="1"/>
-          <p:nvPr/>
-        </p:nvSpPr>
-        <p:spPr>
-          <a:xfrm>
-            <a:off x="1350700" y="3117641"/>
-            <a:ext cx="3758080" cy="923330"/>
-          </a:xfrm>
-          <a:prstGeom prst="rect">
-            <a:avLst/>
-          </a:prstGeom>
-          <a:noFill/>
-        </p:spPr>
-        <p:txBody>
           <a:bodyPr wrap="none" rtlCol="0">
             <a:spAutoFit/>
           </a:bodyPr>
           <a:lstStyle/>
           <a:p>
             <a:r>
-              <a:rPr kumimoji="0" lang="fr-FR" sz="1800" b="0" i="0" u="none" strike="noStrike" kern="1200" cap="none" spc="0" normalizeH="0" baseline="0" noProof="0" dirty="0">
-                <a:ln>
-                  <a:noFill/>
-                </a:ln>
-                <a:effectLst/>
-                <a:uLnTx/>
-                <a:uFillTx/>
-                <a:latin typeface="Calibri"/>
-                <a:ea typeface="+mn-ea"/>
-                <a:cs typeface="+mn-cs"/>
-              </a:rPr>
-              <a:t>1/ Utilisation de la méthode éprouvée</a:t>
-            </a:r>
-          </a:p>
-          <a:p>
-            <a:r>
-              <a:rPr lang="fr-FR" dirty="0">
-                <a:latin typeface="Calibri"/>
-              </a:rPr>
-              <a:t>du Kanban</a:t>
-            </a:r>
-            <a:endParaRPr kumimoji="0" lang="fr-FR" sz="1800" b="0" i="0" u="none" strike="noStrike" kern="1200" cap="none" spc="0" normalizeH="0" baseline="0" noProof="0" dirty="0">
-              <a:ln>
-                <a:noFill/>
-              </a:ln>
-              <a:effectLst/>
-              <a:uLnTx/>
-              <a:uFillTx/>
-              <a:latin typeface="Calibri"/>
-              <a:ea typeface="+mn-ea"/>
-              <a:cs typeface="+mn-cs"/>
-            </a:endParaRPr>
-          </a:p>
-          <a:p>
-            <a:endParaRPr lang="fr-FR" dirty="0"/>
-          </a:p>
-        </p:txBody>
-      </p:sp>
-      <p:sp>
-        <p:nvSpPr>
-          <p:cNvPr id="4" name="ZoneTexte 3">
-            <a:extLst>
-              <a:ext uri="{FF2B5EF4-FFF2-40B4-BE49-F238E27FC236}">
-                <a16:creationId xmlns:a16="http://schemas.microsoft.com/office/drawing/2014/main" id="{EB2D36CA-AE29-E8C7-7210-13204FF4A7F3}"/>
-              </a:ext>
-            </a:extLst>
-          </p:cNvPr>
-          <p:cNvSpPr txBox="1"/>
-          <p:nvPr/>
-        </p:nvSpPr>
-        <p:spPr>
-          <a:xfrm>
-            <a:off x="5245245" y="3106234"/>
-            <a:ext cx="6167650" cy="646331"/>
-          </a:xfrm>
-          <a:prstGeom prst="rect">
-            <a:avLst/>
-          </a:prstGeom>
-          <a:noFill/>
-        </p:spPr>
-        <p:txBody>
-          <a:bodyPr wrap="none" rtlCol="0">
-            <a:spAutoFit/>
-          </a:bodyPr>
-          <a:lstStyle/>
-          <a:p>
-            <a:r>
-              <a:rPr kumimoji="0" lang="fr-FR" sz="1800" b="0" i="0" u="none" strike="noStrike" kern="1200" cap="none" spc="0" normalizeH="0" baseline="0" noProof="0" dirty="0">
-                <a:ln>
-                  <a:noFill/>
-                </a:ln>
-                <a:effectLst/>
-                <a:uLnTx/>
-                <a:uFillTx/>
-                <a:latin typeface="Calibri"/>
-                <a:ea typeface="+mn-ea"/>
-                <a:cs typeface="+mn-cs"/>
-              </a:rPr>
-              <a:t>2/ Flexibilité et réutilisation pour de multiples projets diversifiés </a:t>
-            </a:r>
-          </a:p>
-          <a:p>
-            <a:endParaRPr lang="fr-FR" dirty="0"/>
-          </a:p>
-        </p:txBody>
-      </p:sp>
-      <p:sp>
-        <p:nvSpPr>
-          <p:cNvPr id="7" name="ZoneTexte 6">
-            <a:extLst>
-              <a:ext uri="{FF2B5EF4-FFF2-40B4-BE49-F238E27FC236}">
-                <a16:creationId xmlns:a16="http://schemas.microsoft.com/office/drawing/2014/main" id="{DF923B3C-7898-0A64-118F-7F2A9E6AB021}"/>
-              </a:ext>
-            </a:extLst>
-          </p:cNvPr>
-          <p:cNvSpPr txBox="1"/>
-          <p:nvPr/>
-        </p:nvSpPr>
-        <p:spPr>
-          <a:xfrm>
-            <a:off x="1350700" y="4217652"/>
-            <a:ext cx="9971701" cy="923330"/>
-          </a:xfrm>
-          <a:prstGeom prst="rect">
-            <a:avLst/>
-          </a:prstGeom>
-          <a:noFill/>
-        </p:spPr>
-        <p:txBody>
-          <a:bodyPr wrap="square" rtlCol="0">
-            <a:spAutoFit/>
-          </a:bodyPr>
-          <a:lstStyle/>
-          <a:p>
-            <a:r>
-              <a:rPr kumimoji="0" lang="fr-FR" sz="1800" b="0" i="0" u="none" strike="noStrike" kern="1200" cap="none" spc="0" normalizeH="0" baseline="0" noProof="0" dirty="0">
-                <a:ln>
-                  <a:noFill/>
-                </a:ln>
-                <a:effectLst/>
-                <a:uLnTx/>
-                <a:uFillTx/>
-                <a:latin typeface="Calibri"/>
-                <a:ea typeface="+mn-ea"/>
-                <a:cs typeface="+mn-cs"/>
-              </a:rPr>
-              <a:t>3/ Collaboratif : ajout et/ou modifications des tâches, pièces jointes commentaires échéances. Les notifications sont en temps réel.</a:t>
-            </a:r>
-          </a:p>
-          <a:p>
-            <a:endParaRPr lang="fr-FR" dirty="0"/>
-          </a:p>
-        </p:txBody>
-      </p:sp>
-      <p:sp>
-        <p:nvSpPr>
-          <p:cNvPr id="8" name="ZoneTexte 7">
-            <a:extLst>
-              <a:ext uri="{FF2B5EF4-FFF2-40B4-BE49-F238E27FC236}">
-                <a16:creationId xmlns:a16="http://schemas.microsoft.com/office/drawing/2014/main" id="{BBC14FFC-93B8-85B7-E144-8858847436FD}"/>
-              </a:ext>
-            </a:extLst>
-          </p:cNvPr>
-          <p:cNvSpPr txBox="1"/>
-          <p:nvPr/>
-        </p:nvSpPr>
-        <p:spPr>
-          <a:xfrm>
-            <a:off x="1324372" y="5483827"/>
-            <a:ext cx="5622629" cy="646331"/>
-          </a:xfrm>
-          <a:prstGeom prst="rect">
-            <a:avLst/>
-          </a:prstGeom>
-          <a:noFill/>
-        </p:spPr>
-        <p:txBody>
-          <a:bodyPr wrap="none" rtlCol="0">
-            <a:spAutoFit/>
-          </a:bodyPr>
-          <a:lstStyle/>
-          <a:p>
-            <a:r>
-              <a:rPr lang="fr-FR" sz="1800" dirty="0"/>
-              <a:t>4/ Multiplateforme : ordinateurs, smartphones, tablettes…</a:t>
-            </a:r>
-          </a:p>
-          <a:p>
-            <a:endParaRPr lang="fr-FR" dirty="0"/>
+              <a:rPr lang="fr-FR" dirty="0"/>
+              <a:t>De la création d’une fonctionnalité jusqu’à sa réalisation</a:t>
+            </a:r>
           </a:p>
         </p:txBody>
       </p:sp>
       <p:pic>
         <p:nvPicPr>
-          <p:cNvPr id="10" name="Image 9" descr="Une image contenant texte, clipart&#10;&#10;Description générée automatiquement">
-            <a:extLst>
-              <a:ext uri="{FF2B5EF4-FFF2-40B4-BE49-F238E27FC236}">
-                <a16:creationId xmlns:a16="http://schemas.microsoft.com/office/drawing/2014/main" id="{88C52C98-E356-CAA9-AE51-B298483B8C58}"/>
+          <p:cNvPr id="4" name="Image 3" descr="Une image contenant texte&#10;&#10;Description générée automatiquement">
+            <a:extLst>
+              <a:ext uri="{FF2B5EF4-FFF2-40B4-BE49-F238E27FC236}">
+                <a16:creationId xmlns:a16="http://schemas.microsoft.com/office/drawing/2014/main" id="{52DC747C-6645-1082-7D8A-A66D7C1AC7BE}"/>
               </a:ext>
             </a:extLst>
           </p:cNvPr>
@@ -4295,20 +4104,403 @@
         </p:blipFill>
         <p:spPr>
           <a:xfrm>
-            <a:off x="7965374" y="261692"/>
-            <a:ext cx="3857625" cy="1181100"/>
+            <a:off x="166447" y="1701071"/>
+            <a:ext cx="3183147" cy="838731"/>
           </a:xfrm>
           <a:prstGeom prst="rect">
             <a:avLst/>
           </a:prstGeom>
+          <a:ln w="38100" cap="sq">
+            <a:solidFill>
+              <a:srgbClr val="000000"/>
+            </a:solidFill>
+            <a:prstDash val="solid"/>
+            <a:miter lim="800000"/>
+          </a:ln>
+          <a:effectLst>
+            <a:outerShdw blurRad="50800" dist="38100" dir="2700000" algn="tl" rotWithShape="0">
+              <a:srgbClr val="000000">
+                <a:alpha val="43000"/>
+              </a:srgbClr>
+            </a:outerShdw>
+          </a:effectLst>
         </p:spPr>
       </p:pic>
-      <p:sp>
-        <p:nvSpPr>
-          <p:cNvPr id="9" name="Espace réservé de la date 8">
-            <a:extLst>
-              <a:ext uri="{FF2B5EF4-FFF2-40B4-BE49-F238E27FC236}">
-                <a16:creationId xmlns:a16="http://schemas.microsoft.com/office/drawing/2014/main" id="{969355F7-3474-7D2F-4F70-FBD0999B498C}"/>
+      <p:pic>
+        <p:nvPicPr>
+          <p:cNvPr id="10" name="Image 9" descr="Une image contenant texte&#10;&#10;Description générée automatiquement">
+            <a:extLst>
+              <a:ext uri="{FF2B5EF4-FFF2-40B4-BE49-F238E27FC236}">
+                <a16:creationId xmlns:a16="http://schemas.microsoft.com/office/drawing/2014/main" id="{59542A76-D3D4-6601-D8F0-1C52D9910446}"/>
+              </a:ext>
+            </a:extLst>
+          </p:cNvPr>
+          <p:cNvPicPr>
+            <a:picLocks noChangeAspect="1"/>
+          </p:cNvPicPr>
+          <p:nvPr/>
+        </p:nvPicPr>
+        <p:blipFill>
+          <a:blip r:embed="rId4">
+            <a:extLst>
+              <a:ext uri="{28A0092B-C50C-407E-A947-70E740481C1C}">
+                <a14:useLocalDpi xmlns:a14="http://schemas.microsoft.com/office/drawing/2010/main" val="0"/>
+              </a:ext>
+            </a:extLst>
+          </a:blip>
+          <a:stretch>
+            <a:fillRect/>
+          </a:stretch>
+        </p:blipFill>
+        <p:spPr>
+          <a:xfrm>
+            <a:off x="2336541" y="2981416"/>
+            <a:ext cx="3891057" cy="3484848"/>
+          </a:xfrm>
+          <a:prstGeom prst="rect">
+            <a:avLst/>
+          </a:prstGeom>
+          <a:ln w="38100" cap="sq">
+            <a:solidFill>
+              <a:srgbClr val="000000"/>
+            </a:solidFill>
+            <a:prstDash val="solid"/>
+            <a:miter lim="800000"/>
+          </a:ln>
+          <a:effectLst>
+            <a:outerShdw blurRad="50800" dist="38100" dir="2700000" algn="tl" rotWithShape="0">
+              <a:srgbClr val="000000">
+                <a:alpha val="43000"/>
+              </a:srgbClr>
+            </a:outerShdw>
+          </a:effectLst>
+        </p:spPr>
+      </p:pic>
+      <p:pic>
+        <p:nvPicPr>
+          <p:cNvPr id="12" name="Image 11">
+            <a:extLst>
+              <a:ext uri="{FF2B5EF4-FFF2-40B4-BE49-F238E27FC236}">
+                <a16:creationId xmlns:a16="http://schemas.microsoft.com/office/drawing/2014/main" id="{506589CC-44EE-D174-5236-141695B22FC3}"/>
+              </a:ext>
+            </a:extLst>
+          </p:cNvPr>
+          <p:cNvPicPr>
+            <a:picLocks noChangeAspect="1"/>
+          </p:cNvPicPr>
+          <p:nvPr/>
+        </p:nvPicPr>
+        <p:blipFill>
+          <a:blip r:embed="rId5">
+            <a:extLst>
+              <a:ext uri="{28A0092B-C50C-407E-A947-70E740481C1C}">
+                <a14:useLocalDpi xmlns:a14="http://schemas.microsoft.com/office/drawing/2010/main" val="0"/>
+              </a:ext>
+            </a:extLst>
+          </a:blip>
+          <a:stretch>
+            <a:fillRect/>
+          </a:stretch>
+        </p:blipFill>
+        <p:spPr>
+          <a:xfrm>
+            <a:off x="7157020" y="1494522"/>
+            <a:ext cx="4868533" cy="3868955"/>
+          </a:xfrm>
+          <a:prstGeom prst="rect">
+            <a:avLst/>
+          </a:prstGeom>
+          <a:ln w="38100" cap="sq">
+            <a:solidFill>
+              <a:srgbClr val="000000"/>
+            </a:solidFill>
+            <a:prstDash val="solid"/>
+            <a:miter lim="800000"/>
+          </a:ln>
+          <a:effectLst>
+            <a:outerShdw blurRad="50800" dist="38100" dir="2700000" algn="tl" rotWithShape="0">
+              <a:srgbClr val="000000">
+                <a:alpha val="43000"/>
+              </a:srgbClr>
+            </a:outerShdw>
+          </a:effectLst>
+        </p:spPr>
+      </p:pic>
+      <p:sp>
+        <p:nvSpPr>
+          <p:cNvPr id="13" name="Flèche : virage 12">
+            <a:extLst>
+              <a:ext uri="{FF2B5EF4-FFF2-40B4-BE49-F238E27FC236}">
+                <a16:creationId xmlns:a16="http://schemas.microsoft.com/office/drawing/2014/main" id="{601993ED-7AEE-364B-20E4-5E80473CAA6A}"/>
+              </a:ext>
+            </a:extLst>
+          </p:cNvPr>
+          <p:cNvSpPr/>
+          <p:nvPr/>
+        </p:nvSpPr>
+        <p:spPr>
+          <a:xfrm flipV="1">
+            <a:off x="1363484" y="2611307"/>
+            <a:ext cx="914502" cy="1635384"/>
+          </a:xfrm>
+          <a:prstGeom prst="bentArrow">
+            <a:avLst/>
+          </a:prstGeom>
+        </p:spPr>
+        <p:style>
+          <a:lnRef idx="2">
+            <a:schemeClr val="accent1">
+              <a:shade val="50000"/>
+            </a:schemeClr>
+          </a:lnRef>
+          <a:fillRef idx="1">
+            <a:schemeClr val="accent1"/>
+          </a:fillRef>
+          <a:effectRef idx="0">
+            <a:schemeClr val="accent1"/>
+          </a:effectRef>
+          <a:fontRef idx="minor">
+            <a:schemeClr val="lt1"/>
+          </a:fontRef>
+        </p:style>
+        <p:txBody>
+          <a:bodyPr rtlCol="0" anchor="ctr"/>
+          <a:lstStyle/>
+          <a:p>
+            <a:pPr algn="ctr"/>
+            <a:endParaRPr lang="fr-FR">
+              <a:solidFill>
+                <a:schemeClr val="tx1"/>
+              </a:solidFill>
+            </a:endParaRPr>
+          </a:p>
+        </p:txBody>
+      </p:sp>
+      <p:sp>
+        <p:nvSpPr>
+          <p:cNvPr id="14" name="Flèche : virage 13">
+            <a:extLst>
+              <a:ext uri="{FF2B5EF4-FFF2-40B4-BE49-F238E27FC236}">
+                <a16:creationId xmlns:a16="http://schemas.microsoft.com/office/drawing/2014/main" id="{7913568E-E1FE-4474-89B2-9865FC2F1DC7}"/>
+              </a:ext>
+            </a:extLst>
+          </p:cNvPr>
+          <p:cNvSpPr/>
+          <p:nvPr/>
+        </p:nvSpPr>
+        <p:spPr>
+          <a:xfrm rot="16200000" flipV="1">
+            <a:off x="7319623" y="4559239"/>
+            <a:ext cx="914502" cy="2751506"/>
+          </a:xfrm>
+          <a:prstGeom prst="bentArrow">
+            <a:avLst/>
+          </a:prstGeom>
+        </p:spPr>
+        <p:style>
+          <a:lnRef idx="2">
+            <a:schemeClr val="accent1">
+              <a:shade val="50000"/>
+            </a:schemeClr>
+          </a:lnRef>
+          <a:fillRef idx="1">
+            <a:schemeClr val="accent1"/>
+          </a:fillRef>
+          <a:effectRef idx="0">
+            <a:schemeClr val="accent1"/>
+          </a:effectRef>
+          <a:fontRef idx="minor">
+            <a:schemeClr val="lt1"/>
+          </a:fontRef>
+        </p:style>
+        <p:txBody>
+          <a:bodyPr rtlCol="0" anchor="ctr"/>
+          <a:lstStyle/>
+          <a:p>
+            <a:pPr algn="ctr"/>
+            <a:endParaRPr lang="fr-FR">
+              <a:solidFill>
+                <a:schemeClr val="tx1"/>
+              </a:solidFill>
+            </a:endParaRPr>
+          </a:p>
+        </p:txBody>
+      </p:sp>
+      <p:sp>
+        <p:nvSpPr>
+          <p:cNvPr id="15" name="Rectangle 14">
+            <a:extLst>
+              <a:ext uri="{FF2B5EF4-FFF2-40B4-BE49-F238E27FC236}">
+                <a16:creationId xmlns:a16="http://schemas.microsoft.com/office/drawing/2014/main" id="{A8714445-FE44-AB18-B5F9-FF8808116572}"/>
+              </a:ext>
+            </a:extLst>
+          </p:cNvPr>
+          <p:cNvSpPr/>
+          <p:nvPr/>
+        </p:nvSpPr>
+        <p:spPr>
+          <a:xfrm>
+            <a:off x="1302589" y="2120436"/>
+            <a:ext cx="1423358" cy="182075"/>
+          </a:xfrm>
+          <a:prstGeom prst="rect">
+            <a:avLst/>
+          </a:prstGeom>
+          <a:noFill/>
+          <a:ln>
+            <a:solidFill>
+              <a:srgbClr val="FF0000"/>
+            </a:solidFill>
+          </a:ln>
+        </p:spPr>
+        <p:style>
+          <a:lnRef idx="2">
+            <a:schemeClr val="accent1">
+              <a:shade val="50000"/>
+            </a:schemeClr>
+          </a:lnRef>
+          <a:fillRef idx="1">
+            <a:schemeClr val="accent1"/>
+          </a:fillRef>
+          <a:effectRef idx="0">
+            <a:schemeClr val="accent1"/>
+          </a:effectRef>
+          <a:fontRef idx="minor">
+            <a:schemeClr val="lt1"/>
+          </a:fontRef>
+        </p:style>
+        <p:txBody>
+          <a:bodyPr rtlCol="0" anchor="ctr"/>
+          <a:lstStyle/>
+          <a:p>
+            <a:pPr algn="ctr"/>
+            <a:endParaRPr lang="fr-FR"/>
+          </a:p>
+        </p:txBody>
+      </p:sp>
+      <p:sp>
+        <p:nvSpPr>
+          <p:cNvPr id="17" name="ZoneTexte 16">
+            <a:extLst>
+              <a:ext uri="{FF2B5EF4-FFF2-40B4-BE49-F238E27FC236}">
+                <a16:creationId xmlns:a16="http://schemas.microsoft.com/office/drawing/2014/main" id="{F348D6B5-B46F-59DB-9AF0-85E2D9E3B5CE}"/>
+              </a:ext>
+            </a:extLst>
+          </p:cNvPr>
+          <p:cNvSpPr txBox="1"/>
+          <p:nvPr/>
+        </p:nvSpPr>
+        <p:spPr>
+          <a:xfrm>
+            <a:off x="3355989" y="1840846"/>
+            <a:ext cx="1846053" cy="461665"/>
+          </a:xfrm>
+          <a:prstGeom prst="rect">
+            <a:avLst/>
+          </a:prstGeom>
+          <a:noFill/>
+        </p:spPr>
+        <p:txBody>
+          <a:bodyPr wrap="square" rtlCol="0">
+            <a:spAutoFit/>
+          </a:bodyPr>
+          <a:lstStyle/>
+          <a:p>
+            <a:r>
+              <a:rPr lang="fr-FR" sz="1200" b="1" i="1" dirty="0"/>
+              <a:t>La fonctionnalité souhaitée par le client…</a:t>
+            </a:r>
+          </a:p>
+        </p:txBody>
+      </p:sp>
+      <p:sp>
+        <p:nvSpPr>
+          <p:cNvPr id="18" name="ZoneTexte 17">
+            <a:extLst>
+              <a:ext uri="{FF2B5EF4-FFF2-40B4-BE49-F238E27FC236}">
+                <a16:creationId xmlns:a16="http://schemas.microsoft.com/office/drawing/2014/main" id="{49E53E33-F79A-EC33-0E85-EFD98D4586E3}"/>
+              </a:ext>
+            </a:extLst>
+          </p:cNvPr>
+          <p:cNvSpPr txBox="1"/>
+          <p:nvPr/>
+        </p:nvSpPr>
+        <p:spPr>
+          <a:xfrm>
+            <a:off x="166447" y="4399472"/>
+            <a:ext cx="1996571" cy="830997"/>
+          </a:xfrm>
+          <a:prstGeom prst="rect">
+            <a:avLst/>
+          </a:prstGeom>
+          <a:noFill/>
+        </p:spPr>
+        <p:txBody>
+          <a:bodyPr wrap="square" rtlCol="0">
+            <a:spAutoFit/>
+          </a:bodyPr>
+          <a:lstStyle/>
+          <a:p>
+            <a:r>
+              <a:rPr lang="fr-FR" sz="1200" b="1" i="1" dirty="0"/>
+              <a:t>… nous la convertissons en un objectif, nous y ajoutons les contraintes avec lesquelles travailler</a:t>
+            </a:r>
+          </a:p>
+        </p:txBody>
+      </p:sp>
+      <p:sp>
+        <p:nvSpPr>
+          <p:cNvPr id="19" name="ZoneTexte 18">
+            <a:extLst>
+              <a:ext uri="{FF2B5EF4-FFF2-40B4-BE49-F238E27FC236}">
+                <a16:creationId xmlns:a16="http://schemas.microsoft.com/office/drawing/2014/main" id="{116A6E82-5E50-BA8A-BAE6-19D2167DB7DC}"/>
+              </a:ext>
+            </a:extLst>
+          </p:cNvPr>
+          <p:cNvSpPr txBox="1"/>
+          <p:nvPr/>
+        </p:nvSpPr>
+        <p:spPr>
+          <a:xfrm>
+            <a:off x="9014604" y="5704158"/>
+            <a:ext cx="3089115" cy="646331"/>
+          </a:xfrm>
+          <a:prstGeom prst="rect">
+            <a:avLst/>
+          </a:prstGeom>
+          <a:noFill/>
+        </p:spPr>
+        <p:txBody>
+          <a:bodyPr wrap="none" rtlCol="0">
+            <a:spAutoFit/>
+          </a:bodyPr>
+          <a:lstStyle/>
+          <a:p>
+            <a:r>
+              <a:rPr lang="fr-FR" sz="1200" dirty="0"/>
+              <a:t>Nous réfléchissons ensuite aux </a:t>
+            </a:r>
+          </a:p>
+          <a:p>
+            <a:r>
+              <a:rPr lang="fr-FR" sz="1200" dirty="0"/>
+              <a:t>solutions techniques permettant la réalisation </a:t>
+            </a:r>
+          </a:p>
+          <a:p>
+            <a:r>
+              <a:rPr lang="fr-FR" sz="1200" dirty="0"/>
+              <a:t>par les développeurs de cet objectif.  </a:t>
+            </a:r>
+          </a:p>
+        </p:txBody>
+      </p:sp>
+      <p:sp>
+        <p:nvSpPr>
+          <p:cNvPr id="3" name="Espace réservé de la date 2">
+            <a:extLst>
+              <a:ext uri="{FF2B5EF4-FFF2-40B4-BE49-F238E27FC236}">
+                <a16:creationId xmlns:a16="http://schemas.microsoft.com/office/drawing/2014/main" id="{8E01A35A-F26A-C0AF-2C30-FF92B63D0E12}"/>
               </a:ext>
             </a:extLst>
           </p:cNvPr>
@@ -4324,9 +4516,9 @@
           <a:bodyPr/>
           <a:lstStyle/>
           <a:p>
-            <a:fld id="{21485B03-718B-45F7-95FB-A971DFD54B9D}" type="datetime1">
+            <a:fld id="{247E9FB2-8DB6-4828-BF9D-97971CBF2278}" type="datetime1">
               <a:rPr lang="fr-FR" smtClean="0"/>
-              <a:t>10/05/2023</a:t>
+              <a:t>15/05/2023</a:t>
             </a:fld>
             <a:endParaRPr lang="fr-FR"/>
           </a:p>
@@ -4334,10 +4526,10 @@
       </p:sp>
       <p:sp>
         <p:nvSpPr>
-          <p:cNvPr id="11" name="Espace réservé du numéro de diapositive 10">
-            <a:extLst>
-              <a:ext uri="{FF2B5EF4-FFF2-40B4-BE49-F238E27FC236}">
-                <a16:creationId xmlns:a16="http://schemas.microsoft.com/office/drawing/2014/main" id="{5ED12286-7F76-81A6-7B9E-E094C7C70384}"/>
+          <p:cNvPr id="7" name="Espace réservé du numéro de diapositive 6">
+            <a:extLst>
+              <a:ext uri="{FF2B5EF4-FFF2-40B4-BE49-F238E27FC236}">
+                <a16:creationId xmlns:a16="http://schemas.microsoft.com/office/drawing/2014/main" id="{338C03CB-8BB4-B879-1F50-947DED250BB1}"/>
               </a:ext>
             </a:extLst>
           </p:cNvPr>
@@ -4364,7 +4556,7 @@
     </p:spTree>
     <p:extLst>
       <p:ext uri="{BB962C8B-B14F-4D97-AF65-F5344CB8AC3E}">
-        <p14:creationId xmlns:p14="http://schemas.microsoft.com/office/powerpoint/2010/main" val="140677858"/>
+        <p14:creationId xmlns:p14="http://schemas.microsoft.com/office/powerpoint/2010/main" val="2659443062"/>
       </p:ext>
     </p:extLst>
   </p:cSld>
@@ -4393,6 +4585,458 @@
       </p:grpSpPr>
       <p:pic>
         <p:nvPicPr>
+          <p:cNvPr id="5" name="Image 4">
+            <a:extLst>
+              <a:ext uri="{FF2B5EF4-FFF2-40B4-BE49-F238E27FC236}">
+                <a16:creationId xmlns:a16="http://schemas.microsoft.com/office/drawing/2014/main" id="{EF624D9C-C577-A0C7-3440-9A807E6014A9}"/>
+              </a:ext>
+            </a:extLst>
+          </p:cNvPr>
+          <p:cNvPicPr>
+            <a:picLocks noChangeAspect="1"/>
+          </p:cNvPicPr>
+          <p:nvPr/>
+        </p:nvPicPr>
+        <p:blipFill>
+          <a:blip r:embed="rId2"/>
+          <a:stretch>
+            <a:fillRect/>
+          </a:stretch>
+        </p:blipFill>
+        <p:spPr>
+          <a:xfrm>
+            <a:off x="128855" y="136799"/>
+            <a:ext cx="2619886" cy="1430887"/>
+          </a:xfrm>
+          <a:prstGeom prst="rect">
+            <a:avLst/>
+          </a:prstGeom>
+        </p:spPr>
+      </p:pic>
+      <p:sp>
+        <p:nvSpPr>
+          <p:cNvPr id="6" name="ZoneTexte 5">
+            <a:extLst>
+              <a:ext uri="{FF2B5EF4-FFF2-40B4-BE49-F238E27FC236}">
+                <a16:creationId xmlns:a16="http://schemas.microsoft.com/office/drawing/2014/main" id="{6644165A-25D6-79BE-3108-28DC04B1F457}"/>
+              </a:ext>
+            </a:extLst>
+          </p:cNvPr>
+          <p:cNvSpPr txBox="1"/>
+          <p:nvPr/>
+        </p:nvSpPr>
+        <p:spPr>
+          <a:xfrm>
+            <a:off x="2594037" y="1984697"/>
+            <a:ext cx="6113084" cy="523220"/>
+          </a:xfrm>
+          <a:prstGeom prst="rect">
+            <a:avLst/>
+          </a:prstGeom>
+          <a:noFill/>
+        </p:spPr>
+        <p:txBody>
+          <a:bodyPr wrap="none" rtlCol="0">
+            <a:spAutoFit/>
+          </a:bodyPr>
+          <a:lstStyle/>
+          <a:p>
+            <a:pPr marL="0" marR="0" lvl="0" indent="0" algn="l" defTabSz="914400" rtl="0" eaLnBrk="1" fontAlgn="auto" latinLnBrk="0" hangingPunct="1">
+              <a:lnSpc>
+                <a:spcPct val="100000"/>
+              </a:lnSpc>
+              <a:spcBef>
+                <a:spcPts val="0"/>
+              </a:spcBef>
+              <a:spcAft>
+                <a:spcPts val="0"/>
+              </a:spcAft>
+              <a:buClrTx/>
+              <a:buSzTx/>
+              <a:buFontTx/>
+              <a:buNone/>
+              <a:tabLst/>
+              <a:defRPr/>
+            </a:pPr>
+            <a:r>
+              <a:rPr kumimoji="0" lang="fr-FR" sz="2800" b="1" i="1" u="none" strike="noStrike" kern="1200" cap="none" spc="0" normalizeH="0" baseline="0" noProof="0" dirty="0">
+                <a:ln>
+                  <a:noFill/>
+                </a:ln>
+                <a:solidFill>
+                  <a:prstClr val="black"/>
+                </a:solidFill>
+                <a:effectLst/>
+                <a:uLnTx/>
+                <a:uFillTx/>
+                <a:latin typeface="Calibri" panose="020F0502020204030204"/>
+                <a:ea typeface="+mn-ea"/>
+                <a:cs typeface="+mn-cs"/>
+              </a:rPr>
+              <a:t>Notre outil de gestion de projet : Trello</a:t>
+            </a:r>
+          </a:p>
+        </p:txBody>
+      </p:sp>
+      <p:sp>
+        <p:nvSpPr>
+          <p:cNvPr id="2" name="ZoneTexte 1">
+            <a:extLst>
+              <a:ext uri="{FF2B5EF4-FFF2-40B4-BE49-F238E27FC236}">
+                <a16:creationId xmlns:a16="http://schemas.microsoft.com/office/drawing/2014/main" id="{6514947F-4A22-05F9-B790-1140CD357803}"/>
+              </a:ext>
+            </a:extLst>
+          </p:cNvPr>
+          <p:cNvSpPr txBox="1"/>
+          <p:nvPr/>
+        </p:nvSpPr>
+        <p:spPr>
+          <a:xfrm>
+            <a:off x="2266160" y="2829464"/>
+            <a:ext cx="45719" cy="369332"/>
+          </a:xfrm>
+          <a:prstGeom prst="rect">
+            <a:avLst/>
+          </a:prstGeom>
+          <a:noFill/>
+        </p:spPr>
+        <p:txBody>
+          <a:bodyPr wrap="square" rtlCol="0">
+            <a:spAutoFit/>
+          </a:bodyPr>
+          <a:lstStyle/>
+          <a:p>
+            <a:endParaRPr lang="fr-FR" dirty="0"/>
+          </a:p>
+        </p:txBody>
+      </p:sp>
+      <p:sp>
+        <p:nvSpPr>
+          <p:cNvPr id="3" name="ZoneTexte 2">
+            <a:extLst>
+              <a:ext uri="{FF2B5EF4-FFF2-40B4-BE49-F238E27FC236}">
+                <a16:creationId xmlns:a16="http://schemas.microsoft.com/office/drawing/2014/main" id="{71E820FC-F41B-AA14-25BC-39FFD61E91E2}"/>
+              </a:ext>
+            </a:extLst>
+          </p:cNvPr>
+          <p:cNvSpPr txBox="1"/>
+          <p:nvPr/>
+        </p:nvSpPr>
+        <p:spPr>
+          <a:xfrm>
+            <a:off x="1350700" y="3117641"/>
+            <a:ext cx="3758080" cy="923330"/>
+          </a:xfrm>
+          <a:prstGeom prst="rect">
+            <a:avLst/>
+          </a:prstGeom>
+          <a:noFill/>
+        </p:spPr>
+        <p:txBody>
+          <a:bodyPr wrap="none" rtlCol="0">
+            <a:spAutoFit/>
+          </a:bodyPr>
+          <a:lstStyle/>
+          <a:p>
+            <a:r>
+              <a:rPr kumimoji="0" lang="fr-FR" sz="1800" b="0" i="0" u="none" strike="noStrike" kern="1200" cap="none" spc="0" normalizeH="0" baseline="0" noProof="0" dirty="0">
+                <a:ln>
+                  <a:noFill/>
+                </a:ln>
+                <a:effectLst/>
+                <a:uLnTx/>
+                <a:uFillTx/>
+                <a:latin typeface="Calibri"/>
+                <a:ea typeface="+mn-ea"/>
+                <a:cs typeface="+mn-cs"/>
+              </a:rPr>
+              <a:t>1/ Utilisation de la méthode éprouvée</a:t>
+            </a:r>
+          </a:p>
+          <a:p>
+            <a:r>
+              <a:rPr lang="fr-FR" dirty="0">
+                <a:latin typeface="Calibri"/>
+              </a:rPr>
+              <a:t>du Kanban</a:t>
+            </a:r>
+            <a:endParaRPr kumimoji="0" lang="fr-FR" sz="1800" b="0" i="0" u="none" strike="noStrike" kern="1200" cap="none" spc="0" normalizeH="0" baseline="0" noProof="0" dirty="0">
+              <a:ln>
+                <a:noFill/>
+              </a:ln>
+              <a:effectLst/>
+              <a:uLnTx/>
+              <a:uFillTx/>
+              <a:latin typeface="Calibri"/>
+              <a:ea typeface="+mn-ea"/>
+              <a:cs typeface="+mn-cs"/>
+            </a:endParaRPr>
+          </a:p>
+          <a:p>
+            <a:endParaRPr lang="fr-FR" dirty="0"/>
+          </a:p>
+        </p:txBody>
+      </p:sp>
+      <p:sp>
+        <p:nvSpPr>
+          <p:cNvPr id="4" name="ZoneTexte 3">
+            <a:extLst>
+              <a:ext uri="{FF2B5EF4-FFF2-40B4-BE49-F238E27FC236}">
+                <a16:creationId xmlns:a16="http://schemas.microsoft.com/office/drawing/2014/main" id="{EB2D36CA-AE29-E8C7-7210-13204FF4A7F3}"/>
+              </a:ext>
+            </a:extLst>
+          </p:cNvPr>
+          <p:cNvSpPr txBox="1"/>
+          <p:nvPr/>
+        </p:nvSpPr>
+        <p:spPr>
+          <a:xfrm>
+            <a:off x="5245245" y="3106234"/>
+            <a:ext cx="6167650" cy="646331"/>
+          </a:xfrm>
+          <a:prstGeom prst="rect">
+            <a:avLst/>
+          </a:prstGeom>
+          <a:noFill/>
+        </p:spPr>
+        <p:txBody>
+          <a:bodyPr wrap="none" rtlCol="0">
+            <a:spAutoFit/>
+          </a:bodyPr>
+          <a:lstStyle/>
+          <a:p>
+            <a:r>
+              <a:rPr kumimoji="0" lang="fr-FR" sz="1800" b="0" i="0" u="none" strike="noStrike" kern="1200" cap="none" spc="0" normalizeH="0" baseline="0" noProof="0" dirty="0">
+                <a:ln>
+                  <a:noFill/>
+                </a:ln>
+                <a:effectLst/>
+                <a:uLnTx/>
+                <a:uFillTx/>
+                <a:latin typeface="Calibri"/>
+                <a:ea typeface="+mn-ea"/>
+                <a:cs typeface="+mn-cs"/>
+              </a:rPr>
+              <a:t>2/ Flexibilité et réutilisation pour de multiples projets diversifiés </a:t>
+            </a:r>
+          </a:p>
+          <a:p>
+            <a:endParaRPr lang="fr-FR" dirty="0"/>
+          </a:p>
+        </p:txBody>
+      </p:sp>
+      <p:sp>
+        <p:nvSpPr>
+          <p:cNvPr id="7" name="ZoneTexte 6">
+            <a:extLst>
+              <a:ext uri="{FF2B5EF4-FFF2-40B4-BE49-F238E27FC236}">
+                <a16:creationId xmlns:a16="http://schemas.microsoft.com/office/drawing/2014/main" id="{DF923B3C-7898-0A64-118F-7F2A9E6AB021}"/>
+              </a:ext>
+            </a:extLst>
+          </p:cNvPr>
+          <p:cNvSpPr txBox="1"/>
+          <p:nvPr/>
+        </p:nvSpPr>
+        <p:spPr>
+          <a:xfrm>
+            <a:off x="1350700" y="4217652"/>
+            <a:ext cx="9971701" cy="923330"/>
+          </a:xfrm>
+          <a:prstGeom prst="rect">
+            <a:avLst/>
+          </a:prstGeom>
+          <a:noFill/>
+        </p:spPr>
+        <p:txBody>
+          <a:bodyPr wrap="square" rtlCol="0">
+            <a:spAutoFit/>
+          </a:bodyPr>
+          <a:lstStyle/>
+          <a:p>
+            <a:r>
+              <a:rPr kumimoji="0" lang="fr-FR" sz="1800" b="0" i="0" u="none" strike="noStrike" kern="1200" cap="none" spc="0" normalizeH="0" baseline="0" noProof="0" dirty="0">
+                <a:ln>
+                  <a:noFill/>
+                </a:ln>
+                <a:effectLst/>
+                <a:uLnTx/>
+                <a:uFillTx/>
+                <a:latin typeface="Calibri"/>
+                <a:ea typeface="+mn-ea"/>
+                <a:cs typeface="+mn-cs"/>
+              </a:rPr>
+              <a:t>3/ Collaboratif : ajout et/ou modifications des tâches, pièces jointes commentaires échéances. Les notifications sont en temps réel.</a:t>
+            </a:r>
+          </a:p>
+          <a:p>
+            <a:endParaRPr lang="fr-FR" dirty="0"/>
+          </a:p>
+        </p:txBody>
+      </p:sp>
+      <p:sp>
+        <p:nvSpPr>
+          <p:cNvPr id="8" name="ZoneTexte 7">
+            <a:extLst>
+              <a:ext uri="{FF2B5EF4-FFF2-40B4-BE49-F238E27FC236}">
+                <a16:creationId xmlns:a16="http://schemas.microsoft.com/office/drawing/2014/main" id="{BBC14FFC-93B8-85B7-E144-8858847436FD}"/>
+              </a:ext>
+            </a:extLst>
+          </p:cNvPr>
+          <p:cNvSpPr txBox="1"/>
+          <p:nvPr/>
+        </p:nvSpPr>
+        <p:spPr>
+          <a:xfrm>
+            <a:off x="1324372" y="5483827"/>
+            <a:ext cx="5622629" cy="646331"/>
+          </a:xfrm>
+          <a:prstGeom prst="rect">
+            <a:avLst/>
+          </a:prstGeom>
+          <a:noFill/>
+        </p:spPr>
+        <p:txBody>
+          <a:bodyPr wrap="none" rtlCol="0">
+            <a:spAutoFit/>
+          </a:bodyPr>
+          <a:lstStyle/>
+          <a:p>
+            <a:r>
+              <a:rPr lang="fr-FR" sz="1800" dirty="0"/>
+              <a:t>4/ Multiplateforme : ordinateurs, smartphones, tablettes…</a:t>
+            </a:r>
+          </a:p>
+          <a:p>
+            <a:endParaRPr lang="fr-FR" dirty="0"/>
+          </a:p>
+        </p:txBody>
+      </p:sp>
+      <p:pic>
+        <p:nvPicPr>
+          <p:cNvPr id="10" name="Image 9" descr="Une image contenant texte, clipart&#10;&#10;Description générée automatiquement">
+            <a:extLst>
+              <a:ext uri="{FF2B5EF4-FFF2-40B4-BE49-F238E27FC236}">
+                <a16:creationId xmlns:a16="http://schemas.microsoft.com/office/drawing/2014/main" id="{88C52C98-E356-CAA9-AE51-B298483B8C58}"/>
+              </a:ext>
+            </a:extLst>
+          </p:cNvPr>
+          <p:cNvPicPr>
+            <a:picLocks noChangeAspect="1"/>
+          </p:cNvPicPr>
+          <p:nvPr/>
+        </p:nvPicPr>
+        <p:blipFill>
+          <a:blip r:embed="rId3">
+            <a:extLst>
+              <a:ext uri="{28A0092B-C50C-407E-A947-70E740481C1C}">
+                <a14:useLocalDpi xmlns:a14="http://schemas.microsoft.com/office/drawing/2010/main" val="0"/>
+              </a:ext>
+            </a:extLst>
+          </a:blip>
+          <a:stretch>
+            <a:fillRect/>
+          </a:stretch>
+        </p:blipFill>
+        <p:spPr>
+          <a:xfrm>
+            <a:off x="7965374" y="261692"/>
+            <a:ext cx="3857625" cy="1181100"/>
+          </a:xfrm>
+          <a:prstGeom prst="rect">
+            <a:avLst/>
+          </a:prstGeom>
+        </p:spPr>
+      </p:pic>
+      <p:sp>
+        <p:nvSpPr>
+          <p:cNvPr id="9" name="Espace réservé de la date 8">
+            <a:extLst>
+              <a:ext uri="{FF2B5EF4-FFF2-40B4-BE49-F238E27FC236}">
+                <a16:creationId xmlns:a16="http://schemas.microsoft.com/office/drawing/2014/main" id="{969355F7-3474-7D2F-4F70-FBD0999B498C}"/>
+              </a:ext>
+            </a:extLst>
+          </p:cNvPr>
+          <p:cNvSpPr>
+            <a:spLocks noGrp="1"/>
+          </p:cNvSpPr>
+          <p:nvPr>
+            <p:ph type="dt" sz="half" idx="10"/>
+          </p:nvPr>
+        </p:nvSpPr>
+        <p:spPr/>
+        <p:txBody>
+          <a:bodyPr/>
+          <a:lstStyle/>
+          <a:p>
+            <a:fld id="{21485B03-718B-45F7-95FB-A971DFD54B9D}" type="datetime1">
+              <a:rPr lang="fr-FR" smtClean="0"/>
+              <a:t>15/05/2023</a:t>
+            </a:fld>
+            <a:endParaRPr lang="fr-FR"/>
+          </a:p>
+        </p:txBody>
+      </p:sp>
+      <p:sp>
+        <p:nvSpPr>
+          <p:cNvPr id="11" name="Espace réservé du numéro de diapositive 10">
+            <a:extLst>
+              <a:ext uri="{FF2B5EF4-FFF2-40B4-BE49-F238E27FC236}">
+                <a16:creationId xmlns:a16="http://schemas.microsoft.com/office/drawing/2014/main" id="{5ED12286-7F76-81A6-7B9E-E094C7C70384}"/>
+              </a:ext>
+            </a:extLst>
+          </p:cNvPr>
+          <p:cNvSpPr>
+            <a:spLocks noGrp="1"/>
+          </p:cNvSpPr>
+          <p:nvPr>
+            <p:ph type="sldNum" sz="quarter" idx="12"/>
+          </p:nvPr>
+        </p:nvSpPr>
+        <p:spPr/>
+        <p:txBody>
+          <a:bodyPr/>
+          <a:lstStyle/>
+          <a:p>
+            <a:fld id="{95C870F5-2469-49EC-A44E-C9B5362F8607}" type="slidenum">
+              <a:rPr lang="fr-FR" smtClean="0"/>
+              <a:t>11</a:t>
+            </a:fld>
+            <a:endParaRPr lang="fr-FR"/>
+          </a:p>
+        </p:txBody>
+      </p:sp>
+    </p:spTree>
+    <p:extLst>
+      <p:ext uri="{BB962C8B-B14F-4D97-AF65-F5344CB8AC3E}">
+        <p14:creationId xmlns:p14="http://schemas.microsoft.com/office/powerpoint/2010/main" val="140677858"/>
+      </p:ext>
+    </p:extLst>
+  </p:cSld>
+  <p:clrMapOvr>
+    <a:masterClrMapping/>
+  </p:clrMapOvr>
+</p:sld>
+</file>
+
+<file path=ppt/slides/slide12.xml><?xml version="1.0" encoding="utf-8"?>
+<p:sld xmlns:a="http://schemas.openxmlformats.org/drawingml/2006/main" xmlns:r="http://schemas.openxmlformats.org/officeDocument/2006/relationships" xmlns:p="http://schemas.openxmlformats.org/presentationml/2006/main">
+  <p:cSld>
+    <p:spTree>
+      <p:nvGrpSpPr>
+        <p:cNvPr id="1" name=""/>
+        <p:cNvGrpSpPr/>
+        <p:nvPr/>
+      </p:nvGrpSpPr>
+      <p:grpSpPr>
+        <a:xfrm>
+          <a:off x="0" y="0"/>
+          <a:ext cx="0" cy="0"/>
+          <a:chOff x="0" y="0"/>
+          <a:chExt cx="0" cy="0"/>
+        </a:xfrm>
+      </p:grpSpPr>
+      <p:pic>
+        <p:nvPicPr>
           <p:cNvPr id="7" name="Espace réservé du contenu 6" descr="Une image contenant texte, Appareils électroniques, ordinateur, affichage&#10;&#10;Description générée automatiquement">
             <a:extLst>
               <a:ext uri="{FF2B5EF4-FFF2-40B4-BE49-F238E27FC236}">
@@ -4449,7 +5093,7 @@
           <a:p>
             <a:fld id="{B21E7010-4D3E-4C28-99D1-136D20F29935}" type="datetime1">
               <a:rPr lang="fr-FR" smtClean="0"/>
-              <a:t>10/05/2023</a:t>
+              <a:t>15/05/2023</a:t>
             </a:fld>
             <a:endParaRPr lang="fr-FR"/>
           </a:p>
@@ -4478,7 +5122,7 @@
           <a:p>
             <a:fld id="{95C870F5-2469-49EC-A44E-C9B5362F8607}" type="slidenum">
               <a:rPr lang="fr-FR" smtClean="0"/>
-              <a:t>11</a:t>
+              <a:t>12</a:t>
             </a:fld>
             <a:endParaRPr lang="fr-FR"/>
           </a:p>
@@ -4605,7 +5249,7 @@
 </p:sld>
 </file>
 
-<file path=ppt/slides/slide12.xml><?xml version="1.0" encoding="utf-8"?>
+<file path=ppt/slides/slide13.xml><?xml version="1.0" encoding="utf-8"?>
 <p:sld xmlns:a="http://schemas.openxmlformats.org/drawingml/2006/main" xmlns:r="http://schemas.openxmlformats.org/officeDocument/2006/relationships" xmlns:p="http://schemas.openxmlformats.org/presentationml/2006/main">
   <p:cSld>
     <p:spTree>
@@ -4822,7 +5466,7 @@
                 <a:tabLst/>
                 <a:defRPr/>
               </a:pPr>
-              <a:t>10/05/2023</a:t>
+              <a:t>15/05/2023</a:t>
             </a:fld>
             <a:endParaRPr kumimoji="0" lang="fr-FR" sz="1200" b="0" i="0" u="none" strike="noStrike" kern="1200" cap="none" spc="0" normalizeH="0" baseline="0" noProof="0">
               <a:ln>
@@ -4915,7 +5559,7 @@
                 <a:tabLst/>
                 <a:defRPr/>
               </a:pPr>
-              <a:t>12</a:t>
+              <a:t>13</a:t>
             </a:fld>
             <a:endParaRPr kumimoji="0" lang="fr-FR" sz="1200" b="0" i="0" u="none" strike="noStrike" kern="1200" cap="none" spc="0" normalizeH="0" baseline="0" noProof="0">
               <a:ln>
@@ -5232,7 +5876,7 @@
 </p:sld>
 </file>
 
-<file path=ppt/slides/slide13.xml><?xml version="1.0" encoding="utf-8"?>
+<file path=ppt/slides/slide14.xml><?xml version="1.0" encoding="utf-8"?>
 <p:sld xmlns:a="http://schemas.openxmlformats.org/drawingml/2006/main" xmlns:r="http://schemas.openxmlformats.org/officeDocument/2006/relationships" xmlns:p="http://schemas.openxmlformats.org/presentationml/2006/main">
   <p:cSld>
     <p:spTree>
@@ -5279,7 +5923,7 @@
         </p:blipFill>
         <p:spPr>
           <a:xfrm>
-            <a:off x="0" y="-1"/>
+            <a:off x="1" y="-250167"/>
             <a:ext cx="12191999" cy="7108167"/>
           </a:xfrm>
         </p:spPr>
@@ -5307,7 +5951,7 @@
           <a:p>
             <a:fld id="{B21E7010-4D3E-4C28-99D1-136D20F29935}" type="datetime1">
               <a:rPr lang="fr-FR" smtClean="0"/>
-              <a:t>10/05/2023</a:t>
+              <a:t>15/05/2023</a:t>
             </a:fld>
             <a:endParaRPr lang="fr-FR"/>
           </a:p>
@@ -5336,7 +5980,7 @@
           <a:p>
             <a:fld id="{95C870F5-2469-49EC-A44E-C9B5362F8607}" type="slidenum">
               <a:rPr lang="fr-FR" smtClean="0"/>
-              <a:t>13</a:t>
+              <a:t>14</a:t>
             </a:fld>
             <a:endParaRPr lang="fr-FR"/>
           </a:p>
@@ -5355,7 +5999,7 @@
 </p:sld>
 </file>
 
-<file path=ppt/slides/slide14.xml><?xml version="1.0" encoding="utf-8"?>
+<file path=ppt/slides/slide15.xml><?xml version="1.0" encoding="utf-8"?>
 <p:sld xmlns:a="http://schemas.openxmlformats.org/drawingml/2006/main" xmlns:r="http://schemas.openxmlformats.org/officeDocument/2006/relationships" xmlns:p="http://schemas.openxmlformats.org/presentationml/2006/main">
   <p:cSld>
     <p:bg>
@@ -5629,7 +6273,7 @@
           <a:p>
             <a:fld id="{DA3993FE-A50C-410D-8E07-DE65B5FAFB8E}" type="datetime1">
               <a:rPr lang="fr-FR" smtClean="0"/>
-              <a:t>10/05/2023</a:t>
+              <a:t>15/05/2023</a:t>
             </a:fld>
             <a:endParaRPr lang="fr-FR"/>
           </a:p>
@@ -5658,7 +6302,7 @@
           <a:p>
             <a:fld id="{95C870F5-2469-49EC-A44E-C9B5362F8607}" type="slidenum">
               <a:rPr lang="fr-FR" smtClean="0"/>
-              <a:t>14</a:t>
+              <a:t>15</a:t>
             </a:fld>
             <a:endParaRPr lang="fr-FR"/>
           </a:p>
@@ -6068,7 +6712,7 @@
           <a:p>
             <a:fld id="{6C55B61A-2025-4D59-92E2-6C75DCBCCC62}" type="datetime1">
               <a:rPr lang="fr-FR" smtClean="0"/>
-              <a:t>10/05/2023</a:t>
+              <a:t>15/05/2023</a:t>
             </a:fld>
             <a:endParaRPr lang="fr-FR"/>
           </a:p>
@@ -6720,7 +7364,7 @@
           <a:p>
             <a:fld id="{DDE327C8-B302-49D1-AAF0-E953D827907F}" type="datetime1">
               <a:rPr lang="fr-FR" smtClean="0"/>
-              <a:t>10/05/2023</a:t>
+              <a:t>15/05/2023</a:t>
             </a:fld>
             <a:endParaRPr lang="fr-FR"/>
           </a:p>
@@ -7491,7 +8135,7 @@
           <a:p>
             <a:fld id="{F191B6F3-7AE1-4738-A29C-D17342493CD1}" type="datetime1">
               <a:rPr lang="fr-FR" smtClean="0"/>
-              <a:t>10/05/2023</a:t>
+              <a:t>15/05/2023</a:t>
             </a:fld>
             <a:endParaRPr lang="fr-FR"/>
           </a:p>
@@ -8086,7 +8730,7 @@
           <a:p>
             <a:fld id="{CDBF3A13-F036-45B1-B88B-E65B0E95147B}" type="datetime1">
               <a:rPr lang="fr-FR" smtClean="0"/>
-              <a:t>10/05/2023</a:t>
+              <a:t>15/05/2023</a:t>
             </a:fld>
             <a:endParaRPr lang="fr-FR"/>
           </a:p>
@@ -8413,7 +9057,7 @@
           <a:p>
             <a:fld id="{30EB97CD-139F-4870-84BC-0EE44C28F412}" type="datetime1">
               <a:rPr lang="fr-FR" smtClean="0"/>
-              <a:t>10/05/2023</a:t>
+              <a:t>15/05/2023</a:t>
             </a:fld>
             <a:endParaRPr lang="fr-FR"/>
           </a:p>
@@ -9187,7 +9831,7 @@
           <a:p>
             <a:fld id="{3873530C-F356-4F24-9D39-C93F685A54B1}" type="datetime1">
               <a:rPr lang="fr-FR" smtClean="0"/>
-              <a:t>10/05/2023</a:t>
+              <a:t>15/05/2023</a:t>
             </a:fld>
             <a:endParaRPr lang="fr-FR"/>
           </a:p>
@@ -9516,7 +10160,7 @@
           <a:p>
             <a:fld id="{A3A6A160-5773-497C-A8D5-3C130F9703FF}" type="datetime1">
               <a:rPr lang="fr-FR" smtClean="0"/>
-              <a:t>10/05/2023</a:t>
+              <a:t>15/05/2023</a:t>
             </a:fld>
             <a:endParaRPr lang="fr-FR"/>
           </a:p>
@@ -9567,6 +10211,14 @@
 <file path=ppt/slides/slide9.xml><?xml version="1.0" encoding="utf-8"?>
 <p:sld xmlns:a="http://schemas.openxmlformats.org/drawingml/2006/main" xmlns:r="http://schemas.openxmlformats.org/officeDocument/2006/relationships" xmlns:p="http://schemas.openxmlformats.org/presentationml/2006/main">
   <p:cSld>
+    <p:bg>
+      <p:bgPr>
+        <a:solidFill>
+          <a:schemeClr val="bg1"/>
+        </a:solidFill>
+        <a:effectLst/>
+      </p:bgPr>
+    </p:bg>
     <p:spTree>
       <p:nvGrpSpPr>
         <p:cNvPr id="1" name=""/>
@@ -9581,417 +10233,39 @@
           <a:chExt cx="0" cy="0"/>
         </a:xfrm>
       </p:grpSpPr>
-      <p:pic>
-        <p:nvPicPr>
-          <p:cNvPr id="5" name="Image 4">
-            <a:extLst>
-              <a:ext uri="{FF2B5EF4-FFF2-40B4-BE49-F238E27FC236}">
-                <a16:creationId xmlns:a16="http://schemas.microsoft.com/office/drawing/2014/main" id="{EF624D9C-C577-A0C7-3440-9A807E6014A9}"/>
-              </a:ext>
-            </a:extLst>
-          </p:cNvPr>
-          <p:cNvPicPr>
-            <a:picLocks noChangeAspect="1"/>
-          </p:cNvPicPr>
-          <p:nvPr/>
-        </p:nvPicPr>
-        <p:blipFill>
-          <a:blip r:embed="rId2"/>
-          <a:stretch>
-            <a:fillRect/>
-          </a:stretch>
-        </p:blipFill>
+      <p:sp useBgFill="1">
+        <p:nvSpPr>
+          <p:cNvPr id="18" name="Rectangle 17">
+            <a:extLst>
+              <a:ext uri="{FF2B5EF4-FFF2-40B4-BE49-F238E27FC236}">
+                <a16:creationId xmlns:a16="http://schemas.microsoft.com/office/drawing/2014/main" id="{A3363022-C969-41E9-8EB2-E4C94908C1FA}"/>
+              </a:ext>
+              <a:ext uri="{C183D7F6-B498-43B3-948B-1728B52AA6E4}">
+                <adec:decorative xmlns:adec="http://schemas.microsoft.com/office/drawing/2017/decorative" val="1"/>
+              </a:ext>
+            </a:extLst>
+          </p:cNvPr>
+          <p:cNvSpPr>
+            <a:spLocks noGrp="1" noRot="1" noChangeAspect="1" noMove="1" noResize="1" noEditPoints="1" noAdjustHandles="1" noChangeArrowheads="1" noChangeShapeType="1" noTextEdit="1"/>
+          </p:cNvSpPr>
+          <p:nvPr>
+            <p:extLst>
+              <p:ext uri="{386F3935-93C4-4BCD-93E2-E3B085C9AB24}">
+                <p16:designElem xmlns:p16="http://schemas.microsoft.com/office/powerpoint/2015/main" val="1"/>
+              </p:ext>
+            </p:extLst>
+          </p:nvPr>
+        </p:nvSpPr>
         <p:spPr>
           <a:xfrm>
-            <a:off x="166447" y="134797"/>
-            <a:ext cx="2049324" cy="1025445"/>
+            <a:off x="0" y="-1"/>
+            <a:ext cx="12191695" cy="6852025"/>
           </a:xfrm>
           <a:prstGeom prst="rect">
             <a:avLst/>
           </a:prstGeom>
-        </p:spPr>
-      </p:pic>
-      <p:sp>
-        <p:nvSpPr>
-          <p:cNvPr id="6" name="ZoneTexte 5">
-            <a:extLst>
-              <a:ext uri="{FF2B5EF4-FFF2-40B4-BE49-F238E27FC236}">
-                <a16:creationId xmlns:a16="http://schemas.microsoft.com/office/drawing/2014/main" id="{6644165A-25D6-79BE-3108-28DC04B1F457}"/>
-              </a:ext>
-            </a:extLst>
-          </p:cNvPr>
-          <p:cNvSpPr txBox="1"/>
-          <p:nvPr/>
-        </p:nvSpPr>
-        <p:spPr>
-          <a:xfrm>
-            <a:off x="2967156" y="134797"/>
-            <a:ext cx="2772297" cy="523220"/>
-          </a:xfrm>
-          <a:prstGeom prst="rect">
-            <a:avLst/>
-          </a:prstGeom>
-          <a:noFill/>
-        </p:spPr>
-        <p:txBody>
-          <a:bodyPr wrap="none" rtlCol="0">
-            <a:spAutoFit/>
-          </a:bodyPr>
-          <a:lstStyle/>
-          <a:p>
-            <a:pPr marL="0" marR="0" lvl="0" indent="0" algn="l" defTabSz="914400" rtl="0" eaLnBrk="1" fontAlgn="auto" latinLnBrk="0" hangingPunct="1">
-              <a:lnSpc>
-                <a:spcPct val="100000"/>
-              </a:lnSpc>
-              <a:spcBef>
-                <a:spcPts val="0"/>
-              </a:spcBef>
-              <a:spcAft>
-                <a:spcPts val="0"/>
-              </a:spcAft>
-              <a:buClrTx/>
-              <a:buSzTx/>
-              <a:buFontTx/>
-              <a:buNone/>
-              <a:tabLst/>
-              <a:defRPr/>
-            </a:pPr>
-            <a:r>
-              <a:rPr lang="fr-FR" sz="2800" b="1" dirty="0">
-                <a:solidFill>
-                  <a:prstClr val="black"/>
-                </a:solidFill>
-                <a:latin typeface="Calibri" panose="020F0502020204030204"/>
-              </a:rPr>
-              <a:t>Gestion de projet</a:t>
-            </a:r>
-            <a:endParaRPr kumimoji="0" lang="fr-FR" sz="2800" b="1" i="0" u="none" strike="noStrike" kern="1200" cap="none" spc="0" normalizeH="0" baseline="0" noProof="0" dirty="0">
-              <a:ln>
-                <a:noFill/>
-              </a:ln>
-              <a:solidFill>
-                <a:prstClr val="black"/>
-              </a:solidFill>
-              <a:effectLst/>
-              <a:uLnTx/>
-              <a:uFillTx/>
-              <a:latin typeface="Calibri" panose="020F0502020204030204"/>
-              <a:ea typeface="+mn-ea"/>
-              <a:cs typeface="+mn-cs"/>
-            </a:endParaRPr>
-          </a:p>
-        </p:txBody>
-      </p:sp>
-      <p:sp>
-        <p:nvSpPr>
-          <p:cNvPr id="2" name="ZoneTexte 1">
-            <a:extLst>
-              <a:ext uri="{FF2B5EF4-FFF2-40B4-BE49-F238E27FC236}">
-                <a16:creationId xmlns:a16="http://schemas.microsoft.com/office/drawing/2014/main" id="{861366E7-3132-086F-319E-8BB9822DC050}"/>
-              </a:ext>
-            </a:extLst>
-          </p:cNvPr>
-          <p:cNvSpPr txBox="1"/>
-          <p:nvPr/>
-        </p:nvSpPr>
-        <p:spPr>
-          <a:xfrm>
-            <a:off x="2967156" y="658017"/>
-            <a:ext cx="5433475" cy="369332"/>
-          </a:xfrm>
-          <a:prstGeom prst="rect">
-            <a:avLst/>
-          </a:prstGeom>
-          <a:noFill/>
-        </p:spPr>
-        <p:txBody>
-          <a:bodyPr wrap="none" rtlCol="0">
-            <a:spAutoFit/>
-          </a:bodyPr>
-          <a:lstStyle/>
-          <a:p>
-            <a:r>
-              <a:rPr lang="fr-FR" dirty="0"/>
-              <a:t>De la création d’une fonctionnalité jusqu’à sa réalisation</a:t>
-            </a:r>
-          </a:p>
-        </p:txBody>
-      </p:sp>
-      <p:pic>
-        <p:nvPicPr>
-          <p:cNvPr id="4" name="Image 3" descr="Une image contenant texte&#10;&#10;Description générée automatiquement">
-            <a:extLst>
-              <a:ext uri="{FF2B5EF4-FFF2-40B4-BE49-F238E27FC236}">
-                <a16:creationId xmlns:a16="http://schemas.microsoft.com/office/drawing/2014/main" id="{52DC747C-6645-1082-7D8A-A66D7C1AC7BE}"/>
-              </a:ext>
-            </a:extLst>
-          </p:cNvPr>
-          <p:cNvPicPr>
-            <a:picLocks noChangeAspect="1"/>
-          </p:cNvPicPr>
-          <p:nvPr/>
-        </p:nvPicPr>
-        <p:blipFill>
-          <a:blip r:embed="rId3">
-            <a:extLst>
-              <a:ext uri="{28A0092B-C50C-407E-A947-70E740481C1C}">
-                <a14:useLocalDpi xmlns:a14="http://schemas.microsoft.com/office/drawing/2010/main" val="0"/>
-              </a:ext>
-            </a:extLst>
-          </a:blip>
-          <a:stretch>
-            <a:fillRect/>
-          </a:stretch>
-        </p:blipFill>
-        <p:spPr>
-          <a:xfrm>
-            <a:off x="166447" y="1701071"/>
-            <a:ext cx="3183147" cy="838731"/>
-          </a:xfrm>
-          <a:prstGeom prst="rect">
-            <a:avLst/>
-          </a:prstGeom>
-          <a:ln w="38100" cap="sq">
-            <a:solidFill>
-              <a:srgbClr val="000000"/>
-            </a:solidFill>
-            <a:prstDash val="solid"/>
-            <a:miter lim="800000"/>
-          </a:ln>
-          <a:effectLst>
-            <a:outerShdw blurRad="50800" dist="38100" dir="2700000" algn="tl" rotWithShape="0">
-              <a:srgbClr val="000000">
-                <a:alpha val="43000"/>
-              </a:srgbClr>
-            </a:outerShdw>
-          </a:effectLst>
-        </p:spPr>
-      </p:pic>
-      <p:pic>
-        <p:nvPicPr>
-          <p:cNvPr id="10" name="Image 9" descr="Une image contenant texte&#10;&#10;Description générée automatiquement">
-            <a:extLst>
-              <a:ext uri="{FF2B5EF4-FFF2-40B4-BE49-F238E27FC236}">
-                <a16:creationId xmlns:a16="http://schemas.microsoft.com/office/drawing/2014/main" id="{59542A76-D3D4-6601-D8F0-1C52D9910446}"/>
-              </a:ext>
-            </a:extLst>
-          </p:cNvPr>
-          <p:cNvPicPr>
-            <a:picLocks noChangeAspect="1"/>
-          </p:cNvPicPr>
-          <p:nvPr/>
-        </p:nvPicPr>
-        <p:blipFill>
-          <a:blip r:embed="rId4">
-            <a:extLst>
-              <a:ext uri="{28A0092B-C50C-407E-A947-70E740481C1C}">
-                <a14:useLocalDpi xmlns:a14="http://schemas.microsoft.com/office/drawing/2010/main" val="0"/>
-              </a:ext>
-            </a:extLst>
-          </a:blip>
-          <a:stretch>
-            <a:fillRect/>
-          </a:stretch>
-        </p:blipFill>
-        <p:spPr>
-          <a:xfrm>
-            <a:off x="2336541" y="2981416"/>
-            <a:ext cx="3891057" cy="3484848"/>
-          </a:xfrm>
-          <a:prstGeom prst="rect">
-            <a:avLst/>
-          </a:prstGeom>
-          <a:ln w="38100" cap="sq">
-            <a:solidFill>
-              <a:srgbClr val="000000"/>
-            </a:solidFill>
-            <a:prstDash val="solid"/>
-            <a:miter lim="800000"/>
-          </a:ln>
-          <a:effectLst>
-            <a:outerShdw blurRad="50800" dist="38100" dir="2700000" algn="tl" rotWithShape="0">
-              <a:srgbClr val="000000">
-                <a:alpha val="43000"/>
-              </a:srgbClr>
-            </a:outerShdw>
-          </a:effectLst>
-        </p:spPr>
-      </p:pic>
-      <p:pic>
-        <p:nvPicPr>
-          <p:cNvPr id="12" name="Image 11">
-            <a:extLst>
-              <a:ext uri="{FF2B5EF4-FFF2-40B4-BE49-F238E27FC236}">
-                <a16:creationId xmlns:a16="http://schemas.microsoft.com/office/drawing/2014/main" id="{506589CC-44EE-D174-5236-141695B22FC3}"/>
-              </a:ext>
-            </a:extLst>
-          </p:cNvPr>
-          <p:cNvPicPr>
-            <a:picLocks noChangeAspect="1"/>
-          </p:cNvPicPr>
-          <p:nvPr/>
-        </p:nvPicPr>
-        <p:blipFill>
-          <a:blip r:embed="rId5">
-            <a:extLst>
-              <a:ext uri="{28A0092B-C50C-407E-A947-70E740481C1C}">
-                <a14:useLocalDpi xmlns:a14="http://schemas.microsoft.com/office/drawing/2010/main" val="0"/>
-              </a:ext>
-            </a:extLst>
-          </a:blip>
-          <a:stretch>
-            <a:fillRect/>
-          </a:stretch>
-        </p:blipFill>
-        <p:spPr>
-          <a:xfrm>
-            <a:off x="7157020" y="1494522"/>
-            <a:ext cx="4868533" cy="3868955"/>
-          </a:xfrm>
-          <a:prstGeom prst="rect">
-            <a:avLst/>
-          </a:prstGeom>
-          <a:ln w="38100" cap="sq">
-            <a:solidFill>
-              <a:srgbClr val="000000"/>
-            </a:solidFill>
-            <a:prstDash val="solid"/>
-            <a:miter lim="800000"/>
-          </a:ln>
-          <a:effectLst>
-            <a:outerShdw blurRad="50800" dist="38100" dir="2700000" algn="tl" rotWithShape="0">
-              <a:srgbClr val="000000">
-                <a:alpha val="43000"/>
-              </a:srgbClr>
-            </a:outerShdw>
-          </a:effectLst>
-        </p:spPr>
-      </p:pic>
-      <p:sp>
-        <p:nvSpPr>
-          <p:cNvPr id="13" name="Flèche : virage 12">
-            <a:extLst>
-              <a:ext uri="{FF2B5EF4-FFF2-40B4-BE49-F238E27FC236}">
-                <a16:creationId xmlns:a16="http://schemas.microsoft.com/office/drawing/2014/main" id="{601993ED-7AEE-364B-20E4-5E80473CAA6A}"/>
-              </a:ext>
-            </a:extLst>
-          </p:cNvPr>
-          <p:cNvSpPr/>
-          <p:nvPr/>
-        </p:nvSpPr>
-        <p:spPr>
-          <a:xfrm flipV="1">
-            <a:off x="1363484" y="2611307"/>
-            <a:ext cx="914502" cy="1635384"/>
-          </a:xfrm>
-          <a:prstGeom prst="bentArrow">
-            <a:avLst/>
-          </a:prstGeom>
-        </p:spPr>
-        <p:style>
-          <a:lnRef idx="2">
-            <a:schemeClr val="accent1">
-              <a:shade val="50000"/>
-            </a:schemeClr>
-          </a:lnRef>
-          <a:fillRef idx="1">
-            <a:schemeClr val="accent1"/>
-          </a:fillRef>
-          <a:effectRef idx="0">
-            <a:schemeClr val="accent1"/>
-          </a:effectRef>
-          <a:fontRef idx="minor">
-            <a:schemeClr val="lt1"/>
-          </a:fontRef>
-        </p:style>
-        <p:txBody>
-          <a:bodyPr rtlCol="0" anchor="ctr"/>
-          <a:lstStyle/>
-          <a:p>
-            <a:pPr algn="ctr"/>
-            <a:endParaRPr lang="fr-FR">
-              <a:solidFill>
-                <a:schemeClr val="tx1"/>
-              </a:solidFill>
-            </a:endParaRPr>
-          </a:p>
-        </p:txBody>
-      </p:sp>
-      <p:sp>
-        <p:nvSpPr>
-          <p:cNvPr id="14" name="Flèche : virage 13">
-            <a:extLst>
-              <a:ext uri="{FF2B5EF4-FFF2-40B4-BE49-F238E27FC236}">
-                <a16:creationId xmlns:a16="http://schemas.microsoft.com/office/drawing/2014/main" id="{7913568E-E1FE-4474-89B2-9865FC2F1DC7}"/>
-              </a:ext>
-            </a:extLst>
-          </p:cNvPr>
-          <p:cNvSpPr/>
-          <p:nvPr/>
-        </p:nvSpPr>
-        <p:spPr>
-          <a:xfrm rot="16200000" flipV="1">
-            <a:off x="7319623" y="4559239"/>
-            <a:ext cx="914502" cy="2751506"/>
-          </a:xfrm>
-          <a:prstGeom prst="bentArrow">
-            <a:avLst/>
-          </a:prstGeom>
-        </p:spPr>
-        <p:style>
-          <a:lnRef idx="2">
-            <a:schemeClr val="accent1">
-              <a:shade val="50000"/>
-            </a:schemeClr>
-          </a:lnRef>
-          <a:fillRef idx="1">
-            <a:schemeClr val="accent1"/>
-          </a:fillRef>
-          <a:effectRef idx="0">
-            <a:schemeClr val="accent1"/>
-          </a:effectRef>
-          <a:fontRef idx="minor">
-            <a:schemeClr val="lt1"/>
-          </a:fontRef>
-        </p:style>
-        <p:txBody>
-          <a:bodyPr rtlCol="0" anchor="ctr"/>
-          <a:lstStyle/>
-          <a:p>
-            <a:pPr algn="ctr"/>
-            <a:endParaRPr lang="fr-FR">
-              <a:solidFill>
-                <a:schemeClr val="tx1"/>
-              </a:solidFill>
-            </a:endParaRPr>
-          </a:p>
-        </p:txBody>
-      </p:sp>
-      <p:sp>
-        <p:nvSpPr>
-          <p:cNvPr id="15" name="Rectangle 14">
-            <a:extLst>
-              <a:ext uri="{FF2B5EF4-FFF2-40B4-BE49-F238E27FC236}">
-                <a16:creationId xmlns:a16="http://schemas.microsoft.com/office/drawing/2014/main" id="{A8714445-FE44-AB18-B5F9-FF8808116572}"/>
-              </a:ext>
-            </a:extLst>
-          </p:cNvPr>
-          <p:cNvSpPr/>
-          <p:nvPr/>
-        </p:nvSpPr>
-        <p:spPr>
-          <a:xfrm>
-            <a:off x="1302589" y="2120436"/>
-            <a:ext cx="1423358" cy="182075"/>
-          </a:xfrm>
-          <a:prstGeom prst="rect">
-            <a:avLst/>
-          </a:prstGeom>
-          <a:noFill/>
           <a:ln>
-            <a:solidFill>
-              <a:srgbClr val="FF0000"/>
-            </a:solidFill>
+            <a:noFill/>
           </a:ln>
         </p:spPr>
         <p:style>
@@ -10015,16 +10289,79 @@
           <a:lstStyle/>
           <a:p>
             <a:pPr algn="ctr"/>
-            <a:endParaRPr lang="fr-FR"/>
-          </a:p>
-        </p:txBody>
-      </p:sp>
-      <p:sp>
-        <p:nvSpPr>
-          <p:cNvPr id="17" name="ZoneTexte 16">
-            <a:extLst>
-              <a:ext uri="{FF2B5EF4-FFF2-40B4-BE49-F238E27FC236}">
-                <a16:creationId xmlns:a16="http://schemas.microsoft.com/office/drawing/2014/main" id="{F348D6B5-B46F-59DB-9AF0-85E2D9E3B5CE}"/>
+            <a:endParaRPr lang="en-US"/>
+          </a:p>
+        </p:txBody>
+      </p:sp>
+      <p:sp>
+        <p:nvSpPr>
+          <p:cNvPr id="20" name="Rectangle 19">
+            <a:extLst>
+              <a:ext uri="{FF2B5EF4-FFF2-40B4-BE49-F238E27FC236}">
+                <a16:creationId xmlns:a16="http://schemas.microsoft.com/office/drawing/2014/main" id="{8D1AD6B3-BE88-4CEB-BA17-790657CC4729}"/>
+              </a:ext>
+              <a:ext uri="{C183D7F6-B498-43B3-948B-1728B52AA6E4}">
+                <adec:decorative xmlns:adec="http://schemas.microsoft.com/office/drawing/2017/decorative" val="1"/>
+              </a:ext>
+            </a:extLst>
+          </p:cNvPr>
+          <p:cNvSpPr>
+            <a:spLocks noGrp="1" noRot="1" noChangeAspect="1" noMove="1" noResize="1" noEditPoints="1" noAdjustHandles="1" noChangeArrowheads="1" noChangeShapeType="1" noTextEdit="1"/>
+          </p:cNvSpPr>
+          <p:nvPr>
+            <p:extLst>
+              <p:ext uri="{386F3935-93C4-4BCD-93E2-E3B085C9AB24}">
+                <p16:designElem xmlns:p16="http://schemas.microsoft.com/office/powerpoint/2015/main" val="1"/>
+              </p:ext>
+            </p:extLst>
+          </p:nvPr>
+        </p:nvSpPr>
+        <p:spPr>
+          <a:xfrm>
+            <a:off x="305" y="0"/>
+            <a:ext cx="12191695" cy="6858000"/>
+          </a:xfrm>
+          <a:prstGeom prst="rect">
+            <a:avLst/>
+          </a:prstGeom>
+          <a:solidFill>
+            <a:schemeClr val="bg1"/>
+          </a:solidFill>
+          <a:ln>
+            <a:noFill/>
+          </a:ln>
+        </p:spPr>
+        <p:style>
+          <a:lnRef idx="2">
+            <a:schemeClr val="accent1">
+              <a:shade val="50000"/>
+            </a:schemeClr>
+          </a:lnRef>
+          <a:fillRef idx="1">
+            <a:schemeClr val="accent1"/>
+          </a:fillRef>
+          <a:effectRef idx="0">
+            <a:schemeClr val="accent1"/>
+          </a:effectRef>
+          <a:fontRef idx="minor">
+            <a:schemeClr val="lt1"/>
+          </a:fontRef>
+        </p:style>
+        <p:txBody>
+          <a:bodyPr rtlCol="0" anchor="ctr"/>
+          <a:lstStyle/>
+          <a:p>
+            <a:pPr algn="ctr"/>
+            <a:endParaRPr lang="en-US"/>
+          </a:p>
+        </p:txBody>
+      </p:sp>
+      <p:sp>
+        <p:nvSpPr>
+          <p:cNvPr id="6" name="ZoneTexte 5">
+            <a:extLst>
+              <a:ext uri="{FF2B5EF4-FFF2-40B4-BE49-F238E27FC236}">
+                <a16:creationId xmlns:a16="http://schemas.microsoft.com/office/drawing/2014/main" id="{C4BBAD3D-5AF2-E31A-957D-28EBE5AD4D4A}"/>
               </a:ext>
             </a:extLst>
           </p:cNvPr>
@@ -10033,8 +10370,2345 @@
         </p:nvSpPr>
         <p:spPr>
           <a:xfrm>
-            <a:off x="3355989" y="1840846"/>
-            <a:ext cx="1846053" cy="461665"/>
+            <a:off x="5304106" y="139409"/>
+            <a:ext cx="4805996" cy="1297115"/>
+          </a:xfrm>
+          <a:prstGeom prst="rect">
+            <a:avLst/>
+          </a:prstGeom>
+        </p:spPr>
+        <p:txBody>
+          <a:bodyPr vert="horz" lIns="91440" tIns="45720" rIns="91440" bIns="45720" rtlCol="0" anchor="t">
+            <a:normAutofit/>
+          </a:bodyPr>
+          <a:lstStyle/>
+          <a:p>
+            <a:pPr marL="0" marR="0" lvl="0" indent="0" fontAlgn="auto">
+              <a:lnSpc>
+                <a:spcPct val="90000"/>
+              </a:lnSpc>
+              <a:spcBef>
+                <a:spcPct val="0"/>
+              </a:spcBef>
+              <a:spcAft>
+                <a:spcPts val="600"/>
+              </a:spcAft>
+              <a:buClrTx/>
+              <a:buSzTx/>
+              <a:tabLst/>
+              <a:defRPr/>
+            </a:pPr>
+            <a:r>
+              <a:rPr kumimoji="0" lang="en-US" sz="4000" b="0" i="1" u="none" strike="noStrike" kern="1200" cap="none" spc="0" normalizeH="0" baseline="0" noProof="0" dirty="0">
+                <a:ln>
+                  <a:noFill/>
+                </a:ln>
+                <a:solidFill>
+                  <a:schemeClr val="tx2"/>
+                </a:solidFill>
+                <a:effectLst/>
+                <a:uLnTx/>
+                <a:uFillTx/>
+                <a:latin typeface="+mj-lt"/>
+                <a:ea typeface="+mj-ea"/>
+                <a:cs typeface="+mj-cs"/>
+              </a:rPr>
+              <a:t>Plan de communication</a:t>
+            </a:r>
+          </a:p>
+        </p:txBody>
+      </p:sp>
+      <p:pic>
+        <p:nvPicPr>
+          <p:cNvPr id="15" name="Graphic 14" descr="Chat">
+            <a:extLst>
+              <a:ext uri="{FF2B5EF4-FFF2-40B4-BE49-F238E27FC236}">
+                <a16:creationId xmlns:a16="http://schemas.microsoft.com/office/drawing/2014/main" id="{81E0AC99-AA7A-4466-24A5-355003E44DE1}"/>
+              </a:ext>
+            </a:extLst>
+          </p:cNvPr>
+          <p:cNvPicPr>
+            <a:picLocks noChangeAspect="1"/>
+          </p:cNvPicPr>
+          <p:nvPr/>
+        </p:nvPicPr>
+        <p:blipFill>
+          <a:blip r:embed="rId2">
+            <a:extLst>
+              <a:ext uri="{28A0092B-C50C-407E-A947-70E740481C1C}">
+                <a14:useLocalDpi xmlns:a14="http://schemas.microsoft.com/office/drawing/2010/main" val="0"/>
+              </a:ext>
+              <a:ext uri="{96DAC541-7B7A-43D3-8B79-37D633B846F1}">
+                <asvg:svgBlip xmlns:asvg="http://schemas.microsoft.com/office/drawing/2016/SVG/main" r:embed="rId3"/>
+              </a:ext>
+            </a:extLst>
+          </a:blip>
+          <a:stretch>
+            <a:fillRect/>
+          </a:stretch>
+        </p:blipFill>
+        <p:spPr>
+          <a:xfrm>
+            <a:off x="340470" y="1815320"/>
+            <a:ext cx="4141760" cy="4141760"/>
+          </a:xfrm>
+          <a:custGeom>
+            <a:avLst/>
+            <a:gdLst/>
+            <a:ahLst/>
+            <a:cxnLst/>
+            <a:rect l="l" t="t" r="r" b="b"/>
+            <a:pathLst>
+              <a:path w="4141760" h="4377846">
+                <a:moveTo>
+                  <a:pt x="0" y="0"/>
+                </a:moveTo>
+                <a:lnTo>
+                  <a:pt x="4141760" y="0"/>
+                </a:lnTo>
+                <a:lnTo>
+                  <a:pt x="4141760" y="4377846"/>
+                </a:lnTo>
+                <a:lnTo>
+                  <a:pt x="0" y="4377846"/>
+                </a:lnTo>
+                <a:close/>
+              </a:path>
+            </a:pathLst>
+          </a:custGeom>
+        </p:spPr>
+      </p:pic>
+      <p:grpSp>
+        <p:nvGrpSpPr>
+          <p:cNvPr id="22" name="Group 21">
+            <a:extLst>
+              <a:ext uri="{FF2B5EF4-FFF2-40B4-BE49-F238E27FC236}">
+                <a16:creationId xmlns:a16="http://schemas.microsoft.com/office/drawing/2014/main" id="{89D1390B-7E13-4B4F-9CB2-391063412E54}"/>
+              </a:ext>
+              <a:ext uri="{C183D7F6-B498-43B3-948B-1728B52AA6E4}">
+                <adec:decorative xmlns:adec="http://schemas.microsoft.com/office/drawing/2017/decorative" val="1"/>
+              </a:ext>
+            </a:extLst>
+          </p:cNvPr>
+          <p:cNvGrpSpPr>
+            <a:grpSpLocks noGrp="1" noUngrp="1" noRot="1" noChangeAspect="1" noMove="1" noResize="1"/>
+          </p:cNvGrpSpPr>
+          <p:nvPr>
+            <p:extLst>
+              <p:ext uri="{386F3935-93C4-4BCD-93E2-E3B085C9AB24}">
+                <p16:designElem xmlns:p16="http://schemas.microsoft.com/office/powerpoint/2015/main" val="1"/>
+              </p:ext>
+            </p:extLst>
+          </p:nvPr>
+        </p:nvGrpSpPr>
+        <p:grpSpPr>
+          <a:xfrm>
+            <a:off x="-4253" y="-5977"/>
+            <a:ext cx="6238675" cy="6863979"/>
+            <a:chOff x="305" y="-5977"/>
+            <a:chExt cx="6238675" cy="6863979"/>
+          </a:xfrm>
+        </p:grpSpPr>
+        <p:sp>
+          <p:nvSpPr>
+            <p:cNvPr id="23" name="Freeform: Shape 22">
+              <a:extLst>
+                <a:ext uri="{FF2B5EF4-FFF2-40B4-BE49-F238E27FC236}">
+                  <a16:creationId xmlns:a16="http://schemas.microsoft.com/office/drawing/2014/main" id="{9E720206-AA49-4786-A932-A2650DE09183}"/>
+                </a:ext>
+                <a:ext uri="{C183D7F6-B498-43B3-948B-1728B52AA6E4}">
+                  <adec:decorative xmlns:adec="http://schemas.microsoft.com/office/drawing/2017/decorative" val="1"/>
+                </a:ext>
+              </a:extLst>
+            </p:cNvPr>
+            <p:cNvSpPr/>
+            <p:nvPr>
+              <p:extLst>
+                <p:ext uri="{386F3935-93C4-4BCD-93E2-E3B085C9AB24}">
+                  <p16:designElem xmlns:p16="http://schemas.microsoft.com/office/powerpoint/2015/main" val="1"/>
+                </p:ext>
+              </p:extLst>
+            </p:nvPr>
+          </p:nvSpPr>
+          <p:spPr>
+            <a:xfrm flipH="1">
+              <a:off x="305" y="34854"/>
+              <a:ext cx="6028697" cy="6817170"/>
+            </a:xfrm>
+            <a:custGeom>
+              <a:avLst/>
+              <a:gdLst>
+                <a:gd name="connsiteX0" fmla="*/ 6028697 w 6028697"/>
+                <a:gd name="connsiteY0" fmla="*/ 6155323 h 6817170"/>
+                <a:gd name="connsiteX1" fmla="*/ 6028697 w 6028697"/>
+                <a:gd name="connsiteY1" fmla="*/ 6817170 h 6817170"/>
+                <a:gd name="connsiteX2" fmla="*/ 5157862 w 6028697"/>
+                <a:gd name="connsiteY2" fmla="*/ 6817170 h 6817170"/>
+                <a:gd name="connsiteX3" fmla="*/ 5347156 w 6028697"/>
+                <a:gd name="connsiteY3" fmla="*/ 6687553 h 6817170"/>
+                <a:gd name="connsiteX4" fmla="*/ 5487470 w 6028697"/>
+                <a:gd name="connsiteY4" fmla="*/ 6581714 h 6817170"/>
+                <a:gd name="connsiteX5" fmla="*/ 5627642 w 6028697"/>
+                <a:gd name="connsiteY5" fmla="*/ 6472328 h 6817170"/>
+                <a:gd name="connsiteX6" fmla="*/ 5911392 w 6028697"/>
+                <a:gd name="connsiteY6" fmla="*/ 6245328 h 6817170"/>
+                <a:gd name="connsiteX7" fmla="*/ 4481066 w 6028697"/>
+                <a:gd name="connsiteY7" fmla="*/ 478 h 6817170"/>
+                <a:gd name="connsiteX8" fmla="*/ 4672258 w 6028697"/>
+                <a:gd name="connsiteY8" fmla="*/ 7519 h 6817170"/>
+                <a:gd name="connsiteX9" fmla="*/ 5429869 w 6028697"/>
+                <a:gd name="connsiteY9" fmla="*/ 125134 h 6817170"/>
+                <a:gd name="connsiteX10" fmla="*/ 5976319 w 6028697"/>
+                <a:gd name="connsiteY10" fmla="*/ 314893 h 6817170"/>
+                <a:gd name="connsiteX11" fmla="*/ 6028697 w 6028697"/>
+                <a:gd name="connsiteY11" fmla="*/ 339901 h 6817170"/>
+                <a:gd name="connsiteX12" fmla="*/ 6028697 w 6028697"/>
+                <a:gd name="connsiteY12" fmla="*/ 732458 h 6817170"/>
+                <a:gd name="connsiteX13" fmla="*/ 5990985 w 6028697"/>
+                <a:gd name="connsiteY13" fmla="*/ 712211 h 6817170"/>
+                <a:gd name="connsiteX14" fmla="*/ 5341339 w 6028697"/>
+                <a:gd name="connsiteY14" fmla="*/ 475281 h 6817170"/>
+                <a:gd name="connsiteX15" fmla="*/ 4651969 w 6028697"/>
+                <a:gd name="connsiteY15" fmla="*/ 377104 h 6817170"/>
+                <a:gd name="connsiteX16" fmla="*/ 3953093 w 6028697"/>
+                <a:gd name="connsiteY16" fmla="*/ 402498 h 6817170"/>
+                <a:gd name="connsiteX17" fmla="*/ 3267413 w 6028697"/>
+                <a:gd name="connsiteY17" fmla="*/ 546643 h 6817170"/>
+                <a:gd name="connsiteX18" fmla="*/ 1439498 w 6028697"/>
+                <a:gd name="connsiteY18" fmla="*/ 1568141 h 6817170"/>
+                <a:gd name="connsiteX19" fmla="*/ 960671 w 6028697"/>
+                <a:gd name="connsiteY19" fmla="*/ 2082013 h 6817170"/>
+                <a:gd name="connsiteX20" fmla="*/ 581866 w 6028697"/>
+                <a:gd name="connsiteY20" fmla="*/ 2672638 h 6817170"/>
+                <a:gd name="connsiteX21" fmla="*/ 324789 w 6028697"/>
+                <a:gd name="connsiteY21" fmla="*/ 3325262 h 6817170"/>
+                <a:gd name="connsiteX22" fmla="*/ 231151 w 6028697"/>
+                <a:gd name="connsiteY22" fmla="*/ 4022292 h 6817170"/>
+                <a:gd name="connsiteX23" fmla="*/ 270592 w 6028697"/>
+                <a:gd name="connsiteY23" fmla="*/ 4362792 h 6817170"/>
+                <a:gd name="connsiteX24" fmla="*/ 387213 w 6028697"/>
+                <a:gd name="connsiteY24" fmla="*/ 4681585 h 6817170"/>
+                <a:gd name="connsiteX25" fmla="*/ 468507 w 6028697"/>
+                <a:gd name="connsiteY25" fmla="*/ 4831546 h 6817170"/>
+                <a:gd name="connsiteX26" fmla="*/ 561862 w 6028697"/>
+                <a:gd name="connsiteY26" fmla="*/ 4976826 h 6817170"/>
+                <a:gd name="connsiteX27" fmla="*/ 777511 w 6028697"/>
+                <a:gd name="connsiteY27" fmla="*/ 5257597 h 6817170"/>
+                <a:gd name="connsiteX28" fmla="*/ 1010895 w 6028697"/>
+                <a:gd name="connsiteY28" fmla="*/ 5540494 h 6817170"/>
+                <a:gd name="connsiteX29" fmla="*/ 1126948 w 6028697"/>
+                <a:gd name="connsiteY29" fmla="*/ 5688186 h 6817170"/>
+                <a:gd name="connsiteX30" fmla="*/ 1182706 w 6028697"/>
+                <a:gd name="connsiteY30" fmla="*/ 5760543 h 6817170"/>
+                <a:gd name="connsiteX31" fmla="*/ 1237327 w 6028697"/>
+                <a:gd name="connsiteY31" fmla="*/ 5830060 h 6817170"/>
+                <a:gd name="connsiteX32" fmla="*/ 1706649 w 6028697"/>
+                <a:gd name="connsiteY32" fmla="*/ 6342797 h 6817170"/>
+                <a:gd name="connsiteX33" fmla="*/ 1956207 w 6028697"/>
+                <a:gd name="connsiteY33" fmla="*/ 6573484 h 6817170"/>
+                <a:gd name="connsiteX34" fmla="*/ 2217681 w 6028697"/>
+                <a:gd name="connsiteY34" fmla="*/ 6786297 h 6817170"/>
+                <a:gd name="connsiteX35" fmla="*/ 2260820 w 6028697"/>
+                <a:gd name="connsiteY35" fmla="*/ 6817170 h 6817170"/>
+                <a:gd name="connsiteX36" fmla="*/ 1429497 w 6028697"/>
+                <a:gd name="connsiteY36" fmla="*/ 6817170 h 6817170"/>
+                <a:gd name="connsiteX37" fmla="*/ 1327275 w 6028697"/>
+                <a:gd name="connsiteY37" fmla="*/ 6713800 h 6817170"/>
+                <a:gd name="connsiteX38" fmla="*/ 1080556 w 6028697"/>
+                <a:gd name="connsiteY38" fmla="*/ 6414443 h 6817170"/>
+                <a:gd name="connsiteX39" fmla="*/ 865189 w 6028697"/>
+                <a:gd name="connsiteY39" fmla="*/ 6097496 h 6817170"/>
+                <a:gd name="connsiteX40" fmla="*/ 814823 w 6028697"/>
+                <a:gd name="connsiteY40" fmla="*/ 6016911 h 6817170"/>
+                <a:gd name="connsiteX41" fmla="*/ 766729 w 6028697"/>
+                <a:gd name="connsiteY41" fmla="*/ 5938453 h 6817170"/>
+                <a:gd name="connsiteX42" fmla="*/ 671672 w 6028697"/>
+                <a:gd name="connsiteY42" fmla="*/ 5786648 h 6817170"/>
+                <a:gd name="connsiteX43" fmla="*/ 474608 w 6028697"/>
+                <a:gd name="connsiteY43" fmla="*/ 5474664 h 6817170"/>
+                <a:gd name="connsiteX44" fmla="*/ 282652 w 6028697"/>
+                <a:gd name="connsiteY44" fmla="*/ 5146508 h 6817170"/>
+                <a:gd name="connsiteX45" fmla="*/ 196108 w 6028697"/>
+                <a:gd name="connsiteY45" fmla="*/ 4972712 h 6817170"/>
+                <a:gd name="connsiteX46" fmla="*/ 122474 w 6028697"/>
+                <a:gd name="connsiteY46" fmla="*/ 4791821 h 6817170"/>
+                <a:gd name="connsiteX47" fmla="*/ 65724 w 6028697"/>
+                <a:gd name="connsiteY47" fmla="*/ 4603129 h 6817170"/>
+                <a:gd name="connsiteX48" fmla="*/ 44727 w 6028697"/>
+                <a:gd name="connsiteY48" fmla="*/ 4506937 h 6817170"/>
+                <a:gd name="connsiteX49" fmla="*/ 35505 w 6028697"/>
+                <a:gd name="connsiteY49" fmla="*/ 4458699 h 6817170"/>
+                <a:gd name="connsiteX50" fmla="*/ 27845 w 6028697"/>
+                <a:gd name="connsiteY50" fmla="*/ 4410320 h 6817170"/>
+                <a:gd name="connsiteX51" fmla="*/ 37 w 6028697"/>
+                <a:gd name="connsiteY51" fmla="*/ 4022292 h 6817170"/>
+                <a:gd name="connsiteX52" fmla="*/ 78777 w 6028697"/>
+                <a:gd name="connsiteY52" fmla="*/ 3267236 h 6817170"/>
+                <a:gd name="connsiteX53" fmla="*/ 315424 w 6028697"/>
+                <a:gd name="connsiteY53" fmla="*/ 2543673 h 6817170"/>
+                <a:gd name="connsiteX54" fmla="*/ 1202710 w 6028697"/>
+                <a:gd name="connsiteY54" fmla="*/ 1314895 h 6817170"/>
+                <a:gd name="connsiteX55" fmla="*/ 1791065 w 6028697"/>
+                <a:gd name="connsiteY55" fmla="*/ 833514 h 6817170"/>
+                <a:gd name="connsiteX56" fmla="*/ 3908404 w 6028697"/>
+                <a:gd name="connsiteY56" fmla="*/ 29794 h 6817170"/>
+                <a:gd name="connsiteX57" fmla="*/ 4481066 w 6028697"/>
+                <a:gd name="connsiteY57" fmla="*/ 478 h 6817170"/>
+              </a:gdLst>
+              <a:ahLst/>
+              <a:cxnLst>
+                <a:cxn ang="0">
+                  <a:pos x="connsiteX0" y="connsiteY0"/>
+                </a:cxn>
+                <a:cxn ang="0">
+                  <a:pos x="connsiteX1" y="connsiteY1"/>
+                </a:cxn>
+                <a:cxn ang="0">
+                  <a:pos x="connsiteX2" y="connsiteY2"/>
+                </a:cxn>
+                <a:cxn ang="0">
+                  <a:pos x="connsiteX3" y="connsiteY3"/>
+                </a:cxn>
+                <a:cxn ang="0">
+                  <a:pos x="connsiteX4" y="connsiteY4"/>
+                </a:cxn>
+                <a:cxn ang="0">
+                  <a:pos x="connsiteX5" y="connsiteY5"/>
+                </a:cxn>
+                <a:cxn ang="0">
+                  <a:pos x="connsiteX6" y="connsiteY6"/>
+                </a:cxn>
+                <a:cxn ang="0">
+                  <a:pos x="connsiteX7" y="connsiteY7"/>
+                </a:cxn>
+                <a:cxn ang="0">
+                  <a:pos x="connsiteX8" y="connsiteY8"/>
+                </a:cxn>
+                <a:cxn ang="0">
+                  <a:pos x="connsiteX9" y="connsiteY9"/>
+                </a:cxn>
+                <a:cxn ang="0">
+                  <a:pos x="connsiteX10" y="connsiteY10"/>
+                </a:cxn>
+                <a:cxn ang="0">
+                  <a:pos x="connsiteX11" y="connsiteY11"/>
+                </a:cxn>
+                <a:cxn ang="0">
+                  <a:pos x="connsiteX12" y="connsiteY12"/>
+                </a:cxn>
+                <a:cxn ang="0">
+                  <a:pos x="connsiteX13" y="connsiteY13"/>
+                </a:cxn>
+                <a:cxn ang="0">
+                  <a:pos x="connsiteX14" y="connsiteY14"/>
+                </a:cxn>
+                <a:cxn ang="0">
+                  <a:pos x="connsiteX15" y="connsiteY15"/>
+                </a:cxn>
+                <a:cxn ang="0">
+                  <a:pos x="connsiteX16" y="connsiteY16"/>
+                </a:cxn>
+                <a:cxn ang="0">
+                  <a:pos x="connsiteX17" y="connsiteY17"/>
+                </a:cxn>
+                <a:cxn ang="0">
+                  <a:pos x="connsiteX18" y="connsiteY18"/>
+                </a:cxn>
+                <a:cxn ang="0">
+                  <a:pos x="connsiteX19" y="connsiteY19"/>
+                </a:cxn>
+                <a:cxn ang="0">
+                  <a:pos x="connsiteX20" y="connsiteY20"/>
+                </a:cxn>
+                <a:cxn ang="0">
+                  <a:pos x="connsiteX21" y="connsiteY21"/>
+                </a:cxn>
+                <a:cxn ang="0">
+                  <a:pos x="connsiteX22" y="connsiteY22"/>
+                </a:cxn>
+                <a:cxn ang="0">
+                  <a:pos x="connsiteX23" y="connsiteY23"/>
+                </a:cxn>
+                <a:cxn ang="0">
+                  <a:pos x="connsiteX24" y="connsiteY24"/>
+                </a:cxn>
+                <a:cxn ang="0">
+                  <a:pos x="connsiteX25" y="connsiteY25"/>
+                </a:cxn>
+                <a:cxn ang="0">
+                  <a:pos x="connsiteX26" y="connsiteY26"/>
+                </a:cxn>
+                <a:cxn ang="0">
+                  <a:pos x="connsiteX27" y="connsiteY27"/>
+                </a:cxn>
+                <a:cxn ang="0">
+                  <a:pos x="connsiteX28" y="connsiteY28"/>
+                </a:cxn>
+                <a:cxn ang="0">
+                  <a:pos x="connsiteX29" y="connsiteY29"/>
+                </a:cxn>
+                <a:cxn ang="0">
+                  <a:pos x="connsiteX30" y="connsiteY30"/>
+                </a:cxn>
+                <a:cxn ang="0">
+                  <a:pos x="connsiteX31" y="connsiteY31"/>
+                </a:cxn>
+                <a:cxn ang="0">
+                  <a:pos x="connsiteX32" y="connsiteY32"/>
+                </a:cxn>
+                <a:cxn ang="0">
+                  <a:pos x="connsiteX33" y="connsiteY33"/>
+                </a:cxn>
+                <a:cxn ang="0">
+                  <a:pos x="connsiteX34" y="connsiteY34"/>
+                </a:cxn>
+                <a:cxn ang="0">
+                  <a:pos x="connsiteX35" y="connsiteY35"/>
+                </a:cxn>
+                <a:cxn ang="0">
+                  <a:pos x="connsiteX36" y="connsiteY36"/>
+                </a:cxn>
+                <a:cxn ang="0">
+                  <a:pos x="connsiteX37" y="connsiteY37"/>
+                </a:cxn>
+                <a:cxn ang="0">
+                  <a:pos x="connsiteX38" y="connsiteY38"/>
+                </a:cxn>
+                <a:cxn ang="0">
+                  <a:pos x="connsiteX39" y="connsiteY39"/>
+                </a:cxn>
+                <a:cxn ang="0">
+                  <a:pos x="connsiteX40" y="connsiteY40"/>
+                </a:cxn>
+                <a:cxn ang="0">
+                  <a:pos x="connsiteX41" y="connsiteY41"/>
+                </a:cxn>
+                <a:cxn ang="0">
+                  <a:pos x="connsiteX42" y="connsiteY42"/>
+                </a:cxn>
+                <a:cxn ang="0">
+                  <a:pos x="connsiteX43" y="connsiteY43"/>
+                </a:cxn>
+                <a:cxn ang="0">
+                  <a:pos x="connsiteX44" y="connsiteY44"/>
+                </a:cxn>
+                <a:cxn ang="0">
+                  <a:pos x="connsiteX45" y="connsiteY45"/>
+                </a:cxn>
+                <a:cxn ang="0">
+                  <a:pos x="connsiteX46" y="connsiteY46"/>
+                </a:cxn>
+                <a:cxn ang="0">
+                  <a:pos x="connsiteX47" y="connsiteY47"/>
+                </a:cxn>
+                <a:cxn ang="0">
+                  <a:pos x="connsiteX48" y="connsiteY48"/>
+                </a:cxn>
+                <a:cxn ang="0">
+                  <a:pos x="connsiteX49" y="connsiteY49"/>
+                </a:cxn>
+                <a:cxn ang="0">
+                  <a:pos x="connsiteX50" y="connsiteY50"/>
+                </a:cxn>
+                <a:cxn ang="0">
+                  <a:pos x="connsiteX51" y="connsiteY51"/>
+                </a:cxn>
+                <a:cxn ang="0">
+                  <a:pos x="connsiteX52" y="connsiteY52"/>
+                </a:cxn>
+                <a:cxn ang="0">
+                  <a:pos x="connsiteX53" y="connsiteY53"/>
+                </a:cxn>
+                <a:cxn ang="0">
+                  <a:pos x="connsiteX54" y="connsiteY54"/>
+                </a:cxn>
+                <a:cxn ang="0">
+                  <a:pos x="connsiteX55" y="connsiteY55"/>
+                </a:cxn>
+                <a:cxn ang="0">
+                  <a:pos x="connsiteX56" y="connsiteY56"/>
+                </a:cxn>
+                <a:cxn ang="0">
+                  <a:pos x="connsiteX57" y="connsiteY57"/>
+                </a:cxn>
+              </a:cxnLst>
+              <a:rect l="l" t="t" r="r" b="b"/>
+              <a:pathLst>
+                <a:path w="6028697" h="6817170">
+                  <a:moveTo>
+                    <a:pt x="6028697" y="6155323"/>
+                  </a:moveTo>
+                  <a:lnTo>
+                    <a:pt x="6028697" y="6817170"/>
+                  </a:lnTo>
+                  <a:lnTo>
+                    <a:pt x="5157862" y="6817170"/>
+                  </a:lnTo>
+                  <a:lnTo>
+                    <a:pt x="5347156" y="6687553"/>
+                  </a:lnTo>
+                  <a:cubicBezTo>
+                    <a:pt x="5394117" y="6653219"/>
+                    <a:pt x="5440793" y="6617608"/>
+                    <a:pt x="5487470" y="6581714"/>
+                  </a:cubicBezTo>
+                  <a:cubicBezTo>
+                    <a:pt x="5534147" y="6545820"/>
+                    <a:pt x="5580966" y="6509358"/>
+                    <a:pt x="5627642" y="6472328"/>
+                  </a:cubicBezTo>
+                  <a:lnTo>
+                    <a:pt x="5911392" y="6245328"/>
+                  </a:lnTo>
+                  <a:close/>
+                  <a:moveTo>
+                    <a:pt x="4481066" y="478"/>
+                  </a:moveTo>
+                  <a:cubicBezTo>
+                    <a:pt x="4544817" y="1422"/>
+                    <a:pt x="4608563" y="3769"/>
+                    <a:pt x="4672258" y="7519"/>
+                  </a:cubicBezTo>
+                  <a:cubicBezTo>
+                    <a:pt x="4927973" y="22364"/>
+                    <a:pt x="5181687" y="61751"/>
+                    <a:pt x="5429869" y="125134"/>
+                  </a:cubicBezTo>
+                  <a:cubicBezTo>
+                    <a:pt x="5617090" y="173104"/>
+                    <a:pt x="5799867" y="236595"/>
+                    <a:pt x="5976319" y="314893"/>
+                  </a:cubicBezTo>
+                  <a:lnTo>
+                    <a:pt x="6028697" y="339901"/>
+                  </a:lnTo>
+                  <a:lnTo>
+                    <a:pt x="6028697" y="732458"/>
+                  </a:lnTo>
+                  <a:lnTo>
+                    <a:pt x="5990985" y="712211"/>
+                  </a:lnTo>
+                  <a:cubicBezTo>
+                    <a:pt x="5783917" y="609342"/>
+                    <a:pt x="5566013" y="529876"/>
+                    <a:pt x="5341339" y="475281"/>
+                  </a:cubicBezTo>
+                  <a:cubicBezTo>
+                    <a:pt x="5115233" y="420503"/>
+                    <a:pt x="4884375" y="387624"/>
+                    <a:pt x="4651969" y="377104"/>
+                  </a:cubicBezTo>
+                  <a:cubicBezTo>
+                    <a:pt x="4418713" y="365171"/>
+                    <a:pt x="4184861" y="373670"/>
+                    <a:pt x="3953093" y="402498"/>
+                  </a:cubicBezTo>
+                  <a:cubicBezTo>
+                    <a:pt x="3721001" y="431832"/>
+                    <a:pt x="3491675" y="480040"/>
+                    <a:pt x="3267413" y="546643"/>
+                  </a:cubicBezTo>
+                  <a:cubicBezTo>
+                    <a:pt x="2591323" y="750761"/>
+                    <a:pt x="1967642" y="1099289"/>
+                    <a:pt x="1439498" y="1568141"/>
+                  </a:cubicBezTo>
+                  <a:cubicBezTo>
+                    <a:pt x="1265589" y="1725523"/>
+                    <a:pt x="1105393" y="1897434"/>
+                    <a:pt x="960671" y="2082013"/>
+                  </a:cubicBezTo>
+                  <a:cubicBezTo>
+                    <a:pt x="815775" y="2266294"/>
+                    <a:pt x="688923" y="2464081"/>
+                    <a:pt x="581866" y="2672638"/>
+                  </a:cubicBezTo>
+                  <a:cubicBezTo>
+                    <a:pt x="473765" y="2880669"/>
+                    <a:pt x="387610" y="3099397"/>
+                    <a:pt x="324789" y="3325262"/>
+                  </a:cubicBezTo>
+                  <a:cubicBezTo>
+                    <a:pt x="262714" y="3552403"/>
+                    <a:pt x="231223" y="3786822"/>
+                    <a:pt x="231151" y="4022292"/>
+                  </a:cubicBezTo>
+                  <a:cubicBezTo>
+                    <a:pt x="231413" y="4136912"/>
+                    <a:pt x="244645" y="4251136"/>
+                    <a:pt x="270592" y="4362792"/>
+                  </a:cubicBezTo>
+                  <a:cubicBezTo>
+                    <a:pt x="297885" y="4472943"/>
+                    <a:pt x="336983" y="4579833"/>
+                    <a:pt x="387213" y="4681585"/>
+                  </a:cubicBezTo>
+                  <a:cubicBezTo>
+                    <a:pt x="412042" y="4732517"/>
+                    <a:pt x="439423" y="4782457"/>
+                    <a:pt x="468507" y="4831546"/>
+                  </a:cubicBezTo>
+                  <a:cubicBezTo>
+                    <a:pt x="497591" y="4880636"/>
+                    <a:pt x="529230" y="4929015"/>
+                    <a:pt x="561862" y="4976826"/>
+                  </a:cubicBezTo>
+                  <a:cubicBezTo>
+                    <a:pt x="627975" y="5072166"/>
+                    <a:pt x="701466" y="5164668"/>
+                    <a:pt x="777511" y="5257597"/>
+                  </a:cubicBezTo>
+                  <a:cubicBezTo>
+                    <a:pt x="853556" y="5350524"/>
+                    <a:pt x="933574" y="5443594"/>
+                    <a:pt x="1010895" y="5540494"/>
+                  </a:cubicBezTo>
+                  <a:cubicBezTo>
+                    <a:pt x="1049957" y="5588732"/>
+                    <a:pt x="1088642" y="5637963"/>
+                    <a:pt x="1126948" y="5688186"/>
+                  </a:cubicBezTo>
+                  <a:lnTo>
+                    <a:pt x="1182706" y="5760543"/>
+                  </a:lnTo>
+                  <a:cubicBezTo>
+                    <a:pt x="1201007" y="5783669"/>
+                    <a:pt x="1218458" y="5807503"/>
+                    <a:pt x="1237327" y="5830060"/>
+                  </a:cubicBezTo>
+                  <a:cubicBezTo>
+                    <a:pt x="1383714" y="6009916"/>
+                    <a:pt x="1540413" y="6181116"/>
+                    <a:pt x="1706649" y="6342797"/>
+                  </a:cubicBezTo>
+                  <a:cubicBezTo>
+                    <a:pt x="1788084" y="6422531"/>
+                    <a:pt x="1871265" y="6499427"/>
+                    <a:pt x="1956207" y="6573484"/>
+                  </a:cubicBezTo>
+                  <a:cubicBezTo>
+                    <a:pt x="2041332" y="6647402"/>
+                    <a:pt x="2127733" y="6718907"/>
+                    <a:pt x="2217681" y="6786297"/>
+                  </a:cubicBezTo>
+                  <a:lnTo>
+                    <a:pt x="2260820" y="6817170"/>
+                  </a:lnTo>
+                  <a:lnTo>
+                    <a:pt x="1429497" y="6817170"/>
+                  </a:lnTo>
+                  <a:lnTo>
+                    <a:pt x="1327275" y="6713800"/>
+                  </a:lnTo>
+                  <a:cubicBezTo>
+                    <a:pt x="1239186" y="6618984"/>
+                    <a:pt x="1156797" y="6519019"/>
+                    <a:pt x="1080556" y="6414443"/>
+                  </a:cubicBezTo>
+                  <a:cubicBezTo>
+                    <a:pt x="1004653" y="6310734"/>
+                    <a:pt x="932439" y="6205177"/>
+                    <a:pt x="865189" y="6097496"/>
+                  </a:cubicBezTo>
+                  <a:cubicBezTo>
+                    <a:pt x="847881" y="6070823"/>
+                    <a:pt x="831565" y="6043725"/>
+                    <a:pt x="814823" y="6016911"/>
+                  </a:cubicBezTo>
+                  <a:lnTo>
+                    <a:pt x="766729" y="5938453"/>
+                  </a:lnTo>
+                  <a:cubicBezTo>
+                    <a:pt x="735941" y="5887947"/>
+                    <a:pt x="703878" y="5837581"/>
+                    <a:pt x="671672" y="5786648"/>
+                  </a:cubicBezTo>
+                  <a:lnTo>
+                    <a:pt x="474608" y="5474664"/>
+                  </a:lnTo>
+                  <a:cubicBezTo>
+                    <a:pt x="408778" y="5368968"/>
+                    <a:pt x="343516" y="5260008"/>
+                    <a:pt x="282652" y="5146508"/>
+                  </a:cubicBezTo>
+                  <a:cubicBezTo>
+                    <a:pt x="252290" y="5089759"/>
+                    <a:pt x="223065" y="5032015"/>
+                    <a:pt x="196108" y="4972712"/>
+                  </a:cubicBezTo>
+                  <a:cubicBezTo>
+                    <a:pt x="169152" y="4913408"/>
+                    <a:pt x="144607" y="4853111"/>
+                    <a:pt x="122474" y="4791821"/>
+                  </a:cubicBezTo>
+                  <a:cubicBezTo>
+                    <a:pt x="100342" y="4730532"/>
+                    <a:pt x="81757" y="4666830"/>
+                    <a:pt x="65724" y="4603129"/>
+                  </a:cubicBezTo>
+                  <a:cubicBezTo>
+                    <a:pt x="58205" y="4571064"/>
+                    <a:pt x="50828" y="4539143"/>
+                    <a:pt x="44727" y="4506937"/>
+                  </a:cubicBezTo>
+                  <a:lnTo>
+                    <a:pt x="35505" y="4458699"/>
+                  </a:lnTo>
+                  <a:lnTo>
+                    <a:pt x="27845" y="4410320"/>
+                  </a:lnTo>
+                  <a:cubicBezTo>
+                    <a:pt x="8635" y="4281881"/>
+                    <a:pt x="-661" y="4152150"/>
+                    <a:pt x="37" y="4022292"/>
+                  </a:cubicBezTo>
+                  <a:cubicBezTo>
+                    <a:pt x="712" y="3768592"/>
+                    <a:pt x="27094" y="3515615"/>
+                    <a:pt x="78777" y="3267236"/>
+                  </a:cubicBezTo>
+                  <a:cubicBezTo>
+                    <a:pt x="130048" y="3017876"/>
+                    <a:pt x="209439" y="2775142"/>
+                    <a:pt x="315424" y="2543673"/>
+                  </a:cubicBezTo>
+                  <a:cubicBezTo>
+                    <a:pt x="528236" y="2081161"/>
+                    <a:pt x="838234" y="1667312"/>
+                    <a:pt x="1202710" y="1314895"/>
+                  </a:cubicBezTo>
+                  <a:cubicBezTo>
+                    <a:pt x="1385514" y="1138814"/>
+                    <a:pt x="1582282" y="977831"/>
+                    <a:pt x="1791065" y="833514"/>
+                  </a:cubicBezTo>
+                  <a:cubicBezTo>
+                    <a:pt x="2420037" y="395614"/>
+                    <a:pt x="3147288" y="119557"/>
+                    <a:pt x="3908404" y="29794"/>
+                  </a:cubicBezTo>
+                  <a:cubicBezTo>
+                    <a:pt x="4098509" y="7429"/>
+                    <a:pt x="4289811" y="-2355"/>
+                    <a:pt x="4481066" y="478"/>
+                  </a:cubicBezTo>
+                  <a:close/>
+                </a:path>
+              </a:pathLst>
+            </a:custGeom>
+            <a:gradFill>
+              <a:gsLst>
+                <a:gs pos="2000">
+                  <a:schemeClr val="bg1">
+                    <a:alpha val="10000"/>
+                  </a:schemeClr>
+                </a:gs>
+                <a:gs pos="16000">
+                  <a:schemeClr val="accent6">
+                    <a:alpha val="10000"/>
+                  </a:schemeClr>
+                </a:gs>
+                <a:gs pos="100000">
+                  <a:schemeClr val="bg1">
+                    <a:alpha val="10000"/>
+                  </a:schemeClr>
+                </a:gs>
+                <a:gs pos="85000">
+                  <a:schemeClr val="accent1">
+                    <a:alpha val="10000"/>
+                  </a:schemeClr>
+                </a:gs>
+              </a:gsLst>
+              <a:lin ang="12000000" scaled="0"/>
+            </a:gradFill>
+            <a:ln>
+              <a:noFill/>
+            </a:ln>
+          </p:spPr>
+          <p:style>
+            <a:lnRef idx="2">
+              <a:schemeClr val="accent1">
+                <a:shade val="50000"/>
+              </a:schemeClr>
+            </a:lnRef>
+            <a:fillRef idx="1">
+              <a:schemeClr val="accent1"/>
+            </a:fillRef>
+            <a:effectRef idx="0">
+              <a:schemeClr val="accent1"/>
+            </a:effectRef>
+            <a:fontRef idx="minor">
+              <a:schemeClr val="lt1"/>
+            </a:fontRef>
+          </p:style>
+          <p:txBody>
+            <a:bodyPr rtlCol="0" anchor="ctr"/>
+            <a:lstStyle/>
+            <a:p>
+              <a:pPr algn="ctr"/>
+              <a:endParaRPr lang="en-US" dirty="0"/>
+            </a:p>
+          </p:txBody>
+        </p:sp>
+        <p:sp>
+          <p:nvSpPr>
+            <p:cNvPr id="24" name="Freeform: Shape 23">
+              <a:extLst>
+                <a:ext uri="{FF2B5EF4-FFF2-40B4-BE49-F238E27FC236}">
+                  <a16:creationId xmlns:a16="http://schemas.microsoft.com/office/drawing/2014/main" id="{C72F6EE6-EDE9-45A5-8F6D-02B9B7CB2C2F}"/>
+                </a:ext>
+                <a:ext uri="{C183D7F6-B498-43B3-948B-1728B52AA6E4}">
+                  <adec:decorative xmlns:adec="http://schemas.microsoft.com/office/drawing/2017/decorative" val="1"/>
+                </a:ext>
+              </a:extLst>
+            </p:cNvPr>
+            <p:cNvSpPr/>
+            <p:nvPr>
+              <p:extLst>
+                <p:ext uri="{386F3935-93C4-4BCD-93E2-E3B085C9AB24}">
+                  <p16:designElem xmlns:p16="http://schemas.microsoft.com/office/powerpoint/2015/main" val="1"/>
+                </p:ext>
+              </p:extLst>
+            </p:nvPr>
+          </p:nvSpPr>
+          <p:spPr>
+            <a:xfrm flipH="1">
+              <a:off x="305" y="1"/>
+              <a:ext cx="6165116" cy="6858001"/>
+            </a:xfrm>
+            <a:custGeom>
+              <a:avLst/>
+              <a:gdLst>
+                <a:gd name="connsiteX0" fmla="*/ 6264586 w 6264586"/>
+                <a:gd name="connsiteY0" fmla="*/ 6646464 h 6858001"/>
+                <a:gd name="connsiteX1" fmla="*/ 6264586 w 6264586"/>
+                <a:gd name="connsiteY1" fmla="*/ 6858001 h 6858001"/>
+                <a:gd name="connsiteX2" fmla="*/ 5997170 w 6264586"/>
+                <a:gd name="connsiteY2" fmla="*/ 6858001 h 6858001"/>
+                <a:gd name="connsiteX3" fmla="*/ 6121512 w 6264586"/>
+                <a:gd name="connsiteY3" fmla="*/ 6761029 h 6858001"/>
+                <a:gd name="connsiteX4" fmla="*/ 2693206 w 6264586"/>
+                <a:gd name="connsiteY4" fmla="*/ 0 h 6858001"/>
+                <a:gd name="connsiteX5" fmla="*/ 5872285 w 6264586"/>
+                <a:gd name="connsiteY5" fmla="*/ 0 h 6858001"/>
+                <a:gd name="connsiteX6" fmla="*/ 6024875 w 6264586"/>
+                <a:gd name="connsiteY6" fmla="*/ 68385 h 6858001"/>
+                <a:gd name="connsiteX7" fmla="*/ 6206432 w 6264586"/>
+                <a:gd name="connsiteY7" fmla="*/ 162336 h 6858001"/>
+                <a:gd name="connsiteX8" fmla="*/ 6264586 w 6264586"/>
+                <a:gd name="connsiteY8" fmla="*/ 196704 h 6858001"/>
+                <a:gd name="connsiteX9" fmla="*/ 6264586 w 6264586"/>
+                <a:gd name="connsiteY9" fmla="*/ 537242 h 6858001"/>
+                <a:gd name="connsiteX10" fmla="*/ 6230189 w 6264586"/>
+                <a:gd name="connsiteY10" fmla="*/ 517260 h 6858001"/>
+                <a:gd name="connsiteX11" fmla="*/ 5540536 w 6264586"/>
+                <a:gd name="connsiteY11" fmla="*/ 249543 h 6858001"/>
+                <a:gd name="connsiteX12" fmla="*/ 5178896 w 6264586"/>
+                <a:gd name="connsiteY12" fmla="*/ 178606 h 6858001"/>
+                <a:gd name="connsiteX13" fmla="*/ 4814279 w 6264586"/>
+                <a:gd name="connsiteY13" fmla="*/ 146683 h 6858001"/>
+                <a:gd name="connsiteX14" fmla="*/ 4655095 w 6264586"/>
+                <a:gd name="connsiteY14" fmla="*/ 143421 h 6858001"/>
+                <a:gd name="connsiteX15" fmla="*/ 4081069 w 6264586"/>
+                <a:gd name="connsiteY15" fmla="*/ 185983 h 6858001"/>
+                <a:gd name="connsiteX16" fmla="*/ 3720566 w 6264586"/>
+                <a:gd name="connsiteY16" fmla="*/ 256921 h 6858001"/>
+                <a:gd name="connsiteX17" fmla="*/ 3365879 w 6264586"/>
+                <a:gd name="connsiteY17" fmla="*/ 357651 h 6858001"/>
+                <a:gd name="connsiteX18" fmla="*/ 3020555 w 6264586"/>
+                <a:gd name="connsiteY18" fmla="*/ 486190 h 6858001"/>
+                <a:gd name="connsiteX19" fmla="*/ 2685163 w 6264586"/>
+                <a:gd name="connsiteY19" fmla="*/ 641542 h 6858001"/>
+                <a:gd name="connsiteX20" fmla="*/ 2047720 w 6264586"/>
+                <a:gd name="connsiteY20" fmla="*/ 1025030 h 6858001"/>
+                <a:gd name="connsiteX21" fmla="*/ 1897333 w 6264586"/>
+                <a:gd name="connsiteY21" fmla="*/ 1134983 h 6858001"/>
+                <a:gd name="connsiteX22" fmla="*/ 1835758 w 6264586"/>
+                <a:gd name="connsiteY22" fmla="*/ 1182227 h 6858001"/>
+                <a:gd name="connsiteX23" fmla="*/ 1823273 w 6264586"/>
+                <a:gd name="connsiteY23" fmla="*/ 1192016 h 6858001"/>
+                <a:gd name="connsiteX24" fmla="*/ 1750918 w 6264586"/>
+                <a:gd name="connsiteY24" fmla="*/ 1249760 h 6858001"/>
+                <a:gd name="connsiteX25" fmla="*/ 1469297 w 6264586"/>
+                <a:gd name="connsiteY25" fmla="*/ 1496906 h 6858001"/>
+                <a:gd name="connsiteX26" fmla="*/ 967769 w 6264586"/>
+                <a:gd name="connsiteY26" fmla="*/ 2056602 h 6858001"/>
+                <a:gd name="connsiteX27" fmla="*/ 754105 w 6264586"/>
+                <a:gd name="connsiteY27" fmla="*/ 2368727 h 6858001"/>
+                <a:gd name="connsiteX28" fmla="*/ 572364 w 6264586"/>
+                <a:gd name="connsiteY28" fmla="*/ 2701140 h 6858001"/>
+                <a:gd name="connsiteX29" fmla="*/ 532497 w 6264586"/>
+                <a:gd name="connsiteY29" fmla="*/ 2786265 h 6858001"/>
+                <a:gd name="connsiteX30" fmla="*/ 512918 w 6264586"/>
+                <a:gd name="connsiteY30" fmla="*/ 2828827 h 6858001"/>
+                <a:gd name="connsiteX31" fmla="*/ 494475 w 6264586"/>
+                <a:gd name="connsiteY31" fmla="*/ 2872240 h 6858001"/>
+                <a:gd name="connsiteX32" fmla="*/ 491637 w 6264586"/>
+                <a:gd name="connsiteY32" fmla="*/ 2878908 h 6858001"/>
+                <a:gd name="connsiteX33" fmla="*/ 459290 w 6264586"/>
+                <a:gd name="connsiteY33" fmla="*/ 2959635 h 6858001"/>
+                <a:gd name="connsiteX34" fmla="*/ 446805 w 6264586"/>
+                <a:gd name="connsiteY34" fmla="*/ 2992408 h 6858001"/>
+                <a:gd name="connsiteX35" fmla="*/ 426090 w 6264586"/>
+                <a:gd name="connsiteY35" fmla="*/ 3049158 h 6858001"/>
+                <a:gd name="connsiteX36" fmla="*/ 426090 w 6264586"/>
+                <a:gd name="connsiteY36" fmla="*/ 3049867 h 6858001"/>
+                <a:gd name="connsiteX37" fmla="*/ 318124 w 6264586"/>
+                <a:gd name="connsiteY37" fmla="*/ 3414202 h 6858001"/>
+                <a:gd name="connsiteX38" fmla="*/ 230729 w 6264586"/>
+                <a:gd name="connsiteY38" fmla="*/ 4169260 h 6858001"/>
+                <a:gd name="connsiteX39" fmla="*/ 268893 w 6264586"/>
+                <a:gd name="connsiteY39" fmla="*/ 4544236 h 6858001"/>
+                <a:gd name="connsiteX40" fmla="*/ 379840 w 6264586"/>
+                <a:gd name="connsiteY40" fmla="*/ 4900056 h 6858001"/>
+                <a:gd name="connsiteX41" fmla="*/ 406512 w 6264586"/>
+                <a:gd name="connsiteY41" fmla="*/ 4960211 h 6858001"/>
+                <a:gd name="connsiteX42" fmla="*/ 417862 w 6264586"/>
+                <a:gd name="connsiteY42" fmla="*/ 4984613 h 6858001"/>
+                <a:gd name="connsiteX43" fmla="*/ 428077 w 6264586"/>
+                <a:gd name="connsiteY43" fmla="*/ 5005043 h 6858001"/>
+                <a:gd name="connsiteX44" fmla="*/ 460140 w 6264586"/>
+                <a:gd name="connsiteY44" fmla="*/ 5067327 h 6858001"/>
+                <a:gd name="connsiteX45" fmla="*/ 555197 w 6264586"/>
+                <a:gd name="connsiteY45" fmla="*/ 5229773 h 6858001"/>
+                <a:gd name="connsiteX46" fmla="*/ 660611 w 6264586"/>
+                <a:gd name="connsiteY46" fmla="*/ 5387396 h 6858001"/>
+                <a:gd name="connsiteX47" fmla="*/ 774110 w 6264586"/>
+                <a:gd name="connsiteY47" fmla="*/ 5542182 h 6858001"/>
+                <a:gd name="connsiteX48" fmla="*/ 917829 w 6264586"/>
+                <a:gd name="connsiteY48" fmla="*/ 5727896 h 6858001"/>
+                <a:gd name="connsiteX49" fmla="*/ 1012885 w 6264586"/>
+                <a:gd name="connsiteY49" fmla="*/ 5849767 h 6858001"/>
+                <a:gd name="connsiteX50" fmla="*/ 1133053 w 6264586"/>
+                <a:gd name="connsiteY50" fmla="*/ 6006822 h 6858001"/>
+                <a:gd name="connsiteX51" fmla="*/ 1194343 w 6264586"/>
+                <a:gd name="connsiteY51" fmla="*/ 6090245 h 6858001"/>
+                <a:gd name="connsiteX52" fmla="*/ 1249390 w 6264586"/>
+                <a:gd name="connsiteY52" fmla="*/ 6165155 h 6858001"/>
+                <a:gd name="connsiteX53" fmla="*/ 1345724 w 6264586"/>
+                <a:gd name="connsiteY53" fmla="*/ 6292132 h 6858001"/>
+                <a:gd name="connsiteX54" fmla="*/ 1364310 w 6264586"/>
+                <a:gd name="connsiteY54" fmla="*/ 6316251 h 6858001"/>
+                <a:gd name="connsiteX55" fmla="*/ 1373673 w 6264586"/>
+                <a:gd name="connsiteY55" fmla="*/ 6327885 h 6858001"/>
+                <a:gd name="connsiteX56" fmla="*/ 1484619 w 6264586"/>
+                <a:gd name="connsiteY56" fmla="*/ 6462240 h 6858001"/>
+                <a:gd name="connsiteX57" fmla="*/ 1739000 w 6264586"/>
+                <a:gd name="connsiteY57" fmla="*/ 6737335 h 6858001"/>
+                <a:gd name="connsiteX58" fmla="*/ 1866801 w 6264586"/>
+                <a:gd name="connsiteY58" fmla="*/ 6858001 h 6858001"/>
+                <a:gd name="connsiteX59" fmla="*/ 1144149 w 6264586"/>
+                <a:gd name="connsiteY59" fmla="*/ 6858001 h 6858001"/>
+                <a:gd name="connsiteX60" fmla="*/ 1058349 w 6264586"/>
+                <a:gd name="connsiteY60" fmla="*/ 6766452 h 6858001"/>
+                <a:gd name="connsiteX61" fmla="*/ 580309 w 6264586"/>
+                <a:gd name="connsiteY61" fmla="*/ 6105000 h 6858001"/>
+                <a:gd name="connsiteX62" fmla="*/ 1 w 6264586"/>
+                <a:gd name="connsiteY62" fmla="*/ 3960094 h 6858001"/>
+                <a:gd name="connsiteX63" fmla="*/ 2599292 w 6264586"/>
+                <a:gd name="connsiteY63" fmla="*/ 37050 h 6858001"/>
+              </a:gdLst>
+              <a:ahLst/>
+              <a:cxnLst>
+                <a:cxn ang="0">
+                  <a:pos x="connsiteX0" y="connsiteY0"/>
+                </a:cxn>
+                <a:cxn ang="0">
+                  <a:pos x="connsiteX1" y="connsiteY1"/>
+                </a:cxn>
+                <a:cxn ang="0">
+                  <a:pos x="connsiteX2" y="connsiteY2"/>
+                </a:cxn>
+                <a:cxn ang="0">
+                  <a:pos x="connsiteX3" y="connsiteY3"/>
+                </a:cxn>
+                <a:cxn ang="0">
+                  <a:pos x="connsiteX4" y="connsiteY4"/>
+                </a:cxn>
+                <a:cxn ang="0">
+                  <a:pos x="connsiteX5" y="connsiteY5"/>
+                </a:cxn>
+                <a:cxn ang="0">
+                  <a:pos x="connsiteX6" y="connsiteY6"/>
+                </a:cxn>
+                <a:cxn ang="0">
+                  <a:pos x="connsiteX7" y="connsiteY7"/>
+                </a:cxn>
+                <a:cxn ang="0">
+                  <a:pos x="connsiteX8" y="connsiteY8"/>
+                </a:cxn>
+                <a:cxn ang="0">
+                  <a:pos x="connsiteX9" y="connsiteY9"/>
+                </a:cxn>
+                <a:cxn ang="0">
+                  <a:pos x="connsiteX10" y="connsiteY10"/>
+                </a:cxn>
+                <a:cxn ang="0">
+                  <a:pos x="connsiteX11" y="connsiteY11"/>
+                </a:cxn>
+                <a:cxn ang="0">
+                  <a:pos x="connsiteX12" y="connsiteY12"/>
+                </a:cxn>
+                <a:cxn ang="0">
+                  <a:pos x="connsiteX13" y="connsiteY13"/>
+                </a:cxn>
+                <a:cxn ang="0">
+                  <a:pos x="connsiteX14" y="connsiteY14"/>
+                </a:cxn>
+                <a:cxn ang="0">
+                  <a:pos x="connsiteX15" y="connsiteY15"/>
+                </a:cxn>
+                <a:cxn ang="0">
+                  <a:pos x="connsiteX16" y="connsiteY16"/>
+                </a:cxn>
+                <a:cxn ang="0">
+                  <a:pos x="connsiteX17" y="connsiteY17"/>
+                </a:cxn>
+                <a:cxn ang="0">
+                  <a:pos x="connsiteX18" y="connsiteY18"/>
+                </a:cxn>
+                <a:cxn ang="0">
+                  <a:pos x="connsiteX19" y="connsiteY19"/>
+                </a:cxn>
+                <a:cxn ang="0">
+                  <a:pos x="connsiteX20" y="connsiteY20"/>
+                </a:cxn>
+                <a:cxn ang="0">
+                  <a:pos x="connsiteX21" y="connsiteY21"/>
+                </a:cxn>
+                <a:cxn ang="0">
+                  <a:pos x="connsiteX22" y="connsiteY22"/>
+                </a:cxn>
+                <a:cxn ang="0">
+                  <a:pos x="connsiteX23" y="connsiteY23"/>
+                </a:cxn>
+                <a:cxn ang="0">
+                  <a:pos x="connsiteX24" y="connsiteY24"/>
+                </a:cxn>
+                <a:cxn ang="0">
+                  <a:pos x="connsiteX25" y="connsiteY25"/>
+                </a:cxn>
+                <a:cxn ang="0">
+                  <a:pos x="connsiteX26" y="connsiteY26"/>
+                </a:cxn>
+                <a:cxn ang="0">
+                  <a:pos x="connsiteX27" y="connsiteY27"/>
+                </a:cxn>
+                <a:cxn ang="0">
+                  <a:pos x="connsiteX28" y="connsiteY28"/>
+                </a:cxn>
+                <a:cxn ang="0">
+                  <a:pos x="connsiteX29" y="connsiteY29"/>
+                </a:cxn>
+                <a:cxn ang="0">
+                  <a:pos x="connsiteX30" y="connsiteY30"/>
+                </a:cxn>
+                <a:cxn ang="0">
+                  <a:pos x="connsiteX31" y="connsiteY31"/>
+                </a:cxn>
+                <a:cxn ang="0">
+                  <a:pos x="connsiteX32" y="connsiteY32"/>
+                </a:cxn>
+                <a:cxn ang="0">
+                  <a:pos x="connsiteX33" y="connsiteY33"/>
+                </a:cxn>
+                <a:cxn ang="0">
+                  <a:pos x="connsiteX34" y="connsiteY34"/>
+                </a:cxn>
+                <a:cxn ang="0">
+                  <a:pos x="connsiteX35" y="connsiteY35"/>
+                </a:cxn>
+                <a:cxn ang="0">
+                  <a:pos x="connsiteX36" y="connsiteY36"/>
+                </a:cxn>
+                <a:cxn ang="0">
+                  <a:pos x="connsiteX37" y="connsiteY37"/>
+                </a:cxn>
+                <a:cxn ang="0">
+                  <a:pos x="connsiteX38" y="connsiteY38"/>
+                </a:cxn>
+                <a:cxn ang="0">
+                  <a:pos x="connsiteX39" y="connsiteY39"/>
+                </a:cxn>
+                <a:cxn ang="0">
+                  <a:pos x="connsiteX40" y="connsiteY40"/>
+                </a:cxn>
+                <a:cxn ang="0">
+                  <a:pos x="connsiteX41" y="connsiteY41"/>
+                </a:cxn>
+                <a:cxn ang="0">
+                  <a:pos x="connsiteX42" y="connsiteY42"/>
+                </a:cxn>
+                <a:cxn ang="0">
+                  <a:pos x="connsiteX43" y="connsiteY43"/>
+                </a:cxn>
+                <a:cxn ang="0">
+                  <a:pos x="connsiteX44" y="connsiteY44"/>
+                </a:cxn>
+                <a:cxn ang="0">
+                  <a:pos x="connsiteX45" y="connsiteY45"/>
+                </a:cxn>
+                <a:cxn ang="0">
+                  <a:pos x="connsiteX46" y="connsiteY46"/>
+                </a:cxn>
+                <a:cxn ang="0">
+                  <a:pos x="connsiteX47" y="connsiteY47"/>
+                </a:cxn>
+                <a:cxn ang="0">
+                  <a:pos x="connsiteX48" y="connsiteY48"/>
+                </a:cxn>
+                <a:cxn ang="0">
+                  <a:pos x="connsiteX49" y="connsiteY49"/>
+                </a:cxn>
+                <a:cxn ang="0">
+                  <a:pos x="connsiteX50" y="connsiteY50"/>
+                </a:cxn>
+                <a:cxn ang="0">
+                  <a:pos x="connsiteX51" y="connsiteY51"/>
+                </a:cxn>
+                <a:cxn ang="0">
+                  <a:pos x="connsiteX52" y="connsiteY52"/>
+                </a:cxn>
+                <a:cxn ang="0">
+                  <a:pos x="connsiteX53" y="connsiteY53"/>
+                </a:cxn>
+                <a:cxn ang="0">
+                  <a:pos x="connsiteX54" y="connsiteY54"/>
+                </a:cxn>
+                <a:cxn ang="0">
+                  <a:pos x="connsiteX55" y="connsiteY55"/>
+                </a:cxn>
+                <a:cxn ang="0">
+                  <a:pos x="connsiteX56" y="connsiteY56"/>
+                </a:cxn>
+                <a:cxn ang="0">
+                  <a:pos x="connsiteX57" y="connsiteY57"/>
+                </a:cxn>
+                <a:cxn ang="0">
+                  <a:pos x="connsiteX58" y="connsiteY58"/>
+                </a:cxn>
+                <a:cxn ang="0">
+                  <a:pos x="connsiteX59" y="connsiteY59"/>
+                </a:cxn>
+                <a:cxn ang="0">
+                  <a:pos x="connsiteX60" y="connsiteY60"/>
+                </a:cxn>
+                <a:cxn ang="0">
+                  <a:pos x="connsiteX61" y="connsiteY61"/>
+                </a:cxn>
+                <a:cxn ang="0">
+                  <a:pos x="connsiteX62" y="connsiteY62"/>
+                </a:cxn>
+                <a:cxn ang="0">
+                  <a:pos x="connsiteX63" y="connsiteY63"/>
+                </a:cxn>
+              </a:cxnLst>
+              <a:rect l="l" t="t" r="r" b="b"/>
+              <a:pathLst>
+                <a:path w="6264586" h="6858001">
+                  <a:moveTo>
+                    <a:pt x="6264586" y="6646464"/>
+                  </a:moveTo>
+                  <a:lnTo>
+                    <a:pt x="6264586" y="6858001"/>
+                  </a:lnTo>
+                  <a:lnTo>
+                    <a:pt x="5997170" y="6858001"/>
+                  </a:lnTo>
+                  <a:lnTo>
+                    <a:pt x="6121512" y="6761029"/>
+                  </a:lnTo>
+                  <a:close/>
+                  <a:moveTo>
+                    <a:pt x="2693206" y="0"/>
+                  </a:moveTo>
+                  <a:lnTo>
+                    <a:pt x="5872285" y="0"/>
+                  </a:lnTo>
+                  <a:lnTo>
+                    <a:pt x="6024875" y="68385"/>
+                  </a:lnTo>
+                  <a:cubicBezTo>
+                    <a:pt x="6086250" y="97989"/>
+                    <a:pt x="6146793" y="129318"/>
+                    <a:pt x="6206432" y="162336"/>
+                  </a:cubicBezTo>
+                  <a:lnTo>
+                    <a:pt x="6264586" y="196704"/>
+                  </a:lnTo>
+                  <a:lnTo>
+                    <a:pt x="6264586" y="537242"/>
+                  </a:lnTo>
+                  <a:lnTo>
+                    <a:pt x="6230189" y="517260"/>
+                  </a:lnTo>
+                  <a:cubicBezTo>
+                    <a:pt x="6012226" y="399931"/>
+                    <a:pt x="5780573" y="310008"/>
+                    <a:pt x="5540536" y="249543"/>
+                  </a:cubicBezTo>
+                  <a:cubicBezTo>
+                    <a:pt x="5421375" y="219324"/>
+                    <a:pt x="5300641" y="195644"/>
+                    <a:pt x="5178896" y="178606"/>
+                  </a:cubicBezTo>
+                  <a:cubicBezTo>
+                    <a:pt x="5057977" y="161840"/>
+                    <a:pt x="4936276" y="151186"/>
+                    <a:pt x="4814279" y="146683"/>
+                  </a:cubicBezTo>
+                  <a:cubicBezTo>
+                    <a:pt x="4761501" y="144556"/>
+                    <a:pt x="4708015" y="143421"/>
+                    <a:pt x="4655095" y="143421"/>
+                  </a:cubicBezTo>
+                  <a:cubicBezTo>
+                    <a:pt x="4462968" y="143573"/>
+                    <a:pt x="4271111" y="157799"/>
+                    <a:pt x="4081069" y="185983"/>
+                  </a:cubicBezTo>
+                  <a:cubicBezTo>
+                    <a:pt x="3956361" y="205703"/>
+                    <a:pt x="3835058" y="229396"/>
+                    <a:pt x="3720566" y="256921"/>
+                  </a:cubicBezTo>
+                  <a:cubicBezTo>
+                    <a:pt x="3596708" y="286714"/>
+                    <a:pt x="3477677" y="320905"/>
+                    <a:pt x="3365879" y="357651"/>
+                  </a:cubicBezTo>
+                  <a:cubicBezTo>
+                    <a:pt x="3249257" y="395958"/>
+                    <a:pt x="3133487" y="438945"/>
+                    <a:pt x="3020555" y="486190"/>
+                  </a:cubicBezTo>
+                  <a:cubicBezTo>
+                    <a:pt x="2907623" y="533434"/>
+                    <a:pt x="2794832" y="585786"/>
+                    <a:pt x="2685163" y="641542"/>
+                  </a:cubicBezTo>
+                  <a:cubicBezTo>
+                    <a:pt x="2463995" y="754348"/>
+                    <a:pt x="2250998" y="882488"/>
+                    <a:pt x="2047720" y="1025030"/>
+                  </a:cubicBezTo>
+                  <a:cubicBezTo>
+                    <a:pt x="2006151" y="1054399"/>
+                    <a:pt x="1951528" y="1093415"/>
+                    <a:pt x="1897333" y="1134983"/>
+                  </a:cubicBezTo>
+                  <a:cubicBezTo>
+                    <a:pt x="1876761" y="1150164"/>
+                    <a:pt x="1855905" y="1166479"/>
+                    <a:pt x="1835758" y="1182227"/>
+                  </a:cubicBezTo>
+                  <a:lnTo>
+                    <a:pt x="1823273" y="1192016"/>
+                  </a:lnTo>
+                  <a:cubicBezTo>
+                    <a:pt x="1797027" y="1211879"/>
+                    <a:pt x="1772057" y="1232309"/>
+                    <a:pt x="1750918" y="1249760"/>
+                  </a:cubicBezTo>
+                  <a:cubicBezTo>
+                    <a:pt x="1645931" y="1335737"/>
+                    <a:pt x="1554422" y="1416605"/>
+                    <a:pt x="1469297" y="1496906"/>
+                  </a:cubicBezTo>
+                  <a:cubicBezTo>
+                    <a:pt x="1286595" y="1668957"/>
+                    <a:pt x="1118818" y="1856190"/>
+                    <a:pt x="967769" y="2056602"/>
+                  </a:cubicBezTo>
+                  <a:cubicBezTo>
+                    <a:pt x="890731" y="2159603"/>
+                    <a:pt x="818800" y="2264590"/>
+                    <a:pt x="754105" y="2368727"/>
+                  </a:cubicBezTo>
+                  <a:cubicBezTo>
+                    <a:pt x="681749" y="2488328"/>
+                    <a:pt x="622304" y="2596720"/>
+                    <a:pt x="572364" y="2701140"/>
+                  </a:cubicBezTo>
+                  <a:cubicBezTo>
+                    <a:pt x="557609" y="2730507"/>
+                    <a:pt x="543989" y="2760443"/>
+                    <a:pt x="532497" y="2786265"/>
+                  </a:cubicBezTo>
+                  <a:lnTo>
+                    <a:pt x="512918" y="2828827"/>
+                  </a:lnTo>
+                  <a:lnTo>
+                    <a:pt x="494475" y="2872240"/>
+                  </a:lnTo>
+                  <a:lnTo>
+                    <a:pt x="491637" y="2878908"/>
+                  </a:lnTo>
+                  <a:cubicBezTo>
+                    <a:pt x="480146" y="2906575"/>
+                    <a:pt x="469220" y="2932821"/>
+                    <a:pt x="459290" y="2959635"/>
+                  </a:cubicBezTo>
+                  <a:cubicBezTo>
+                    <a:pt x="455176" y="2970559"/>
+                    <a:pt x="451060" y="2981484"/>
+                    <a:pt x="446805" y="2992408"/>
+                  </a:cubicBezTo>
+                  <a:cubicBezTo>
+                    <a:pt x="439427" y="3012412"/>
+                    <a:pt x="432333" y="3030572"/>
+                    <a:pt x="426090" y="3049158"/>
+                  </a:cubicBezTo>
+                  <a:lnTo>
+                    <a:pt x="426090" y="3049867"/>
+                  </a:lnTo>
+                  <a:cubicBezTo>
+                    <a:pt x="383010" y="3169099"/>
+                    <a:pt x="346959" y="3290756"/>
+                    <a:pt x="318124" y="3414202"/>
+                  </a:cubicBezTo>
+                  <a:cubicBezTo>
+                    <a:pt x="260107" y="3661703"/>
+                    <a:pt x="230780" y="3915049"/>
+                    <a:pt x="230729" y="4169260"/>
+                  </a:cubicBezTo>
+                  <a:cubicBezTo>
+                    <a:pt x="231621" y="4295173"/>
+                    <a:pt x="244398" y="4420719"/>
+                    <a:pt x="268893" y="4544236"/>
+                  </a:cubicBezTo>
+                  <a:cubicBezTo>
+                    <a:pt x="293708" y="4666304"/>
+                    <a:pt x="330882" y="4785521"/>
+                    <a:pt x="379840" y="4900056"/>
+                  </a:cubicBezTo>
+                  <a:cubicBezTo>
+                    <a:pt x="387926" y="4919919"/>
+                    <a:pt x="397006" y="4939498"/>
+                    <a:pt x="406512" y="4960211"/>
+                  </a:cubicBezTo>
+                  <a:cubicBezTo>
+                    <a:pt x="410343" y="4968299"/>
+                    <a:pt x="414173" y="4976385"/>
+                    <a:pt x="417862" y="4984613"/>
+                  </a:cubicBezTo>
+                  <a:lnTo>
+                    <a:pt x="428077" y="5005043"/>
+                  </a:lnTo>
+                  <a:cubicBezTo>
+                    <a:pt x="438860" y="5026751"/>
+                    <a:pt x="449075" y="5047181"/>
+                    <a:pt x="460140" y="5067327"/>
+                  </a:cubicBezTo>
+                  <a:cubicBezTo>
+                    <a:pt x="485536" y="5116273"/>
+                    <a:pt x="514763" y="5165789"/>
+                    <a:pt x="555197" y="5229773"/>
+                  </a:cubicBezTo>
+                  <a:cubicBezTo>
+                    <a:pt x="586836" y="5280282"/>
+                    <a:pt x="620318" y="5329511"/>
+                    <a:pt x="660611" y="5387396"/>
+                  </a:cubicBezTo>
+                  <a:cubicBezTo>
+                    <a:pt x="698065" y="5440741"/>
+                    <a:pt x="737223" y="5493094"/>
+                    <a:pt x="774110" y="5542182"/>
+                  </a:cubicBezTo>
+                  <a:cubicBezTo>
+                    <a:pt x="821070" y="5604324"/>
+                    <a:pt x="870301" y="5667173"/>
+                    <a:pt x="917829" y="5727896"/>
+                  </a:cubicBezTo>
+                  <a:cubicBezTo>
+                    <a:pt x="949042" y="5767762"/>
+                    <a:pt x="979828" y="5807063"/>
+                    <a:pt x="1012885" y="5849767"/>
+                  </a:cubicBezTo>
+                  <a:cubicBezTo>
+                    <a:pt x="1045942" y="5892471"/>
+                    <a:pt x="1089497" y="5948796"/>
+                    <a:pt x="1133053" y="6006822"/>
+                  </a:cubicBezTo>
+                  <a:cubicBezTo>
+                    <a:pt x="1153624" y="6034345"/>
+                    <a:pt x="1175332" y="6063998"/>
+                    <a:pt x="1194343" y="6090245"/>
+                  </a:cubicBezTo>
+                  <a:cubicBezTo>
+                    <a:pt x="1213355" y="6116491"/>
+                    <a:pt x="1231372" y="6141178"/>
+                    <a:pt x="1249390" y="6165155"/>
+                  </a:cubicBezTo>
+                  <a:cubicBezTo>
+                    <a:pt x="1280461" y="6208000"/>
+                    <a:pt x="1313659" y="6250847"/>
+                    <a:pt x="1345724" y="6292132"/>
+                  </a:cubicBezTo>
+                  <a:lnTo>
+                    <a:pt x="1364310" y="6316251"/>
+                  </a:lnTo>
+                  <a:lnTo>
+                    <a:pt x="1373673" y="6327885"/>
+                  </a:lnTo>
+                  <a:cubicBezTo>
+                    <a:pt x="1409566" y="6372433"/>
+                    <a:pt x="1446738" y="6418542"/>
+                    <a:pt x="1484619" y="6462240"/>
+                  </a:cubicBezTo>
+                  <a:cubicBezTo>
+                    <a:pt x="1567899" y="6559850"/>
+                    <a:pt x="1653876" y="6652211"/>
+                    <a:pt x="1739000" y="6737335"/>
+                  </a:cubicBezTo>
+                  <a:lnTo>
+                    <a:pt x="1866801" y="6858001"/>
+                  </a:lnTo>
+                  <a:lnTo>
+                    <a:pt x="1144149" y="6858001"/>
+                  </a:lnTo>
+                  <a:lnTo>
+                    <a:pt x="1058349" y="6766452"/>
+                  </a:lnTo>
+                  <a:cubicBezTo>
+                    <a:pt x="878978" y="6562465"/>
+                    <a:pt x="718756" y="6341104"/>
+                    <a:pt x="580309" y="6105000"/>
+                  </a:cubicBezTo>
+                  <a:cubicBezTo>
+                    <a:pt x="200401" y="5454007"/>
+                    <a:pt x="146" y="4713831"/>
+                    <a:pt x="1" y="3960094"/>
+                  </a:cubicBezTo>
+                  <a:cubicBezTo>
+                    <a:pt x="-335" y="2196754"/>
+                    <a:pt x="1071479" y="683605"/>
+                    <a:pt x="2599292" y="37050"/>
+                  </a:cubicBezTo>
+                  <a:close/>
+                </a:path>
+              </a:pathLst>
+            </a:custGeom>
+            <a:gradFill>
+              <a:gsLst>
+                <a:gs pos="2000">
+                  <a:schemeClr val="bg1">
+                    <a:alpha val="10000"/>
+                  </a:schemeClr>
+                </a:gs>
+                <a:gs pos="16000">
+                  <a:schemeClr val="accent6">
+                    <a:alpha val="10000"/>
+                  </a:schemeClr>
+                </a:gs>
+                <a:gs pos="100000">
+                  <a:schemeClr val="bg1">
+                    <a:alpha val="10000"/>
+                  </a:schemeClr>
+                </a:gs>
+                <a:gs pos="85000">
+                  <a:schemeClr val="accent1">
+                    <a:alpha val="10000"/>
+                  </a:schemeClr>
+                </a:gs>
+              </a:gsLst>
+              <a:lin ang="12000000" scaled="0"/>
+            </a:gradFill>
+            <a:ln>
+              <a:noFill/>
+            </a:ln>
+          </p:spPr>
+          <p:style>
+            <a:lnRef idx="2">
+              <a:schemeClr val="accent1">
+                <a:shade val="50000"/>
+              </a:schemeClr>
+            </a:lnRef>
+            <a:fillRef idx="1">
+              <a:schemeClr val="accent1"/>
+            </a:fillRef>
+            <a:effectRef idx="0">
+              <a:schemeClr val="accent1"/>
+            </a:effectRef>
+            <a:fontRef idx="minor">
+              <a:schemeClr val="lt1"/>
+            </a:fontRef>
+          </p:style>
+          <p:txBody>
+            <a:bodyPr rtlCol="0" anchor="ctr"/>
+            <a:lstStyle/>
+            <a:p>
+              <a:pPr algn="ctr"/>
+              <a:endParaRPr lang="en-US" dirty="0"/>
+            </a:p>
+          </p:txBody>
+        </p:sp>
+        <p:sp>
+          <p:nvSpPr>
+            <p:cNvPr id="25" name="Freeform: Shape 24">
+              <a:extLst>
+                <a:ext uri="{FF2B5EF4-FFF2-40B4-BE49-F238E27FC236}">
+                  <a16:creationId xmlns:a16="http://schemas.microsoft.com/office/drawing/2014/main" id="{C093DC50-3BD7-46B1-A300-CD207E152FF4}"/>
+                </a:ext>
+                <a:ext uri="{C183D7F6-B498-43B3-948B-1728B52AA6E4}">
+                  <adec:decorative xmlns:adec="http://schemas.microsoft.com/office/drawing/2017/decorative" val="1"/>
+                </a:ext>
+              </a:extLst>
+            </p:cNvPr>
+            <p:cNvSpPr/>
+            <p:nvPr>
+              <p:extLst>
+                <p:ext uri="{386F3935-93C4-4BCD-93E2-E3B085C9AB24}">
+                  <p16:designElem xmlns:p16="http://schemas.microsoft.com/office/powerpoint/2015/main" val="1"/>
+                </p:ext>
+              </p:extLst>
+            </p:nvPr>
+          </p:nvSpPr>
+          <p:spPr>
+            <a:xfrm flipH="1">
+              <a:off x="305" y="-5977"/>
+              <a:ext cx="6238675" cy="6858001"/>
+            </a:xfrm>
+            <a:custGeom>
+              <a:avLst/>
+              <a:gdLst>
+                <a:gd name="connsiteX0" fmla="*/ 6264586 w 6264586"/>
+                <a:gd name="connsiteY0" fmla="*/ 6646464 h 6858001"/>
+                <a:gd name="connsiteX1" fmla="*/ 6264586 w 6264586"/>
+                <a:gd name="connsiteY1" fmla="*/ 6858001 h 6858001"/>
+                <a:gd name="connsiteX2" fmla="*/ 5997170 w 6264586"/>
+                <a:gd name="connsiteY2" fmla="*/ 6858001 h 6858001"/>
+                <a:gd name="connsiteX3" fmla="*/ 6121512 w 6264586"/>
+                <a:gd name="connsiteY3" fmla="*/ 6761029 h 6858001"/>
+                <a:gd name="connsiteX4" fmla="*/ 2693206 w 6264586"/>
+                <a:gd name="connsiteY4" fmla="*/ 0 h 6858001"/>
+                <a:gd name="connsiteX5" fmla="*/ 5872285 w 6264586"/>
+                <a:gd name="connsiteY5" fmla="*/ 0 h 6858001"/>
+                <a:gd name="connsiteX6" fmla="*/ 6024875 w 6264586"/>
+                <a:gd name="connsiteY6" fmla="*/ 68385 h 6858001"/>
+                <a:gd name="connsiteX7" fmla="*/ 6206432 w 6264586"/>
+                <a:gd name="connsiteY7" fmla="*/ 162336 h 6858001"/>
+                <a:gd name="connsiteX8" fmla="*/ 6264586 w 6264586"/>
+                <a:gd name="connsiteY8" fmla="*/ 196704 h 6858001"/>
+                <a:gd name="connsiteX9" fmla="*/ 6264586 w 6264586"/>
+                <a:gd name="connsiteY9" fmla="*/ 537242 h 6858001"/>
+                <a:gd name="connsiteX10" fmla="*/ 6230189 w 6264586"/>
+                <a:gd name="connsiteY10" fmla="*/ 517260 h 6858001"/>
+                <a:gd name="connsiteX11" fmla="*/ 5540536 w 6264586"/>
+                <a:gd name="connsiteY11" fmla="*/ 249543 h 6858001"/>
+                <a:gd name="connsiteX12" fmla="*/ 5178896 w 6264586"/>
+                <a:gd name="connsiteY12" fmla="*/ 178606 h 6858001"/>
+                <a:gd name="connsiteX13" fmla="*/ 4814279 w 6264586"/>
+                <a:gd name="connsiteY13" fmla="*/ 146683 h 6858001"/>
+                <a:gd name="connsiteX14" fmla="*/ 4655095 w 6264586"/>
+                <a:gd name="connsiteY14" fmla="*/ 143421 h 6858001"/>
+                <a:gd name="connsiteX15" fmla="*/ 4081069 w 6264586"/>
+                <a:gd name="connsiteY15" fmla="*/ 185983 h 6858001"/>
+                <a:gd name="connsiteX16" fmla="*/ 3720566 w 6264586"/>
+                <a:gd name="connsiteY16" fmla="*/ 256921 h 6858001"/>
+                <a:gd name="connsiteX17" fmla="*/ 3365879 w 6264586"/>
+                <a:gd name="connsiteY17" fmla="*/ 357651 h 6858001"/>
+                <a:gd name="connsiteX18" fmla="*/ 3020555 w 6264586"/>
+                <a:gd name="connsiteY18" fmla="*/ 486190 h 6858001"/>
+                <a:gd name="connsiteX19" fmla="*/ 2685163 w 6264586"/>
+                <a:gd name="connsiteY19" fmla="*/ 641542 h 6858001"/>
+                <a:gd name="connsiteX20" fmla="*/ 2047720 w 6264586"/>
+                <a:gd name="connsiteY20" fmla="*/ 1025030 h 6858001"/>
+                <a:gd name="connsiteX21" fmla="*/ 1897333 w 6264586"/>
+                <a:gd name="connsiteY21" fmla="*/ 1134983 h 6858001"/>
+                <a:gd name="connsiteX22" fmla="*/ 1835758 w 6264586"/>
+                <a:gd name="connsiteY22" fmla="*/ 1182227 h 6858001"/>
+                <a:gd name="connsiteX23" fmla="*/ 1823273 w 6264586"/>
+                <a:gd name="connsiteY23" fmla="*/ 1192016 h 6858001"/>
+                <a:gd name="connsiteX24" fmla="*/ 1750918 w 6264586"/>
+                <a:gd name="connsiteY24" fmla="*/ 1249760 h 6858001"/>
+                <a:gd name="connsiteX25" fmla="*/ 1469297 w 6264586"/>
+                <a:gd name="connsiteY25" fmla="*/ 1496906 h 6858001"/>
+                <a:gd name="connsiteX26" fmla="*/ 967769 w 6264586"/>
+                <a:gd name="connsiteY26" fmla="*/ 2056602 h 6858001"/>
+                <a:gd name="connsiteX27" fmla="*/ 754105 w 6264586"/>
+                <a:gd name="connsiteY27" fmla="*/ 2368727 h 6858001"/>
+                <a:gd name="connsiteX28" fmla="*/ 572364 w 6264586"/>
+                <a:gd name="connsiteY28" fmla="*/ 2701140 h 6858001"/>
+                <a:gd name="connsiteX29" fmla="*/ 532497 w 6264586"/>
+                <a:gd name="connsiteY29" fmla="*/ 2786265 h 6858001"/>
+                <a:gd name="connsiteX30" fmla="*/ 512918 w 6264586"/>
+                <a:gd name="connsiteY30" fmla="*/ 2828827 h 6858001"/>
+                <a:gd name="connsiteX31" fmla="*/ 494475 w 6264586"/>
+                <a:gd name="connsiteY31" fmla="*/ 2872240 h 6858001"/>
+                <a:gd name="connsiteX32" fmla="*/ 491637 w 6264586"/>
+                <a:gd name="connsiteY32" fmla="*/ 2878908 h 6858001"/>
+                <a:gd name="connsiteX33" fmla="*/ 459290 w 6264586"/>
+                <a:gd name="connsiteY33" fmla="*/ 2959635 h 6858001"/>
+                <a:gd name="connsiteX34" fmla="*/ 446805 w 6264586"/>
+                <a:gd name="connsiteY34" fmla="*/ 2992408 h 6858001"/>
+                <a:gd name="connsiteX35" fmla="*/ 426090 w 6264586"/>
+                <a:gd name="connsiteY35" fmla="*/ 3049158 h 6858001"/>
+                <a:gd name="connsiteX36" fmla="*/ 426090 w 6264586"/>
+                <a:gd name="connsiteY36" fmla="*/ 3049867 h 6858001"/>
+                <a:gd name="connsiteX37" fmla="*/ 318124 w 6264586"/>
+                <a:gd name="connsiteY37" fmla="*/ 3414202 h 6858001"/>
+                <a:gd name="connsiteX38" fmla="*/ 230729 w 6264586"/>
+                <a:gd name="connsiteY38" fmla="*/ 4169260 h 6858001"/>
+                <a:gd name="connsiteX39" fmla="*/ 268893 w 6264586"/>
+                <a:gd name="connsiteY39" fmla="*/ 4544236 h 6858001"/>
+                <a:gd name="connsiteX40" fmla="*/ 379840 w 6264586"/>
+                <a:gd name="connsiteY40" fmla="*/ 4900056 h 6858001"/>
+                <a:gd name="connsiteX41" fmla="*/ 406512 w 6264586"/>
+                <a:gd name="connsiteY41" fmla="*/ 4960211 h 6858001"/>
+                <a:gd name="connsiteX42" fmla="*/ 417862 w 6264586"/>
+                <a:gd name="connsiteY42" fmla="*/ 4984613 h 6858001"/>
+                <a:gd name="connsiteX43" fmla="*/ 428077 w 6264586"/>
+                <a:gd name="connsiteY43" fmla="*/ 5005043 h 6858001"/>
+                <a:gd name="connsiteX44" fmla="*/ 460140 w 6264586"/>
+                <a:gd name="connsiteY44" fmla="*/ 5067327 h 6858001"/>
+                <a:gd name="connsiteX45" fmla="*/ 555197 w 6264586"/>
+                <a:gd name="connsiteY45" fmla="*/ 5229773 h 6858001"/>
+                <a:gd name="connsiteX46" fmla="*/ 660611 w 6264586"/>
+                <a:gd name="connsiteY46" fmla="*/ 5387396 h 6858001"/>
+                <a:gd name="connsiteX47" fmla="*/ 774110 w 6264586"/>
+                <a:gd name="connsiteY47" fmla="*/ 5542182 h 6858001"/>
+                <a:gd name="connsiteX48" fmla="*/ 917829 w 6264586"/>
+                <a:gd name="connsiteY48" fmla="*/ 5727896 h 6858001"/>
+                <a:gd name="connsiteX49" fmla="*/ 1012885 w 6264586"/>
+                <a:gd name="connsiteY49" fmla="*/ 5849767 h 6858001"/>
+                <a:gd name="connsiteX50" fmla="*/ 1133053 w 6264586"/>
+                <a:gd name="connsiteY50" fmla="*/ 6006822 h 6858001"/>
+                <a:gd name="connsiteX51" fmla="*/ 1194343 w 6264586"/>
+                <a:gd name="connsiteY51" fmla="*/ 6090245 h 6858001"/>
+                <a:gd name="connsiteX52" fmla="*/ 1249390 w 6264586"/>
+                <a:gd name="connsiteY52" fmla="*/ 6165155 h 6858001"/>
+                <a:gd name="connsiteX53" fmla="*/ 1345724 w 6264586"/>
+                <a:gd name="connsiteY53" fmla="*/ 6292132 h 6858001"/>
+                <a:gd name="connsiteX54" fmla="*/ 1364310 w 6264586"/>
+                <a:gd name="connsiteY54" fmla="*/ 6316251 h 6858001"/>
+                <a:gd name="connsiteX55" fmla="*/ 1373673 w 6264586"/>
+                <a:gd name="connsiteY55" fmla="*/ 6327885 h 6858001"/>
+                <a:gd name="connsiteX56" fmla="*/ 1484619 w 6264586"/>
+                <a:gd name="connsiteY56" fmla="*/ 6462240 h 6858001"/>
+                <a:gd name="connsiteX57" fmla="*/ 1739000 w 6264586"/>
+                <a:gd name="connsiteY57" fmla="*/ 6737335 h 6858001"/>
+                <a:gd name="connsiteX58" fmla="*/ 1866801 w 6264586"/>
+                <a:gd name="connsiteY58" fmla="*/ 6858001 h 6858001"/>
+                <a:gd name="connsiteX59" fmla="*/ 1144149 w 6264586"/>
+                <a:gd name="connsiteY59" fmla="*/ 6858001 h 6858001"/>
+                <a:gd name="connsiteX60" fmla="*/ 1058349 w 6264586"/>
+                <a:gd name="connsiteY60" fmla="*/ 6766452 h 6858001"/>
+                <a:gd name="connsiteX61" fmla="*/ 580309 w 6264586"/>
+                <a:gd name="connsiteY61" fmla="*/ 6105000 h 6858001"/>
+                <a:gd name="connsiteX62" fmla="*/ 1 w 6264586"/>
+                <a:gd name="connsiteY62" fmla="*/ 3960094 h 6858001"/>
+                <a:gd name="connsiteX63" fmla="*/ 2599292 w 6264586"/>
+                <a:gd name="connsiteY63" fmla="*/ 37050 h 6858001"/>
+              </a:gdLst>
+              <a:ahLst/>
+              <a:cxnLst>
+                <a:cxn ang="0">
+                  <a:pos x="connsiteX0" y="connsiteY0"/>
+                </a:cxn>
+                <a:cxn ang="0">
+                  <a:pos x="connsiteX1" y="connsiteY1"/>
+                </a:cxn>
+                <a:cxn ang="0">
+                  <a:pos x="connsiteX2" y="connsiteY2"/>
+                </a:cxn>
+                <a:cxn ang="0">
+                  <a:pos x="connsiteX3" y="connsiteY3"/>
+                </a:cxn>
+                <a:cxn ang="0">
+                  <a:pos x="connsiteX4" y="connsiteY4"/>
+                </a:cxn>
+                <a:cxn ang="0">
+                  <a:pos x="connsiteX5" y="connsiteY5"/>
+                </a:cxn>
+                <a:cxn ang="0">
+                  <a:pos x="connsiteX6" y="connsiteY6"/>
+                </a:cxn>
+                <a:cxn ang="0">
+                  <a:pos x="connsiteX7" y="connsiteY7"/>
+                </a:cxn>
+                <a:cxn ang="0">
+                  <a:pos x="connsiteX8" y="connsiteY8"/>
+                </a:cxn>
+                <a:cxn ang="0">
+                  <a:pos x="connsiteX9" y="connsiteY9"/>
+                </a:cxn>
+                <a:cxn ang="0">
+                  <a:pos x="connsiteX10" y="connsiteY10"/>
+                </a:cxn>
+                <a:cxn ang="0">
+                  <a:pos x="connsiteX11" y="connsiteY11"/>
+                </a:cxn>
+                <a:cxn ang="0">
+                  <a:pos x="connsiteX12" y="connsiteY12"/>
+                </a:cxn>
+                <a:cxn ang="0">
+                  <a:pos x="connsiteX13" y="connsiteY13"/>
+                </a:cxn>
+                <a:cxn ang="0">
+                  <a:pos x="connsiteX14" y="connsiteY14"/>
+                </a:cxn>
+                <a:cxn ang="0">
+                  <a:pos x="connsiteX15" y="connsiteY15"/>
+                </a:cxn>
+                <a:cxn ang="0">
+                  <a:pos x="connsiteX16" y="connsiteY16"/>
+                </a:cxn>
+                <a:cxn ang="0">
+                  <a:pos x="connsiteX17" y="connsiteY17"/>
+                </a:cxn>
+                <a:cxn ang="0">
+                  <a:pos x="connsiteX18" y="connsiteY18"/>
+                </a:cxn>
+                <a:cxn ang="0">
+                  <a:pos x="connsiteX19" y="connsiteY19"/>
+                </a:cxn>
+                <a:cxn ang="0">
+                  <a:pos x="connsiteX20" y="connsiteY20"/>
+                </a:cxn>
+                <a:cxn ang="0">
+                  <a:pos x="connsiteX21" y="connsiteY21"/>
+                </a:cxn>
+                <a:cxn ang="0">
+                  <a:pos x="connsiteX22" y="connsiteY22"/>
+                </a:cxn>
+                <a:cxn ang="0">
+                  <a:pos x="connsiteX23" y="connsiteY23"/>
+                </a:cxn>
+                <a:cxn ang="0">
+                  <a:pos x="connsiteX24" y="connsiteY24"/>
+                </a:cxn>
+                <a:cxn ang="0">
+                  <a:pos x="connsiteX25" y="connsiteY25"/>
+                </a:cxn>
+                <a:cxn ang="0">
+                  <a:pos x="connsiteX26" y="connsiteY26"/>
+                </a:cxn>
+                <a:cxn ang="0">
+                  <a:pos x="connsiteX27" y="connsiteY27"/>
+                </a:cxn>
+                <a:cxn ang="0">
+                  <a:pos x="connsiteX28" y="connsiteY28"/>
+                </a:cxn>
+                <a:cxn ang="0">
+                  <a:pos x="connsiteX29" y="connsiteY29"/>
+                </a:cxn>
+                <a:cxn ang="0">
+                  <a:pos x="connsiteX30" y="connsiteY30"/>
+                </a:cxn>
+                <a:cxn ang="0">
+                  <a:pos x="connsiteX31" y="connsiteY31"/>
+                </a:cxn>
+                <a:cxn ang="0">
+                  <a:pos x="connsiteX32" y="connsiteY32"/>
+                </a:cxn>
+                <a:cxn ang="0">
+                  <a:pos x="connsiteX33" y="connsiteY33"/>
+                </a:cxn>
+                <a:cxn ang="0">
+                  <a:pos x="connsiteX34" y="connsiteY34"/>
+                </a:cxn>
+                <a:cxn ang="0">
+                  <a:pos x="connsiteX35" y="connsiteY35"/>
+                </a:cxn>
+                <a:cxn ang="0">
+                  <a:pos x="connsiteX36" y="connsiteY36"/>
+                </a:cxn>
+                <a:cxn ang="0">
+                  <a:pos x="connsiteX37" y="connsiteY37"/>
+                </a:cxn>
+                <a:cxn ang="0">
+                  <a:pos x="connsiteX38" y="connsiteY38"/>
+                </a:cxn>
+                <a:cxn ang="0">
+                  <a:pos x="connsiteX39" y="connsiteY39"/>
+                </a:cxn>
+                <a:cxn ang="0">
+                  <a:pos x="connsiteX40" y="connsiteY40"/>
+                </a:cxn>
+                <a:cxn ang="0">
+                  <a:pos x="connsiteX41" y="connsiteY41"/>
+                </a:cxn>
+                <a:cxn ang="0">
+                  <a:pos x="connsiteX42" y="connsiteY42"/>
+                </a:cxn>
+                <a:cxn ang="0">
+                  <a:pos x="connsiteX43" y="connsiteY43"/>
+                </a:cxn>
+                <a:cxn ang="0">
+                  <a:pos x="connsiteX44" y="connsiteY44"/>
+                </a:cxn>
+                <a:cxn ang="0">
+                  <a:pos x="connsiteX45" y="connsiteY45"/>
+                </a:cxn>
+                <a:cxn ang="0">
+                  <a:pos x="connsiteX46" y="connsiteY46"/>
+                </a:cxn>
+                <a:cxn ang="0">
+                  <a:pos x="connsiteX47" y="connsiteY47"/>
+                </a:cxn>
+                <a:cxn ang="0">
+                  <a:pos x="connsiteX48" y="connsiteY48"/>
+                </a:cxn>
+                <a:cxn ang="0">
+                  <a:pos x="connsiteX49" y="connsiteY49"/>
+                </a:cxn>
+                <a:cxn ang="0">
+                  <a:pos x="connsiteX50" y="connsiteY50"/>
+                </a:cxn>
+                <a:cxn ang="0">
+                  <a:pos x="connsiteX51" y="connsiteY51"/>
+                </a:cxn>
+                <a:cxn ang="0">
+                  <a:pos x="connsiteX52" y="connsiteY52"/>
+                </a:cxn>
+                <a:cxn ang="0">
+                  <a:pos x="connsiteX53" y="connsiteY53"/>
+                </a:cxn>
+                <a:cxn ang="0">
+                  <a:pos x="connsiteX54" y="connsiteY54"/>
+                </a:cxn>
+                <a:cxn ang="0">
+                  <a:pos x="connsiteX55" y="connsiteY55"/>
+                </a:cxn>
+                <a:cxn ang="0">
+                  <a:pos x="connsiteX56" y="connsiteY56"/>
+                </a:cxn>
+                <a:cxn ang="0">
+                  <a:pos x="connsiteX57" y="connsiteY57"/>
+                </a:cxn>
+                <a:cxn ang="0">
+                  <a:pos x="connsiteX58" y="connsiteY58"/>
+                </a:cxn>
+                <a:cxn ang="0">
+                  <a:pos x="connsiteX59" y="connsiteY59"/>
+                </a:cxn>
+                <a:cxn ang="0">
+                  <a:pos x="connsiteX60" y="connsiteY60"/>
+                </a:cxn>
+                <a:cxn ang="0">
+                  <a:pos x="connsiteX61" y="connsiteY61"/>
+                </a:cxn>
+                <a:cxn ang="0">
+                  <a:pos x="connsiteX62" y="connsiteY62"/>
+                </a:cxn>
+                <a:cxn ang="0">
+                  <a:pos x="connsiteX63" y="connsiteY63"/>
+                </a:cxn>
+              </a:cxnLst>
+              <a:rect l="l" t="t" r="r" b="b"/>
+              <a:pathLst>
+                <a:path w="6264586" h="6858001">
+                  <a:moveTo>
+                    <a:pt x="6264586" y="6646464"/>
+                  </a:moveTo>
+                  <a:lnTo>
+                    <a:pt x="6264586" y="6858001"/>
+                  </a:lnTo>
+                  <a:lnTo>
+                    <a:pt x="5997170" y="6858001"/>
+                  </a:lnTo>
+                  <a:lnTo>
+                    <a:pt x="6121512" y="6761029"/>
+                  </a:lnTo>
+                  <a:close/>
+                  <a:moveTo>
+                    <a:pt x="2693206" y="0"/>
+                  </a:moveTo>
+                  <a:lnTo>
+                    <a:pt x="5872285" y="0"/>
+                  </a:lnTo>
+                  <a:lnTo>
+                    <a:pt x="6024875" y="68385"/>
+                  </a:lnTo>
+                  <a:cubicBezTo>
+                    <a:pt x="6086250" y="97989"/>
+                    <a:pt x="6146793" y="129318"/>
+                    <a:pt x="6206432" y="162336"/>
+                  </a:cubicBezTo>
+                  <a:lnTo>
+                    <a:pt x="6264586" y="196704"/>
+                  </a:lnTo>
+                  <a:lnTo>
+                    <a:pt x="6264586" y="537242"/>
+                  </a:lnTo>
+                  <a:lnTo>
+                    <a:pt x="6230189" y="517260"/>
+                  </a:lnTo>
+                  <a:cubicBezTo>
+                    <a:pt x="6012226" y="399931"/>
+                    <a:pt x="5780573" y="310008"/>
+                    <a:pt x="5540536" y="249543"/>
+                  </a:cubicBezTo>
+                  <a:cubicBezTo>
+                    <a:pt x="5421375" y="219324"/>
+                    <a:pt x="5300641" y="195644"/>
+                    <a:pt x="5178896" y="178606"/>
+                  </a:cubicBezTo>
+                  <a:cubicBezTo>
+                    <a:pt x="5057977" y="161840"/>
+                    <a:pt x="4936276" y="151186"/>
+                    <a:pt x="4814279" y="146683"/>
+                  </a:cubicBezTo>
+                  <a:cubicBezTo>
+                    <a:pt x="4761501" y="144556"/>
+                    <a:pt x="4708015" y="143421"/>
+                    <a:pt x="4655095" y="143421"/>
+                  </a:cubicBezTo>
+                  <a:cubicBezTo>
+                    <a:pt x="4462968" y="143573"/>
+                    <a:pt x="4271111" y="157799"/>
+                    <a:pt x="4081069" y="185983"/>
+                  </a:cubicBezTo>
+                  <a:cubicBezTo>
+                    <a:pt x="3956361" y="205703"/>
+                    <a:pt x="3835058" y="229396"/>
+                    <a:pt x="3720566" y="256921"/>
+                  </a:cubicBezTo>
+                  <a:cubicBezTo>
+                    <a:pt x="3596708" y="286714"/>
+                    <a:pt x="3477677" y="320905"/>
+                    <a:pt x="3365879" y="357651"/>
+                  </a:cubicBezTo>
+                  <a:cubicBezTo>
+                    <a:pt x="3249257" y="395958"/>
+                    <a:pt x="3133487" y="438945"/>
+                    <a:pt x="3020555" y="486190"/>
+                  </a:cubicBezTo>
+                  <a:cubicBezTo>
+                    <a:pt x="2907623" y="533434"/>
+                    <a:pt x="2794832" y="585786"/>
+                    <a:pt x="2685163" y="641542"/>
+                  </a:cubicBezTo>
+                  <a:cubicBezTo>
+                    <a:pt x="2463995" y="754348"/>
+                    <a:pt x="2250998" y="882488"/>
+                    <a:pt x="2047720" y="1025030"/>
+                  </a:cubicBezTo>
+                  <a:cubicBezTo>
+                    <a:pt x="2006151" y="1054399"/>
+                    <a:pt x="1951528" y="1093415"/>
+                    <a:pt x="1897333" y="1134983"/>
+                  </a:cubicBezTo>
+                  <a:cubicBezTo>
+                    <a:pt x="1876761" y="1150164"/>
+                    <a:pt x="1855905" y="1166479"/>
+                    <a:pt x="1835758" y="1182227"/>
+                  </a:cubicBezTo>
+                  <a:lnTo>
+                    <a:pt x="1823273" y="1192016"/>
+                  </a:lnTo>
+                  <a:cubicBezTo>
+                    <a:pt x="1797027" y="1211879"/>
+                    <a:pt x="1772057" y="1232309"/>
+                    <a:pt x="1750918" y="1249760"/>
+                  </a:cubicBezTo>
+                  <a:cubicBezTo>
+                    <a:pt x="1645931" y="1335737"/>
+                    <a:pt x="1554422" y="1416605"/>
+                    <a:pt x="1469297" y="1496906"/>
+                  </a:cubicBezTo>
+                  <a:cubicBezTo>
+                    <a:pt x="1286595" y="1668957"/>
+                    <a:pt x="1118818" y="1856190"/>
+                    <a:pt x="967769" y="2056602"/>
+                  </a:cubicBezTo>
+                  <a:cubicBezTo>
+                    <a:pt x="890731" y="2159603"/>
+                    <a:pt x="818800" y="2264590"/>
+                    <a:pt x="754105" y="2368727"/>
+                  </a:cubicBezTo>
+                  <a:cubicBezTo>
+                    <a:pt x="681749" y="2488328"/>
+                    <a:pt x="622304" y="2596720"/>
+                    <a:pt x="572364" y="2701140"/>
+                  </a:cubicBezTo>
+                  <a:cubicBezTo>
+                    <a:pt x="557609" y="2730507"/>
+                    <a:pt x="543989" y="2760443"/>
+                    <a:pt x="532497" y="2786265"/>
+                  </a:cubicBezTo>
+                  <a:lnTo>
+                    <a:pt x="512918" y="2828827"/>
+                  </a:lnTo>
+                  <a:lnTo>
+                    <a:pt x="494475" y="2872240"/>
+                  </a:lnTo>
+                  <a:lnTo>
+                    <a:pt x="491637" y="2878908"/>
+                  </a:lnTo>
+                  <a:cubicBezTo>
+                    <a:pt x="480146" y="2906575"/>
+                    <a:pt x="469220" y="2932821"/>
+                    <a:pt x="459290" y="2959635"/>
+                  </a:cubicBezTo>
+                  <a:cubicBezTo>
+                    <a:pt x="455176" y="2970559"/>
+                    <a:pt x="451060" y="2981484"/>
+                    <a:pt x="446805" y="2992408"/>
+                  </a:cubicBezTo>
+                  <a:cubicBezTo>
+                    <a:pt x="439427" y="3012412"/>
+                    <a:pt x="432333" y="3030572"/>
+                    <a:pt x="426090" y="3049158"/>
+                  </a:cubicBezTo>
+                  <a:lnTo>
+                    <a:pt x="426090" y="3049867"/>
+                  </a:lnTo>
+                  <a:cubicBezTo>
+                    <a:pt x="383010" y="3169099"/>
+                    <a:pt x="346959" y="3290756"/>
+                    <a:pt x="318124" y="3414202"/>
+                  </a:cubicBezTo>
+                  <a:cubicBezTo>
+                    <a:pt x="260107" y="3661703"/>
+                    <a:pt x="230780" y="3915049"/>
+                    <a:pt x="230729" y="4169260"/>
+                  </a:cubicBezTo>
+                  <a:cubicBezTo>
+                    <a:pt x="231621" y="4295173"/>
+                    <a:pt x="244398" y="4420719"/>
+                    <a:pt x="268893" y="4544236"/>
+                  </a:cubicBezTo>
+                  <a:cubicBezTo>
+                    <a:pt x="293708" y="4666304"/>
+                    <a:pt x="330882" y="4785521"/>
+                    <a:pt x="379840" y="4900056"/>
+                  </a:cubicBezTo>
+                  <a:cubicBezTo>
+                    <a:pt x="387926" y="4919919"/>
+                    <a:pt x="397006" y="4939498"/>
+                    <a:pt x="406512" y="4960211"/>
+                  </a:cubicBezTo>
+                  <a:cubicBezTo>
+                    <a:pt x="410343" y="4968299"/>
+                    <a:pt x="414173" y="4976385"/>
+                    <a:pt x="417862" y="4984613"/>
+                  </a:cubicBezTo>
+                  <a:lnTo>
+                    <a:pt x="428077" y="5005043"/>
+                  </a:lnTo>
+                  <a:cubicBezTo>
+                    <a:pt x="438860" y="5026751"/>
+                    <a:pt x="449075" y="5047181"/>
+                    <a:pt x="460140" y="5067327"/>
+                  </a:cubicBezTo>
+                  <a:cubicBezTo>
+                    <a:pt x="485536" y="5116273"/>
+                    <a:pt x="514763" y="5165789"/>
+                    <a:pt x="555197" y="5229773"/>
+                  </a:cubicBezTo>
+                  <a:cubicBezTo>
+                    <a:pt x="586836" y="5280282"/>
+                    <a:pt x="620318" y="5329511"/>
+                    <a:pt x="660611" y="5387396"/>
+                  </a:cubicBezTo>
+                  <a:cubicBezTo>
+                    <a:pt x="698065" y="5440741"/>
+                    <a:pt x="737223" y="5493094"/>
+                    <a:pt x="774110" y="5542182"/>
+                  </a:cubicBezTo>
+                  <a:cubicBezTo>
+                    <a:pt x="821070" y="5604324"/>
+                    <a:pt x="870301" y="5667173"/>
+                    <a:pt x="917829" y="5727896"/>
+                  </a:cubicBezTo>
+                  <a:cubicBezTo>
+                    <a:pt x="949042" y="5767762"/>
+                    <a:pt x="979828" y="5807063"/>
+                    <a:pt x="1012885" y="5849767"/>
+                  </a:cubicBezTo>
+                  <a:cubicBezTo>
+                    <a:pt x="1045942" y="5892471"/>
+                    <a:pt x="1089497" y="5948796"/>
+                    <a:pt x="1133053" y="6006822"/>
+                  </a:cubicBezTo>
+                  <a:cubicBezTo>
+                    <a:pt x="1153624" y="6034345"/>
+                    <a:pt x="1175332" y="6063998"/>
+                    <a:pt x="1194343" y="6090245"/>
+                  </a:cubicBezTo>
+                  <a:cubicBezTo>
+                    <a:pt x="1213355" y="6116491"/>
+                    <a:pt x="1231372" y="6141178"/>
+                    <a:pt x="1249390" y="6165155"/>
+                  </a:cubicBezTo>
+                  <a:cubicBezTo>
+                    <a:pt x="1280461" y="6208000"/>
+                    <a:pt x="1313659" y="6250847"/>
+                    <a:pt x="1345724" y="6292132"/>
+                  </a:cubicBezTo>
+                  <a:lnTo>
+                    <a:pt x="1364310" y="6316251"/>
+                  </a:lnTo>
+                  <a:lnTo>
+                    <a:pt x="1373673" y="6327885"/>
+                  </a:lnTo>
+                  <a:cubicBezTo>
+                    <a:pt x="1409566" y="6372433"/>
+                    <a:pt x="1446738" y="6418542"/>
+                    <a:pt x="1484619" y="6462240"/>
+                  </a:cubicBezTo>
+                  <a:cubicBezTo>
+                    <a:pt x="1567899" y="6559850"/>
+                    <a:pt x="1653876" y="6652211"/>
+                    <a:pt x="1739000" y="6737335"/>
+                  </a:cubicBezTo>
+                  <a:lnTo>
+                    <a:pt x="1866801" y="6858001"/>
+                  </a:lnTo>
+                  <a:lnTo>
+                    <a:pt x="1144149" y="6858001"/>
+                  </a:lnTo>
+                  <a:lnTo>
+                    <a:pt x="1058349" y="6766452"/>
+                  </a:lnTo>
+                  <a:cubicBezTo>
+                    <a:pt x="878978" y="6562465"/>
+                    <a:pt x="718756" y="6341104"/>
+                    <a:pt x="580309" y="6105000"/>
+                  </a:cubicBezTo>
+                  <a:cubicBezTo>
+                    <a:pt x="200401" y="5454007"/>
+                    <a:pt x="146" y="4713831"/>
+                    <a:pt x="1" y="3960094"/>
+                  </a:cubicBezTo>
+                  <a:cubicBezTo>
+                    <a:pt x="-335" y="2196754"/>
+                    <a:pt x="1071479" y="683605"/>
+                    <a:pt x="2599292" y="37050"/>
+                  </a:cubicBezTo>
+                  <a:close/>
+                </a:path>
+              </a:pathLst>
+            </a:custGeom>
+            <a:gradFill>
+              <a:gsLst>
+                <a:gs pos="2000">
+                  <a:schemeClr val="bg1">
+                    <a:alpha val="10000"/>
+                  </a:schemeClr>
+                </a:gs>
+                <a:gs pos="16000">
+                  <a:schemeClr val="accent6">
+                    <a:alpha val="10000"/>
+                  </a:schemeClr>
+                </a:gs>
+                <a:gs pos="100000">
+                  <a:schemeClr val="bg1">
+                    <a:alpha val="10000"/>
+                  </a:schemeClr>
+                </a:gs>
+                <a:gs pos="85000">
+                  <a:schemeClr val="accent1">
+                    <a:alpha val="10000"/>
+                  </a:schemeClr>
+                </a:gs>
+              </a:gsLst>
+              <a:lin ang="12000000" scaled="0"/>
+            </a:gradFill>
+            <a:ln>
+              <a:noFill/>
+            </a:ln>
+          </p:spPr>
+          <p:style>
+            <a:lnRef idx="2">
+              <a:schemeClr val="accent1">
+                <a:shade val="50000"/>
+              </a:schemeClr>
+            </a:lnRef>
+            <a:fillRef idx="1">
+              <a:schemeClr val="accent1"/>
+            </a:fillRef>
+            <a:effectRef idx="0">
+              <a:schemeClr val="accent1"/>
+            </a:effectRef>
+            <a:fontRef idx="minor">
+              <a:schemeClr val="lt1"/>
+            </a:fontRef>
+          </p:style>
+          <p:txBody>
+            <a:bodyPr rtlCol="0" anchor="ctr"/>
+            <a:lstStyle/>
+            <a:p>
+              <a:pPr algn="ctr"/>
+              <a:endParaRPr lang="en-US" dirty="0"/>
+            </a:p>
+          </p:txBody>
+        </p:sp>
+      </p:grpSp>
+      <p:sp>
+        <p:nvSpPr>
+          <p:cNvPr id="2" name="Espace réservé de la date 1">
+            <a:extLst>
+              <a:ext uri="{FF2B5EF4-FFF2-40B4-BE49-F238E27FC236}">
+                <a16:creationId xmlns:a16="http://schemas.microsoft.com/office/drawing/2014/main" id="{CD896E27-61CD-FDF0-5BFD-192A595B3440}"/>
+              </a:ext>
+            </a:extLst>
+          </p:cNvPr>
+          <p:cNvSpPr>
+            <a:spLocks noGrp="1"/>
+          </p:cNvSpPr>
+          <p:nvPr>
+            <p:ph type="dt" sz="half" idx="10"/>
+          </p:nvPr>
+        </p:nvSpPr>
+        <p:spPr>
+          <a:xfrm>
+            <a:off x="804672" y="6356350"/>
+            <a:ext cx="2743200" cy="365125"/>
+          </a:xfrm>
+        </p:spPr>
+        <p:txBody>
+          <a:bodyPr vert="horz" lIns="91440" tIns="45720" rIns="91440" bIns="45720" rtlCol="0" anchor="ctr">
+            <a:normAutofit/>
+          </a:bodyPr>
+          <a:lstStyle/>
+          <a:p>
+            <a:pPr marR="0" lvl="0" indent="0" fontAlgn="auto">
+              <a:spcBef>
+                <a:spcPts val="0"/>
+              </a:spcBef>
+              <a:spcAft>
+                <a:spcPts val="600"/>
+              </a:spcAft>
+              <a:buClrTx/>
+              <a:buSzTx/>
+              <a:buFontTx/>
+              <a:buNone/>
+              <a:tabLst/>
+              <a:defRPr/>
+            </a:pPr>
+            <a:fld id="{558FCFB5-0C95-44C7-B31B-CD8A7B1B23CA}" type="datetime1">
+              <a:rPr kumimoji="0" lang="en-US" b="0" i="0" u="none" strike="noStrike" cap="none" spc="0" normalizeH="0" baseline="0" noProof="0" smtClean="0">
+                <a:ln>
+                  <a:noFill/>
+                </a:ln>
+                <a:effectLst/>
+                <a:uLnTx/>
+                <a:uFillTx/>
+              </a:rPr>
+              <a:pPr marR="0" lvl="0" indent="0" fontAlgn="auto">
+                <a:spcBef>
+                  <a:spcPts val="0"/>
+                </a:spcBef>
+                <a:spcAft>
+                  <a:spcPts val="600"/>
+                </a:spcAft>
+                <a:buClrTx/>
+                <a:buSzTx/>
+                <a:buFontTx/>
+                <a:buNone/>
+                <a:tabLst/>
+                <a:defRPr/>
+              </a:pPr>
+              <a:t>5/15/2023</a:t>
+            </a:fld>
+            <a:endParaRPr kumimoji="0" lang="en-US" b="0" i="0" u="none" strike="noStrike" cap="none" spc="0" normalizeH="0" baseline="0" noProof="0">
+              <a:ln>
+                <a:noFill/>
+              </a:ln>
+              <a:effectLst/>
+              <a:uLnTx/>
+              <a:uFillTx/>
+            </a:endParaRPr>
+          </a:p>
+        </p:txBody>
+      </p:sp>
+      <p:sp>
+        <p:nvSpPr>
+          <p:cNvPr id="3" name="Espace réservé du numéro de diapositive 2">
+            <a:extLst>
+              <a:ext uri="{FF2B5EF4-FFF2-40B4-BE49-F238E27FC236}">
+                <a16:creationId xmlns:a16="http://schemas.microsoft.com/office/drawing/2014/main" id="{7481BCC5-CDB2-241E-B9A2-E4441B0D41B8}"/>
+              </a:ext>
+            </a:extLst>
+          </p:cNvPr>
+          <p:cNvSpPr>
+            <a:spLocks noGrp="1"/>
+          </p:cNvSpPr>
+          <p:nvPr>
+            <p:ph type="sldNum" sz="quarter" idx="12"/>
+          </p:nvPr>
+        </p:nvSpPr>
+        <p:spPr>
+          <a:xfrm>
+            <a:off x="8610600" y="6356350"/>
+            <a:ext cx="2743200" cy="365125"/>
+          </a:xfrm>
+        </p:spPr>
+        <p:txBody>
+          <a:bodyPr vert="horz" lIns="91440" tIns="45720" rIns="91440" bIns="45720" rtlCol="0" anchor="ctr">
+            <a:normAutofit/>
+          </a:bodyPr>
+          <a:lstStyle/>
+          <a:p>
+            <a:pPr marR="0" lvl="0" indent="0" fontAlgn="auto">
+              <a:spcBef>
+                <a:spcPts val="0"/>
+              </a:spcBef>
+              <a:spcAft>
+                <a:spcPts val="600"/>
+              </a:spcAft>
+              <a:buClrTx/>
+              <a:buSzTx/>
+              <a:buFontTx/>
+              <a:buNone/>
+              <a:tabLst/>
+              <a:defRPr/>
+            </a:pPr>
+            <a:fld id="{95C870F5-2469-49EC-A44E-C9B5362F8607}" type="slidenum">
+              <a:rPr kumimoji="0" lang="en-US" b="0" i="0" u="none" strike="noStrike" cap="none" spc="0" normalizeH="0" baseline="0" noProof="0" smtClean="0">
+                <a:ln>
+                  <a:noFill/>
+                </a:ln>
+                <a:effectLst/>
+                <a:uLnTx/>
+                <a:uFillTx/>
+              </a:rPr>
+              <a:pPr marR="0" lvl="0" indent="0" fontAlgn="auto">
+                <a:spcBef>
+                  <a:spcPts val="0"/>
+                </a:spcBef>
+                <a:spcAft>
+                  <a:spcPts val="600"/>
+                </a:spcAft>
+                <a:buClrTx/>
+                <a:buSzTx/>
+                <a:buFontTx/>
+                <a:buNone/>
+                <a:tabLst/>
+                <a:defRPr/>
+              </a:pPr>
+              <a:t>9</a:t>
+            </a:fld>
+            <a:endParaRPr kumimoji="0" lang="en-US" b="0" i="0" u="none" strike="noStrike" cap="none" spc="0" normalizeH="0" baseline="0" noProof="0">
+              <a:ln>
+                <a:noFill/>
+              </a:ln>
+              <a:effectLst/>
+              <a:uLnTx/>
+              <a:uFillTx/>
+            </a:endParaRPr>
+          </a:p>
+        </p:txBody>
+      </p:sp>
+      <p:sp>
+        <p:nvSpPr>
+          <p:cNvPr id="8" name="ZoneTexte 7">
+            <a:extLst>
+              <a:ext uri="{FF2B5EF4-FFF2-40B4-BE49-F238E27FC236}">
+                <a16:creationId xmlns:a16="http://schemas.microsoft.com/office/drawing/2014/main" id="{0ECAEF6A-28BA-6395-C868-C4CD94115CED}"/>
+              </a:ext>
+            </a:extLst>
+          </p:cNvPr>
+          <p:cNvSpPr txBox="1"/>
+          <p:nvPr/>
+        </p:nvSpPr>
+        <p:spPr>
+          <a:xfrm>
+            <a:off x="6882028" y="1847443"/>
+            <a:ext cx="4716104" cy="1323439"/>
           </a:xfrm>
           <a:prstGeom prst="rect">
             <a:avLst/>
@@ -10048,18 +12722,38 @@
           <a:lstStyle/>
           <a:p>
             <a:r>
-              <a:rPr lang="fr-FR" sz="1200" b="1" i="1" dirty="0"/>
-              <a:t>La fonctionnalité souhaitée par le client…</a:t>
-            </a:r>
-          </a:p>
-        </p:txBody>
-      </p:sp>
-      <p:sp>
-        <p:nvSpPr>
-          <p:cNvPr id="18" name="ZoneTexte 17">
-            <a:extLst>
-              <a:ext uri="{FF2B5EF4-FFF2-40B4-BE49-F238E27FC236}">
-                <a16:creationId xmlns:a16="http://schemas.microsoft.com/office/drawing/2014/main" id="{49E53E33-F79A-EC33-0E85-EFD98D4586E3}"/>
+              <a:rPr lang="fr-FR" sz="2000" b="1" i="1" dirty="0"/>
+              <a:t>Fréquence : </a:t>
+            </a:r>
+          </a:p>
+          <a:p>
+            <a:r>
+              <a:rPr lang="fr-FR" sz="2000" b="1" i="1" dirty="0"/>
+              <a:t>Possibilité de se rencontrer en </a:t>
+            </a:r>
+            <a:r>
+              <a:rPr lang="fr-FR" sz="2000" b="1" i="1" dirty="0" err="1"/>
+              <a:t>visio</a:t>
+            </a:r>
+            <a:r>
+              <a:rPr lang="fr-FR" sz="2000" b="1" i="1" dirty="0"/>
+              <a:t> </a:t>
+            </a:r>
+          </a:p>
+          <a:p>
+            <a:r>
+              <a:rPr lang="fr-FR" sz="2000" b="1" i="1" dirty="0"/>
+              <a:t>chaque vendredi ou bien un vendredi sur deux</a:t>
+            </a:r>
+          </a:p>
+        </p:txBody>
+      </p:sp>
+      <p:sp>
+        <p:nvSpPr>
+          <p:cNvPr id="9" name="ZoneTexte 8">
+            <a:extLst>
+              <a:ext uri="{FF2B5EF4-FFF2-40B4-BE49-F238E27FC236}">
+                <a16:creationId xmlns:a16="http://schemas.microsoft.com/office/drawing/2014/main" id="{240DC437-A97D-5849-0740-E800B626BE7C}"/>
               </a:ext>
             </a:extLst>
           </p:cNvPr>
@@ -10068,8 +12762,8 @@
         </p:nvSpPr>
         <p:spPr>
           <a:xfrm>
-            <a:off x="166447" y="4399472"/>
-            <a:ext cx="1996571" cy="830997"/>
+            <a:off x="6882028" y="3443439"/>
+            <a:ext cx="4471772" cy="1631216"/>
           </a:xfrm>
           <a:prstGeom prst="rect">
             <a:avLst/>
@@ -10083,18 +12777,64 @@
           <a:lstStyle/>
           <a:p>
             <a:r>
-              <a:rPr lang="fr-FR" sz="1200" b="1" i="1" dirty="0"/>
-              <a:t>… nous la convertissons en un objectif, nous y ajoutons les contraintes avec lesquelles travailler</a:t>
-            </a:r>
-          </a:p>
-        </p:txBody>
-      </p:sp>
-      <p:sp>
-        <p:nvSpPr>
-          <p:cNvPr id="19" name="ZoneTexte 18">
-            <a:extLst>
-              <a:ext uri="{FF2B5EF4-FFF2-40B4-BE49-F238E27FC236}">
-                <a16:creationId xmlns:a16="http://schemas.microsoft.com/office/drawing/2014/main" id="{116A6E82-5E50-BA8A-BAE6-19D2167DB7DC}"/>
+              <a:rPr lang="fr-FR" sz="2000" b="1" i="1" dirty="0"/>
+              <a:t>Participants : </a:t>
+            </a:r>
+          </a:p>
+          <a:p>
+            <a:pPr marL="285750" indent="-285750">
+              <a:buFont typeface="Arial" panose="020B0604020202020204" pitchFamily="34" charset="0"/>
+              <a:buChar char="•"/>
+            </a:pPr>
+            <a:r>
+              <a:rPr lang="fr-FR" sz="2000" b="1" i="1" dirty="0"/>
+              <a:t>Au moins un responsable de suivi du projet pour </a:t>
+            </a:r>
+            <a:r>
+              <a:rPr lang="fr-FR" sz="2000" b="1" i="1" dirty="0" err="1"/>
+              <a:t>Qwenta</a:t>
+            </a:r>
+            <a:endParaRPr lang="fr-FR" sz="2000" b="1" i="1" dirty="0"/>
+          </a:p>
+          <a:p>
+            <a:pPr marL="285750" indent="-285750">
+              <a:buFont typeface="Arial" panose="020B0604020202020204" pitchFamily="34" charset="0"/>
+              <a:buChar char="•"/>
+            </a:pPr>
+            <a:r>
+              <a:rPr lang="fr-FR" sz="2000" b="1" i="1" dirty="0"/>
+              <a:t>Product </a:t>
+            </a:r>
+            <a:r>
+              <a:rPr lang="fr-FR" sz="2000" b="1" i="1" dirty="0" err="1"/>
+              <a:t>Owner</a:t>
+            </a:r>
+            <a:r>
+              <a:rPr lang="fr-FR" sz="2000" b="1" i="1" dirty="0"/>
+              <a:t> et </a:t>
+            </a:r>
+            <a:r>
+              <a:rPr lang="fr-FR" sz="2000" b="1" i="1" dirty="0" err="1"/>
+              <a:t>scrum</a:t>
+            </a:r>
+            <a:r>
+              <a:rPr lang="fr-FR" sz="2000" b="1" i="1" dirty="0"/>
+              <a:t> master pour </a:t>
+            </a:r>
+            <a:r>
+              <a:rPr lang="fr-FR" sz="2000" b="1" i="1" dirty="0" err="1"/>
+              <a:t>Webgencia</a:t>
+            </a:r>
+            <a:endParaRPr lang="fr-FR" sz="2000" b="1" i="1" dirty="0"/>
+          </a:p>
+        </p:txBody>
+      </p:sp>
+      <p:sp>
+        <p:nvSpPr>
+          <p:cNvPr id="10" name="ZoneTexte 9">
+            <a:extLst>
+              <a:ext uri="{FF2B5EF4-FFF2-40B4-BE49-F238E27FC236}">
+                <a16:creationId xmlns:a16="http://schemas.microsoft.com/office/drawing/2014/main" id="{8721FCBE-69B6-7880-5BB1-7351804AE973}"/>
               </a:ext>
             </a:extLst>
           </p:cNvPr>
@@ -10103,8 +12843,8 @@
         </p:nvSpPr>
         <p:spPr>
           <a:xfrm>
-            <a:off x="9014604" y="5704158"/>
-            <a:ext cx="3089115" cy="646331"/>
+            <a:off x="6186764" y="5724921"/>
+            <a:ext cx="5632632" cy="707886"/>
           </a:xfrm>
           <a:prstGeom prst="rect">
             <a:avLst/>
@@ -10118,92 +12858,117 @@
           <a:lstStyle/>
           <a:p>
             <a:r>
-              <a:rPr lang="fr-FR" sz="1200" dirty="0"/>
-              <a:t>Nous réfléchissons ensuite aux </a:t>
-            </a:r>
-          </a:p>
-          <a:p>
-            <a:r>
-              <a:rPr lang="fr-FR" sz="1200" dirty="0"/>
-              <a:t>solutions techniques permettant la réalisation </a:t>
-            </a:r>
-          </a:p>
-          <a:p>
-            <a:r>
-              <a:rPr lang="fr-FR" sz="1200" dirty="0"/>
-              <a:t>par les développeurs de cet objectif.  </a:t>
-            </a:r>
-          </a:p>
-        </p:txBody>
-      </p:sp>
-      <p:sp>
-        <p:nvSpPr>
-          <p:cNvPr id="3" name="Espace réservé de la date 2">
-            <a:extLst>
-              <a:ext uri="{FF2B5EF4-FFF2-40B4-BE49-F238E27FC236}">
-                <a16:creationId xmlns:a16="http://schemas.microsoft.com/office/drawing/2014/main" id="{8E01A35A-F26A-C0AF-2C30-FF92B63D0E12}"/>
-              </a:ext>
-            </a:extLst>
-          </p:cNvPr>
-          <p:cNvSpPr>
-            <a:spLocks noGrp="1"/>
-          </p:cNvSpPr>
-          <p:nvPr>
-            <p:ph type="dt" sz="half" idx="10"/>
-          </p:nvPr>
-        </p:nvSpPr>
-        <p:spPr/>
-        <p:txBody>
-          <a:bodyPr/>
-          <a:lstStyle/>
-          <a:p>
-            <a:fld id="{247E9FB2-8DB6-4828-BF9D-97971CBF2278}" type="datetime1">
-              <a:rPr lang="fr-FR" smtClean="0"/>
-              <a:t>10/05/2023</a:t>
-            </a:fld>
-            <a:endParaRPr lang="fr-FR"/>
-          </a:p>
-        </p:txBody>
-      </p:sp>
-      <p:sp>
-        <p:nvSpPr>
-          <p:cNvPr id="7" name="Espace réservé du numéro de diapositive 6">
-            <a:extLst>
-              <a:ext uri="{FF2B5EF4-FFF2-40B4-BE49-F238E27FC236}">
-                <a16:creationId xmlns:a16="http://schemas.microsoft.com/office/drawing/2014/main" id="{338C03CB-8BB4-B879-1F50-947DED250BB1}"/>
-              </a:ext>
-            </a:extLst>
-          </p:cNvPr>
-          <p:cNvSpPr>
-            <a:spLocks noGrp="1"/>
-          </p:cNvSpPr>
-          <p:nvPr>
-            <p:ph type="sldNum" sz="quarter" idx="12"/>
-          </p:nvPr>
-        </p:nvSpPr>
-        <p:spPr/>
-        <p:txBody>
-          <a:bodyPr/>
-          <a:lstStyle/>
-          <a:p>
-            <a:fld id="{95C870F5-2469-49EC-A44E-C9B5362F8607}" type="slidenum">
-              <a:rPr lang="fr-FR" smtClean="0"/>
-              <a:t>9</a:t>
-            </a:fld>
-            <a:endParaRPr lang="fr-FR"/>
+              <a:rPr lang="fr-FR" sz="2000" b="1" i="1" dirty="0"/>
+              <a:t>Réunions à prévoir jusqu’à la mise en production de</a:t>
+            </a:r>
+          </a:p>
+          <a:p>
+            <a:r>
+              <a:rPr lang="fr-FR" sz="2000" b="1" i="1" dirty="0"/>
+              <a:t>Menu Maker</a:t>
+            </a:r>
           </a:p>
         </p:txBody>
       </p:sp>
     </p:spTree>
     <p:extLst>
       <p:ext uri="{BB962C8B-B14F-4D97-AF65-F5344CB8AC3E}">
-        <p14:creationId xmlns:p14="http://schemas.microsoft.com/office/powerpoint/2010/main" val="2659443062"/>
+        <p14:creationId xmlns:p14="http://schemas.microsoft.com/office/powerpoint/2010/main" val="3266958827"/>
       </p:ext>
     </p:extLst>
   </p:cSld>
   <p:clrMapOvr>
     <a:masterClrMapping/>
   </p:clrMapOvr>
+  <p:timing>
+    <p:tnLst>
+      <p:par>
+        <p:cTn id="1" dur="indefinite" restart="never" nodeType="tmRoot">
+          <p:childTnLst>
+            <p:seq concurrent="1" nextAc="seek">
+              <p:cTn id="2" dur="indefinite" nodeType="mainSeq">
+                <p:childTnLst>
+                  <p:par>
+                    <p:cTn id="3" fill="hold">
+                      <p:stCondLst>
+                        <p:cond delay="indefinite"/>
+                        <p:cond evt="onBegin" delay="0">
+                          <p:tn val="2"/>
+                        </p:cond>
+                      </p:stCondLst>
+                      <p:childTnLst>
+                        <p:par>
+                          <p:cTn id="4" fill="hold">
+                            <p:stCondLst>
+                              <p:cond delay="0"/>
+                            </p:stCondLst>
+                            <p:childTnLst>
+                              <p:par>
+                                <p:cTn id="5" presetID="10" presetClass="entr" presetSubtype="0" fill="hold" nodeType="withEffect">
+                                  <p:stCondLst>
+                                    <p:cond delay="500"/>
+                                  </p:stCondLst>
+                                  <p:iterate>
+                                    <p:tmPct val="10000"/>
+                                  </p:iterate>
+                                  <p:childTnLst>
+                                    <p:set>
+                                      <p:cBhvr>
+                                        <p:cTn id="6" dur="1" fill="hold">
+                                          <p:stCondLst>
+                                            <p:cond delay="0"/>
+                                          </p:stCondLst>
+                                        </p:cTn>
+                                        <p:tgtEl>
+                                          <p:spTgt spid="15"/>
+                                        </p:tgtEl>
+                                        <p:attrNameLst>
+                                          <p:attrName>style.visibility</p:attrName>
+                                        </p:attrNameLst>
+                                      </p:cBhvr>
+                                      <p:to>
+                                        <p:strVal val="visible"/>
+                                      </p:to>
+                                    </p:set>
+                                    <p:animEffect transition="in" filter="fade">
+                                      <p:cBhvr>
+                                        <p:cTn id="7" dur="700"/>
+                                        <p:tgtEl>
+                                          <p:spTgt spid="15"/>
+                                        </p:tgtEl>
+                                      </p:cBhvr>
+                                    </p:animEffect>
+                                  </p:childTnLst>
+                                </p:cTn>
+                              </p:par>
+                            </p:childTnLst>
+                          </p:cTn>
+                        </p:par>
+                      </p:childTnLst>
+                    </p:cTn>
+                  </p:par>
+                </p:childTnLst>
+              </p:cTn>
+              <p:prevCondLst>
+                <p:cond evt="onPrev" delay="0">
+                  <p:tgtEl>
+                    <p:sldTgt/>
+                  </p:tgtEl>
+                </p:cond>
+              </p:prevCondLst>
+              <p:nextCondLst>
+                <p:cond evt="onNext" delay="0">
+                  <p:tgtEl>
+                    <p:sldTgt/>
+                  </p:tgtEl>
+                </p:cond>
+              </p:nextCondLst>
+            </p:seq>
+          </p:childTnLst>
+        </p:cTn>
+      </p:par>
+    </p:tnLst>
+  </p:timing>
 </p:sld>
 </file>
 
